--- a/docs/ABC Racing -V1.pptx
+++ b/docs/ABC Racing -V1.pptx
@@ -5,10 +5,10 @@
     <p:sldMasterId id="2147483648" r:id="rId4"/>
   </p:sldMasterIdLst>
   <p:notesMasterIdLst>
-    <p:notesMasterId r:id="rId27"/>
+    <p:notesMasterId r:id="rId24"/>
   </p:notesMasterIdLst>
   <p:handoutMasterIdLst>
-    <p:handoutMasterId r:id="rId28"/>
+    <p:handoutMasterId r:id="rId25"/>
   </p:handoutMasterIdLst>
   <p:sldIdLst>
     <p:sldId id="257" r:id="rId5"/>
@@ -27,12 +27,9 @@
     <p:sldId id="290" r:id="rId18"/>
     <p:sldId id="291" r:id="rId19"/>
     <p:sldId id="292" r:id="rId20"/>
-    <p:sldId id="271" r:id="rId21"/>
-    <p:sldId id="272" r:id="rId22"/>
-    <p:sldId id="273" r:id="rId23"/>
-    <p:sldId id="266" r:id="rId24"/>
-    <p:sldId id="274" r:id="rId25"/>
-    <p:sldId id="275" r:id="rId26"/>
+    <p:sldId id="272" r:id="rId21"/>
+    <p:sldId id="274" r:id="rId22"/>
+    <p:sldId id="275" r:id="rId23"/>
   </p:sldIdLst>
   <p:sldSz cx="12192000" cy="6858000"/>
   <p:notesSz cx="6858000" cy="9144000"/>
@@ -247,7 +244,7 @@
           <a:p>
             <a:fld id="{97AB3EA8-A58D-4C92-A3AB-D271CCC294C7}" type="datetimeFigureOut">
               <a:rPr lang="en-US" smtClean="0"/>
-              <a:t>11/18/2021</a:t>
+              <a:t>11/19/2021</a:t>
             </a:fld>
             <a:endParaRPr lang="en-US" dirty="0"/>
           </a:p>
@@ -424,7 +421,7 @@
           <a:p>
             <a:fld id="{0AEFB4FA-E877-413E-B608-88789D806C57}" type="datetimeFigureOut">
               <a:rPr lang="en-US" noProof="0" smtClean="0"/>
-              <a:t>11/18/2021</a:t>
+              <a:t>11/19/2021</a:t>
             </a:fld>
             <a:endParaRPr lang="en-US" noProof="0" dirty="0"/>
           </a:p>
@@ -933,7 +930,7 @@
     </p:spTree>
     <p:extLst>
       <p:ext uri="{BB962C8B-B14F-4D97-AF65-F5344CB8AC3E}">
-        <p14:creationId xmlns:p14="http://schemas.microsoft.com/office/powerpoint/2010/main" val="3880404299"/>
+        <p14:creationId xmlns:p14="http://schemas.microsoft.com/office/powerpoint/2010/main" val="1631156916"/>
       </p:ext>
     </p:extLst>
   </p:cSld>
@@ -1017,7 +1014,7 @@
     </p:spTree>
     <p:extLst>
       <p:ext uri="{BB962C8B-B14F-4D97-AF65-F5344CB8AC3E}">
-        <p14:creationId xmlns:p14="http://schemas.microsoft.com/office/powerpoint/2010/main" val="1631156916"/>
+        <p14:creationId xmlns:p14="http://schemas.microsoft.com/office/powerpoint/2010/main" val="179059431"/>
       </p:ext>
     </p:extLst>
   </p:cSld>
@@ -1082,174 +1079,6 @@
             <a:spLocks noGrp="1"/>
           </p:cNvSpPr>
           <p:nvPr>
-            <p:ph type="sldNum" sz="quarter" idx="5"/>
-          </p:nvPr>
-        </p:nvSpPr>
-        <p:spPr/>
-        <p:txBody>
-          <a:bodyPr/>
-          <a:lstStyle/>
-          <a:p>
-            <a:fld id="{6336304E-FDE3-4B4F-A3B7-EBE87F3FA5E2}" type="slidenum">
-              <a:rPr lang="en-US" smtClean="0"/>
-              <a:t>19</a:t>
-            </a:fld>
-            <a:endParaRPr lang="en-US" dirty="0"/>
-          </a:p>
-        </p:txBody>
-      </p:sp>
-    </p:spTree>
-    <p:extLst>
-      <p:ext uri="{BB962C8B-B14F-4D97-AF65-F5344CB8AC3E}">
-        <p14:creationId xmlns:p14="http://schemas.microsoft.com/office/powerpoint/2010/main" val="4092240741"/>
-      </p:ext>
-    </p:extLst>
-  </p:cSld>
-  <p:clrMapOvr>
-    <a:masterClrMapping/>
-  </p:clrMapOvr>
-</p:notes>
-</file>
-
-<file path=ppt/notesSlides/notesSlide6.xml><?xml version="1.0" encoding="utf-8"?>
-<p:notes xmlns:a="http://schemas.openxmlformats.org/drawingml/2006/main" xmlns:r="http://schemas.openxmlformats.org/officeDocument/2006/relationships" xmlns:p="http://schemas.openxmlformats.org/presentationml/2006/main">
-  <p:cSld>
-    <p:spTree>
-      <p:nvGrpSpPr>
-        <p:cNvPr id="1" name=""/>
-        <p:cNvGrpSpPr/>
-        <p:nvPr/>
-      </p:nvGrpSpPr>
-      <p:grpSpPr>
-        <a:xfrm>
-          <a:off x="0" y="0"/>
-          <a:ext cx="0" cy="0"/>
-          <a:chOff x="0" y="0"/>
-          <a:chExt cx="0" cy="0"/>
-        </a:xfrm>
-      </p:grpSpPr>
-      <p:sp>
-        <p:nvSpPr>
-          <p:cNvPr id="2" name="Slide Image Placeholder 1"/>
-          <p:cNvSpPr>
-            <a:spLocks noGrp="1" noRot="1" noChangeAspect="1"/>
-          </p:cNvSpPr>
-          <p:nvPr>
-            <p:ph type="sldImg"/>
-          </p:nvPr>
-        </p:nvSpPr>
-        <p:spPr/>
-      </p:sp>
-      <p:sp>
-        <p:nvSpPr>
-          <p:cNvPr id="3" name="Notes Placeholder 2"/>
-          <p:cNvSpPr>
-            <a:spLocks noGrp="1"/>
-          </p:cNvSpPr>
-          <p:nvPr>
-            <p:ph type="body" idx="1"/>
-          </p:nvPr>
-        </p:nvSpPr>
-        <p:spPr/>
-        <p:txBody>
-          <a:bodyPr/>
-          <a:lstStyle/>
-          <a:p>
-            <a:endParaRPr lang="en-US" dirty="0"/>
-          </a:p>
-        </p:txBody>
-      </p:sp>
-      <p:sp>
-        <p:nvSpPr>
-          <p:cNvPr id="4" name="Slide Number Placeholder 3"/>
-          <p:cNvSpPr>
-            <a:spLocks noGrp="1"/>
-          </p:cNvSpPr>
-          <p:nvPr>
-            <p:ph type="sldNum" sz="quarter" idx="5"/>
-          </p:nvPr>
-        </p:nvSpPr>
-        <p:spPr/>
-        <p:txBody>
-          <a:bodyPr/>
-          <a:lstStyle/>
-          <a:p>
-            <a:fld id="{6336304E-FDE3-4B4F-A3B7-EBE87F3FA5E2}" type="slidenum">
-              <a:rPr lang="en-US" noProof="0" smtClean="0"/>
-              <a:t>20</a:t>
-            </a:fld>
-            <a:endParaRPr lang="en-US" noProof="0" dirty="0"/>
-          </a:p>
-        </p:txBody>
-      </p:sp>
-    </p:spTree>
-    <p:extLst>
-      <p:ext uri="{BB962C8B-B14F-4D97-AF65-F5344CB8AC3E}">
-        <p14:creationId xmlns:p14="http://schemas.microsoft.com/office/powerpoint/2010/main" val="2395719839"/>
-      </p:ext>
-    </p:extLst>
-  </p:cSld>
-  <p:clrMapOvr>
-    <a:masterClrMapping/>
-  </p:clrMapOvr>
-</p:notes>
-</file>
-
-<file path=ppt/notesSlides/notesSlide7.xml><?xml version="1.0" encoding="utf-8"?>
-<p:notes xmlns:a="http://schemas.openxmlformats.org/drawingml/2006/main" xmlns:r="http://schemas.openxmlformats.org/officeDocument/2006/relationships" xmlns:p="http://schemas.openxmlformats.org/presentationml/2006/main">
-  <p:cSld>
-    <p:spTree>
-      <p:nvGrpSpPr>
-        <p:cNvPr id="1" name=""/>
-        <p:cNvGrpSpPr/>
-        <p:nvPr/>
-      </p:nvGrpSpPr>
-      <p:grpSpPr>
-        <a:xfrm>
-          <a:off x="0" y="0"/>
-          <a:ext cx="0" cy="0"/>
-          <a:chOff x="0" y="0"/>
-          <a:chExt cx="0" cy="0"/>
-        </a:xfrm>
-      </p:grpSpPr>
-      <p:sp>
-        <p:nvSpPr>
-          <p:cNvPr id="2" name="Slide Image Placeholder 1"/>
-          <p:cNvSpPr>
-            <a:spLocks noGrp="1" noRot="1" noChangeAspect="1"/>
-          </p:cNvSpPr>
-          <p:nvPr>
-            <p:ph type="sldImg"/>
-          </p:nvPr>
-        </p:nvSpPr>
-        <p:spPr/>
-      </p:sp>
-      <p:sp>
-        <p:nvSpPr>
-          <p:cNvPr id="3" name="Notes Placeholder 2"/>
-          <p:cNvSpPr>
-            <a:spLocks noGrp="1"/>
-          </p:cNvSpPr>
-          <p:nvPr>
-            <p:ph type="body" idx="1"/>
-          </p:nvPr>
-        </p:nvSpPr>
-        <p:spPr/>
-        <p:txBody>
-          <a:bodyPr/>
-          <a:lstStyle/>
-          <a:p>
-            <a:endParaRPr lang="en-US" dirty="0"/>
-          </a:p>
-        </p:txBody>
-      </p:sp>
-      <p:sp>
-        <p:nvSpPr>
-          <p:cNvPr id="4" name="Slide Number Placeholder 3"/>
-          <p:cNvSpPr>
-            <a:spLocks noGrp="1"/>
-          </p:cNvSpPr>
-          <p:nvPr>
             <p:ph type="sldNum" sz="quarter" idx="10"/>
           </p:nvPr>
         </p:nvSpPr>
@@ -1260,91 +1089,7 @@
           <a:p>
             <a:fld id="{6336304E-FDE3-4B4F-A3B7-EBE87F3FA5E2}" type="slidenum">
               <a:rPr lang="en-US" smtClean="0"/>
-              <a:t>21</a:t>
-            </a:fld>
-            <a:endParaRPr lang="en-US" dirty="0"/>
-          </a:p>
-        </p:txBody>
-      </p:sp>
-    </p:spTree>
-    <p:extLst>
-      <p:ext uri="{BB962C8B-B14F-4D97-AF65-F5344CB8AC3E}">
-        <p14:creationId xmlns:p14="http://schemas.microsoft.com/office/powerpoint/2010/main" val="179059431"/>
-      </p:ext>
-    </p:extLst>
-  </p:cSld>
-  <p:clrMapOvr>
-    <a:masterClrMapping/>
-  </p:clrMapOvr>
-</p:notes>
-</file>
-
-<file path=ppt/notesSlides/notesSlide8.xml><?xml version="1.0" encoding="utf-8"?>
-<p:notes xmlns:a="http://schemas.openxmlformats.org/drawingml/2006/main" xmlns:r="http://schemas.openxmlformats.org/officeDocument/2006/relationships" xmlns:p="http://schemas.openxmlformats.org/presentationml/2006/main">
-  <p:cSld>
-    <p:spTree>
-      <p:nvGrpSpPr>
-        <p:cNvPr id="1" name=""/>
-        <p:cNvGrpSpPr/>
-        <p:nvPr/>
-      </p:nvGrpSpPr>
-      <p:grpSpPr>
-        <a:xfrm>
-          <a:off x="0" y="0"/>
-          <a:ext cx="0" cy="0"/>
-          <a:chOff x="0" y="0"/>
-          <a:chExt cx="0" cy="0"/>
-        </a:xfrm>
-      </p:grpSpPr>
-      <p:sp>
-        <p:nvSpPr>
-          <p:cNvPr id="2" name="Slide Image Placeholder 1"/>
-          <p:cNvSpPr>
-            <a:spLocks noGrp="1" noRot="1" noChangeAspect="1"/>
-          </p:cNvSpPr>
-          <p:nvPr>
-            <p:ph type="sldImg"/>
-          </p:nvPr>
-        </p:nvSpPr>
-        <p:spPr/>
-      </p:sp>
-      <p:sp>
-        <p:nvSpPr>
-          <p:cNvPr id="3" name="Notes Placeholder 2"/>
-          <p:cNvSpPr>
-            <a:spLocks noGrp="1"/>
-          </p:cNvSpPr>
-          <p:nvPr>
-            <p:ph type="body" idx="1"/>
-          </p:nvPr>
-        </p:nvSpPr>
-        <p:spPr/>
-        <p:txBody>
-          <a:bodyPr/>
-          <a:lstStyle/>
-          <a:p>
-            <a:endParaRPr lang="en-US" dirty="0"/>
-          </a:p>
-        </p:txBody>
-      </p:sp>
-      <p:sp>
-        <p:nvSpPr>
-          <p:cNvPr id="4" name="Slide Number Placeholder 3"/>
-          <p:cNvSpPr>
-            <a:spLocks noGrp="1"/>
-          </p:cNvSpPr>
-          <p:nvPr>
-            <p:ph type="sldNum" sz="quarter" idx="10"/>
-          </p:nvPr>
-        </p:nvSpPr>
-        <p:spPr/>
-        <p:txBody>
-          <a:bodyPr/>
-          <a:lstStyle/>
-          <a:p>
-            <a:fld id="{6336304E-FDE3-4B4F-A3B7-EBE87F3FA5E2}" type="slidenum">
-              <a:rPr lang="en-US" smtClean="0"/>
-              <a:t>22</a:t>
+              <a:t>19</a:t>
             </a:fld>
             <a:endParaRPr lang="en-US" dirty="0"/>
           </a:p>
@@ -15736,7 +15481,7 @@
           <a:p>
             <a:fld id="{D951F27F-98F9-A147-8986-34441C7B752D}" type="datetime1">
               <a:rPr lang="en-US" noProof="0" smtClean="0"/>
-              <a:t>11/18/2021</a:t>
+              <a:t>11/19/2021</a:t>
             </a:fld>
             <a:endParaRPr lang="en-US" noProof="0" dirty="0"/>
           </a:p>
@@ -18247,7 +17992,7 @@
           <p:cNvPr id="2" name="Title 1">
             <a:extLst>
               <a:ext uri="{FF2B5EF4-FFF2-40B4-BE49-F238E27FC236}">
-                <a16:creationId xmlns:a16="http://schemas.microsoft.com/office/drawing/2014/main" id="{A1BB985D-7833-4E74-AA1C-E9A4BC3CC6D1}"/>
+                <a16:creationId xmlns:a16="http://schemas.microsoft.com/office/drawing/2014/main" id="{1C63C2D9-0850-4620-BE32-11F44A927662}"/>
               </a:ext>
             </a:extLst>
           </p:cNvPr>
@@ -18265,51 +18010,17 @@
           <a:p>
             <a:r>
               <a:rPr lang="en-US" dirty="0"/>
-              <a:t>Comparison 01</a:t>
+              <a:t>Innovative ideas</a:t>
             </a:r>
           </a:p>
         </p:txBody>
       </p:sp>
-      <p:pic>
-        <p:nvPicPr>
-          <p:cNvPr id="83" name="Picture Placeholder 82" descr="Bar chart">
-            <a:extLst>
-              <a:ext uri="{FF2B5EF4-FFF2-40B4-BE49-F238E27FC236}">
-                <a16:creationId xmlns:a16="http://schemas.microsoft.com/office/drawing/2014/main" id="{C881BE4E-5D69-E447-A036-5172F6570748}"/>
-              </a:ext>
-            </a:extLst>
-          </p:cNvPr>
-          <p:cNvPicPr>
-            <a:picLocks noGrp="1" noChangeAspect="1"/>
-          </p:cNvPicPr>
-          <p:nvPr>
-            <p:ph type="pic" sz="quarter" idx="17"/>
-          </p:nvPr>
-        </p:nvPicPr>
-        <p:blipFill>
-          <a:blip r:embed="rId3" cstate="print">
-            <a:extLst>
-              <a:ext uri="{28A0092B-C50C-407E-A947-70E740481C1C}">
-                <a14:useLocalDpi xmlns:a14="http://schemas.microsoft.com/office/drawing/2010/main"/>
-              </a:ext>
-              <a:ext uri="{96DAC541-7B7A-43D3-8B79-37D633B846F1}">
-                <asvg:svgBlip xmlns:asvg="http://schemas.microsoft.com/office/drawing/2016/SVG/main" r:embed="rId4"/>
-              </a:ext>
-            </a:extLst>
-          </a:blip>
-          <a:srcRect/>
-          <a:stretch>
-            <a:fillRect/>
-          </a:stretch>
-        </p:blipFill>
-        <p:spPr/>
-      </p:pic>
       <p:sp>
         <p:nvSpPr>
-          <p:cNvPr id="7" name="Content Placeholder 6">
-            <a:extLst>
-              <a:ext uri="{FF2B5EF4-FFF2-40B4-BE49-F238E27FC236}">
-                <a16:creationId xmlns:a16="http://schemas.microsoft.com/office/drawing/2014/main" id="{2E37A9B0-8DFC-4474-9F0A-612E661EF4EC}"/>
+          <p:cNvPr id="5" name="Content Placeholder 4">
+            <a:extLst>
+              <a:ext uri="{FF2B5EF4-FFF2-40B4-BE49-F238E27FC236}">
+                <a16:creationId xmlns:a16="http://schemas.microsoft.com/office/drawing/2014/main" id="{93A6F33C-3AFE-474E-AC15-C00F368C3C6A}"/>
               </a:ext>
             </a:extLst>
           </p:cNvPr>
@@ -18327,53 +18038,17 @@
           <a:p>
             <a:r>
               <a:rPr lang="en-US" dirty="0"/>
-              <a:t>Topic 01</a:t>
-            </a:r>
-          </a:p>
-        </p:txBody>
-      </p:sp>
-      <p:sp>
-        <p:nvSpPr>
-          <p:cNvPr id="3" name="Content Placeholder 2">
-            <a:extLst>
-              <a:ext uri="{FF2B5EF4-FFF2-40B4-BE49-F238E27FC236}">
-                <a16:creationId xmlns:a16="http://schemas.microsoft.com/office/drawing/2014/main" id="{09548D1D-2547-44FC-BACD-2BCD769E2662}"/>
-              </a:ext>
-            </a:extLst>
-          </p:cNvPr>
-          <p:cNvSpPr>
-            <a:spLocks noGrp="1"/>
-          </p:cNvSpPr>
-          <p:nvPr>
-            <p:ph idx="1"/>
-          </p:nvPr>
-        </p:nvSpPr>
-        <p:spPr/>
-        <p:txBody>
-          <a:bodyPr>
-            <a:normAutofit/>
-          </a:bodyPr>
-          <a:lstStyle/>
-          <a:p>
-            <a:r>
-              <a:rPr lang="en-US" sz="1400" dirty="0"/>
-              <a:t>Lorem ipsum dolor sit amet, consectetuer adipiscing elit. Maecenas porttitor congue massa. Fusce posuere, magna sed pulvinar ultricies, purus lectus malesuada libero, sit amet commodo magna eros quis urna.</a:t>
-            </a:r>
-          </a:p>
-          <a:p>
-            <a:r>
-              <a:rPr lang="en-US" sz="1400" dirty="0"/>
-              <a:t>Lorem ipsum dolor sit amet, consectetuer adipiscing elit. Maecenas porttitor congue massa. Fusce posuere, magna sed pulvinar ultricies, purus lectus malesuada libero, sit amet commodo magna eros quis urna.</a:t>
+              <a:t>For fans</a:t>
             </a:r>
           </a:p>
         </p:txBody>
       </p:sp>
       <p:pic>
         <p:nvPicPr>
-          <p:cNvPr id="22" name="Picture Placeholder 21" descr="downtown area at dusk">
-            <a:extLst>
-              <a:ext uri="{FF2B5EF4-FFF2-40B4-BE49-F238E27FC236}">
-                <a16:creationId xmlns:a16="http://schemas.microsoft.com/office/drawing/2014/main" id="{900B31E0-725B-4414-BD86-F34DA104673A}"/>
+          <p:cNvPr id="29" name="Picture Placeholder 28" descr="Pencil">
+            <a:extLst>
+              <a:ext uri="{FF2B5EF4-FFF2-40B4-BE49-F238E27FC236}">
+                <a16:creationId xmlns:a16="http://schemas.microsoft.com/office/drawing/2014/main" id="{F0E35123-11A3-CD40-A44F-8A81B9105639}"/>
               </a:ext>
             </a:extLst>
           </p:cNvPr>
@@ -18381,48 +18056,17 @@
             <a:picLocks noGrp="1" noChangeAspect="1"/>
           </p:cNvPicPr>
           <p:nvPr>
-            <p:ph type="pic" sz="quarter" idx="13"/>
+            <p:ph type="pic" sz="quarter" idx="21"/>
           </p:nvPr>
         </p:nvPicPr>
         <p:blipFill>
-          <a:blip r:embed="rId5" cstate="print">
+          <a:blip r:embed="rId3">
             <a:extLst>
               <a:ext uri="{28A0092B-C50C-407E-A947-70E740481C1C}">
                 <a14:useLocalDpi xmlns:a14="http://schemas.microsoft.com/office/drawing/2010/main"/>
               </a:ext>
-            </a:extLst>
-          </a:blip>
-          <a:srcRect/>
-          <a:stretch>
-            <a:fillRect/>
-          </a:stretch>
-        </p:blipFill>
-        <p:spPr/>
-      </p:pic>
-      <p:pic>
-        <p:nvPicPr>
-          <p:cNvPr id="85" name="Picture Placeholder 84" descr="Single gear">
-            <a:extLst>
-              <a:ext uri="{FF2B5EF4-FFF2-40B4-BE49-F238E27FC236}">
-                <a16:creationId xmlns:a16="http://schemas.microsoft.com/office/drawing/2014/main" id="{65FBD7DF-30E8-9042-8A0D-0F64C33E0B41}"/>
-              </a:ext>
-            </a:extLst>
-          </p:cNvPr>
-          <p:cNvPicPr>
-            <a:picLocks noGrp="1" noChangeAspect="1"/>
-          </p:cNvPicPr>
-          <p:nvPr>
-            <p:ph type="pic" sz="quarter" idx="19"/>
-          </p:nvPr>
-        </p:nvPicPr>
-        <p:blipFill>
-          <a:blip r:embed="rId6" cstate="print">
-            <a:extLst>
-              <a:ext uri="{28A0092B-C50C-407E-A947-70E740481C1C}">
-                <a14:useLocalDpi xmlns:a14="http://schemas.microsoft.com/office/drawing/2010/main"/>
-              </a:ext>
               <a:ext uri="{96DAC541-7B7A-43D3-8B79-37D633B846F1}">
-                <asvg:svgBlip xmlns:asvg="http://schemas.microsoft.com/office/drawing/2016/SVG/main" r:embed="rId7"/>
+                <asvg:svgBlip xmlns:asvg="http://schemas.microsoft.com/office/drawing/2016/SVG/main" r:embed="rId4"/>
               </a:ext>
             </a:extLst>
           </a:blip>
@@ -18435,10 +18079,10 @@
       </p:pic>
       <p:sp>
         <p:nvSpPr>
-          <p:cNvPr id="8" name="Content Placeholder 7">
-            <a:extLst>
-              <a:ext uri="{FF2B5EF4-FFF2-40B4-BE49-F238E27FC236}">
-                <a16:creationId xmlns:a16="http://schemas.microsoft.com/office/drawing/2014/main" id="{D78F2DCC-A50E-40A1-81F9-70371D4AA42F}"/>
+          <p:cNvPr id="3" name="Content Placeholder 2">
+            <a:extLst>
+              <a:ext uri="{FF2B5EF4-FFF2-40B4-BE49-F238E27FC236}">
+                <a16:creationId xmlns:a16="http://schemas.microsoft.com/office/drawing/2014/main" id="{65015163-D5FD-4849-978B-77883FAF7928}"/>
               </a:ext>
             </a:extLst>
           </p:cNvPr>
@@ -18446,7 +18090,7 @@
             <a:spLocks noGrp="1"/>
           </p:cNvSpPr>
           <p:nvPr>
-            <p:ph idx="16"/>
+            <p:ph idx="1"/>
           </p:nvPr>
         </p:nvSpPr>
         <p:spPr/>
@@ -18454,19 +18098,40 @@
           <a:bodyPr/>
           <a:lstStyle/>
           <a:p>
+            <a:pPr marL="285750" indent="-285750" algn="l">
+              <a:buFont typeface="Arial" panose="020B0604020202020204" pitchFamily="34" charset="0"/>
+              <a:buChar char="•"/>
+            </a:pPr>
+            <a:r>
+              <a:rPr lang="en-US" sz="1600" dirty="0"/>
+              <a:t>Fantasy gaming league by selecting various riders to from  a based on the type of race and earn points and win big prizes and bragging rights</a:t>
+            </a:r>
+          </a:p>
+          <a:p>
+            <a:pPr marL="285750" indent="-285750" algn="l">
+              <a:buFont typeface="Arial" panose="020B0604020202020204" pitchFamily="34" charset="0"/>
+              <a:buChar char="•"/>
+            </a:pPr>
             <a:r>
               <a:rPr lang="en-US" dirty="0"/>
-              <a:t>Topic 02</a:t>
-            </a:r>
+              <a:t>Displaying fan of the week for the fans posting most engaging content</a:t>
+            </a:r>
+          </a:p>
+          <a:p>
+            <a:pPr marL="285750" indent="-285750" algn="l">
+              <a:buFont typeface="Arial" panose="020B0604020202020204" pitchFamily="34" charset="0"/>
+              <a:buChar char="•"/>
+            </a:pPr>
+            <a:endParaRPr lang="en-US" sz="1600" dirty="0"/>
           </a:p>
         </p:txBody>
       </p:sp>
       <p:sp>
         <p:nvSpPr>
-          <p:cNvPr id="6" name="Content Placeholder 5">
-            <a:extLst>
-              <a:ext uri="{FF2B5EF4-FFF2-40B4-BE49-F238E27FC236}">
-                <a16:creationId xmlns:a16="http://schemas.microsoft.com/office/drawing/2014/main" id="{5CD639B0-7991-4B2B-9E50-32064EB91255}"/>
+          <p:cNvPr id="8" name="Content Placeholder 7">
+            <a:extLst>
+              <a:ext uri="{FF2B5EF4-FFF2-40B4-BE49-F238E27FC236}">
+                <a16:creationId xmlns:a16="http://schemas.microsoft.com/office/drawing/2014/main" id="{C8438480-8B6F-44E5-A602-6240C1B85FB3}"/>
               </a:ext>
             </a:extLst>
           </p:cNvPr>
@@ -18474,25 +18139,120 @@
             <a:spLocks noGrp="1"/>
           </p:cNvSpPr>
           <p:nvPr>
-            <p:ph idx="14"/>
+            <p:ph idx="19"/>
           </p:nvPr>
         </p:nvSpPr>
         <p:spPr/>
         <p:txBody>
-          <a:bodyPr>
-            <a:normAutofit/>
-          </a:bodyPr>
+          <a:bodyPr/>
           <a:lstStyle/>
           <a:p>
-            <a:r>
-              <a:rPr lang="en-US" sz="1400" dirty="0"/>
-              <a:t>Lorem ipsum dolor sit amet, consectetuer adipiscing elit. Maecenas porttitor congue massa. Fusce posuere, magna sed pulvinar ultricies, purus lectus malesuada libero, sit amet commodo magna eros quis urna.</a:t>
-            </a:r>
-          </a:p>
-          <a:p>
-            <a:r>
-              <a:rPr lang="en-US" sz="1400" dirty="0"/>
-              <a:t>Lorem ipsum dolor sit amet, consectetuer adipiscing elit. Maecenas porttitor congue massa. Fusce posuere, magna sed pulvinar ultricies, purus lectus malesuada libero, sit amet commodo magna eros quis urna.</a:t>
+            <a:pPr marL="285750" indent="-285750">
+              <a:buFont typeface="Arial" panose="020B0604020202020204" pitchFamily="34" charset="0"/>
+              <a:buChar char="•"/>
+            </a:pPr>
+            <a:r>
+              <a:rPr lang="en-US" dirty="0"/>
+              <a:t>Broadcast Live Races on the web portal</a:t>
+            </a:r>
+          </a:p>
+          <a:p>
+            <a:pPr marL="285750" indent="-285750">
+              <a:buFont typeface="Arial" panose="020B0604020202020204" pitchFamily="34" charset="0"/>
+              <a:buChar char="•"/>
+            </a:pPr>
+            <a:r>
+              <a:rPr lang="en-US" dirty="0"/>
+              <a:t>Include subscription or pay per view model to maximize revenue.</a:t>
+            </a:r>
+          </a:p>
+          <a:p>
+            <a:pPr marL="285750" indent="-285750">
+              <a:buFont typeface="Arial" panose="020B0604020202020204" pitchFamily="34" charset="0"/>
+              <a:buChar char="•"/>
+            </a:pPr>
+            <a:r>
+              <a:rPr lang="en-US" dirty="0"/>
+              <a:t>Addition of subtle marketing ads to generate revenue</a:t>
+            </a:r>
+          </a:p>
+          <a:p>
+            <a:pPr marL="285750" indent="-285750">
+              <a:buFont typeface="Arial" panose="020B0604020202020204" pitchFamily="34" charset="0"/>
+              <a:buChar char="•"/>
+            </a:pPr>
+            <a:r>
+              <a:rPr lang="en-US" dirty="0"/>
+              <a:t>Official race Merchandise for sale, limited edition signed merch to get fans interested</a:t>
+            </a:r>
+          </a:p>
+          <a:p>
+            <a:pPr marL="285750" indent="-285750">
+              <a:buFont typeface="Arial" panose="020B0604020202020204" pitchFamily="34" charset="0"/>
+              <a:buChar char="•"/>
+            </a:pPr>
+            <a:endParaRPr lang="en-US" dirty="0"/>
+          </a:p>
+        </p:txBody>
+      </p:sp>
+      <p:pic>
+        <p:nvPicPr>
+          <p:cNvPr id="31" name="Picture Placeholder 30" descr="Laptop">
+            <a:extLst>
+              <a:ext uri="{FF2B5EF4-FFF2-40B4-BE49-F238E27FC236}">
+                <a16:creationId xmlns:a16="http://schemas.microsoft.com/office/drawing/2014/main" id="{6BF407E9-98AE-2B40-90E3-1B14FC14FDB8}"/>
+              </a:ext>
+            </a:extLst>
+          </p:cNvPr>
+          <p:cNvPicPr>
+            <a:picLocks noGrp="1" noChangeAspect="1"/>
+          </p:cNvPicPr>
+          <p:nvPr>
+            <p:ph type="pic" sz="quarter" idx="22"/>
+          </p:nvPr>
+        </p:nvPicPr>
+        <p:blipFill>
+          <a:blip r:embed="rId5" cstate="print">
+            <a:extLst>
+              <a:ext uri="{28A0092B-C50C-407E-A947-70E740481C1C}">
+                <a14:useLocalDpi xmlns:a14="http://schemas.microsoft.com/office/drawing/2010/main"/>
+              </a:ext>
+              <a:ext uri="{96DAC541-7B7A-43D3-8B79-37D633B846F1}">
+                <asvg:svgBlip xmlns:asvg="http://schemas.microsoft.com/office/drawing/2016/SVG/main" r:embed="rId6"/>
+              </a:ext>
+            </a:extLst>
+          </a:blip>
+          <a:srcRect/>
+          <a:stretch>
+            <a:fillRect/>
+          </a:stretch>
+        </p:blipFill>
+        <p:spPr/>
+      </p:pic>
+      <p:sp>
+        <p:nvSpPr>
+          <p:cNvPr id="9" name="Content Placeholder 8">
+            <a:extLst>
+              <a:ext uri="{FF2B5EF4-FFF2-40B4-BE49-F238E27FC236}">
+                <a16:creationId xmlns:a16="http://schemas.microsoft.com/office/drawing/2014/main" id="{A1EE8A19-6968-4C81-B180-20FEF61ADEE1}"/>
+              </a:ext>
+            </a:extLst>
+          </p:cNvPr>
+          <p:cNvSpPr>
+            <a:spLocks noGrp="1"/>
+          </p:cNvSpPr>
+          <p:nvPr>
+            <p:ph idx="20"/>
+          </p:nvPr>
+        </p:nvSpPr>
+        <p:spPr/>
+        <p:txBody>
+          <a:bodyPr/>
+          <a:lstStyle/>
+          <a:p>
+            <a:r>
+              <a:rPr lang="en-US" dirty="0"/>
+              <a:t>For business</a:t>
             </a:r>
           </a:p>
         </p:txBody>
@@ -18502,7 +18262,7 @@
           <p:cNvPr id="4" name="Slide Number Placeholder 3">
             <a:extLst>
               <a:ext uri="{FF2B5EF4-FFF2-40B4-BE49-F238E27FC236}">
-                <a16:creationId xmlns:a16="http://schemas.microsoft.com/office/drawing/2014/main" id="{1B5E3677-5FC4-4712-BA70-5DBE574539E2}"/>
+                <a16:creationId xmlns:a16="http://schemas.microsoft.com/office/drawing/2014/main" id="{CA1C0347-C2C9-46A2-B7A6-9653B525F7DD}"/>
               </a:ext>
             </a:extLst>
           </p:cNvPr>
@@ -18530,7 +18290,7 @@
     </p:spTree>
     <p:extLst>
       <p:ext uri="{BB962C8B-B14F-4D97-AF65-F5344CB8AC3E}">
-        <p14:creationId xmlns:p14="http://schemas.microsoft.com/office/powerpoint/2010/main" val="460269255"/>
+        <p14:creationId xmlns:p14="http://schemas.microsoft.com/office/powerpoint/2010/main" val="269403648"/>
       </p:ext>
     </p:extLst>
   </p:cSld>
@@ -18562,4012 +18322,6 @@
           <p:cNvPr id="2" name="Title 1">
             <a:extLst>
               <a:ext uri="{FF2B5EF4-FFF2-40B4-BE49-F238E27FC236}">
-                <a16:creationId xmlns:a16="http://schemas.microsoft.com/office/drawing/2014/main" id="{1C63C2D9-0850-4620-BE32-11F44A927662}"/>
-              </a:ext>
-            </a:extLst>
-          </p:cNvPr>
-          <p:cNvSpPr>
-            <a:spLocks noGrp="1"/>
-          </p:cNvSpPr>
-          <p:nvPr>
-            <p:ph type="title"/>
-          </p:nvPr>
-        </p:nvSpPr>
-        <p:spPr/>
-        <p:txBody>
-          <a:bodyPr/>
-          <a:lstStyle/>
-          <a:p>
-            <a:r>
-              <a:rPr lang="en-US" dirty="0"/>
-              <a:t>Innovative ideas</a:t>
-            </a:r>
-          </a:p>
-        </p:txBody>
-      </p:sp>
-      <p:sp>
-        <p:nvSpPr>
-          <p:cNvPr id="5" name="Content Placeholder 4">
-            <a:extLst>
-              <a:ext uri="{FF2B5EF4-FFF2-40B4-BE49-F238E27FC236}">
-                <a16:creationId xmlns:a16="http://schemas.microsoft.com/office/drawing/2014/main" id="{93A6F33C-3AFE-474E-AC15-C00F368C3C6A}"/>
-              </a:ext>
-            </a:extLst>
-          </p:cNvPr>
-          <p:cNvSpPr>
-            <a:spLocks noGrp="1"/>
-          </p:cNvSpPr>
-          <p:nvPr>
-            <p:ph idx="15"/>
-          </p:nvPr>
-        </p:nvSpPr>
-        <p:spPr/>
-        <p:txBody>
-          <a:bodyPr/>
-          <a:lstStyle/>
-          <a:p>
-            <a:r>
-              <a:rPr lang="en-US" dirty="0"/>
-              <a:t>For fans</a:t>
-            </a:r>
-          </a:p>
-        </p:txBody>
-      </p:sp>
-      <p:pic>
-        <p:nvPicPr>
-          <p:cNvPr id="29" name="Picture Placeholder 28" descr="Pencil">
-            <a:extLst>
-              <a:ext uri="{FF2B5EF4-FFF2-40B4-BE49-F238E27FC236}">
-                <a16:creationId xmlns:a16="http://schemas.microsoft.com/office/drawing/2014/main" id="{F0E35123-11A3-CD40-A44F-8A81B9105639}"/>
-              </a:ext>
-            </a:extLst>
-          </p:cNvPr>
-          <p:cNvPicPr>
-            <a:picLocks noGrp="1" noChangeAspect="1"/>
-          </p:cNvPicPr>
-          <p:nvPr>
-            <p:ph type="pic" sz="quarter" idx="21"/>
-          </p:nvPr>
-        </p:nvPicPr>
-        <p:blipFill>
-          <a:blip r:embed="rId3">
-            <a:extLst>
-              <a:ext uri="{28A0092B-C50C-407E-A947-70E740481C1C}">
-                <a14:useLocalDpi xmlns:a14="http://schemas.microsoft.com/office/drawing/2010/main"/>
-              </a:ext>
-              <a:ext uri="{96DAC541-7B7A-43D3-8B79-37D633B846F1}">
-                <asvg:svgBlip xmlns:asvg="http://schemas.microsoft.com/office/drawing/2016/SVG/main" r:embed="rId4"/>
-              </a:ext>
-            </a:extLst>
-          </a:blip>
-          <a:srcRect/>
-          <a:stretch>
-            <a:fillRect/>
-          </a:stretch>
-        </p:blipFill>
-        <p:spPr/>
-      </p:pic>
-      <p:sp>
-        <p:nvSpPr>
-          <p:cNvPr id="3" name="Content Placeholder 2">
-            <a:extLst>
-              <a:ext uri="{FF2B5EF4-FFF2-40B4-BE49-F238E27FC236}">
-                <a16:creationId xmlns:a16="http://schemas.microsoft.com/office/drawing/2014/main" id="{65015163-D5FD-4849-978B-77883FAF7928}"/>
-              </a:ext>
-            </a:extLst>
-          </p:cNvPr>
-          <p:cNvSpPr>
-            <a:spLocks noGrp="1"/>
-          </p:cNvSpPr>
-          <p:nvPr>
-            <p:ph idx="1"/>
-          </p:nvPr>
-        </p:nvSpPr>
-        <p:spPr/>
-        <p:txBody>
-          <a:bodyPr/>
-          <a:lstStyle/>
-          <a:p>
-            <a:pPr marL="285750" indent="-285750" algn="l">
-              <a:buFont typeface="Arial" panose="020B0604020202020204" pitchFamily="34" charset="0"/>
-              <a:buChar char="•"/>
-            </a:pPr>
-            <a:r>
-              <a:rPr lang="en-US" sz="1600" dirty="0"/>
-              <a:t>Fantasy gaming league by selecting various riders to from  a based on the type of race and earn points and win big prizes and bragging rights</a:t>
-            </a:r>
-          </a:p>
-          <a:p>
-            <a:pPr marL="285750" indent="-285750" algn="l">
-              <a:buFont typeface="Arial" panose="020B0604020202020204" pitchFamily="34" charset="0"/>
-              <a:buChar char="•"/>
-            </a:pPr>
-            <a:r>
-              <a:rPr lang="en-US" dirty="0"/>
-              <a:t>Displaying fan of the week for the fans posting most engaging content</a:t>
-            </a:r>
-          </a:p>
-          <a:p>
-            <a:pPr marL="285750" indent="-285750" algn="l">
-              <a:buFont typeface="Arial" panose="020B0604020202020204" pitchFamily="34" charset="0"/>
-              <a:buChar char="•"/>
-            </a:pPr>
-            <a:endParaRPr lang="en-US" sz="1600" dirty="0"/>
-          </a:p>
-        </p:txBody>
-      </p:sp>
-      <p:sp>
-        <p:nvSpPr>
-          <p:cNvPr id="8" name="Content Placeholder 7">
-            <a:extLst>
-              <a:ext uri="{FF2B5EF4-FFF2-40B4-BE49-F238E27FC236}">
-                <a16:creationId xmlns:a16="http://schemas.microsoft.com/office/drawing/2014/main" id="{C8438480-8B6F-44E5-A602-6240C1B85FB3}"/>
-              </a:ext>
-            </a:extLst>
-          </p:cNvPr>
-          <p:cNvSpPr>
-            <a:spLocks noGrp="1"/>
-          </p:cNvSpPr>
-          <p:nvPr>
-            <p:ph idx="19"/>
-          </p:nvPr>
-        </p:nvSpPr>
-        <p:spPr/>
-        <p:txBody>
-          <a:bodyPr/>
-          <a:lstStyle/>
-          <a:p>
-            <a:pPr marL="285750" indent="-285750">
-              <a:buFont typeface="Arial" panose="020B0604020202020204" pitchFamily="34" charset="0"/>
-              <a:buChar char="•"/>
-            </a:pPr>
-            <a:r>
-              <a:rPr lang="en-US" dirty="0"/>
-              <a:t>Broadcast Live Races on the web portal</a:t>
-            </a:r>
-          </a:p>
-          <a:p>
-            <a:pPr marL="285750" indent="-285750">
-              <a:buFont typeface="Arial" panose="020B0604020202020204" pitchFamily="34" charset="0"/>
-              <a:buChar char="•"/>
-            </a:pPr>
-            <a:r>
-              <a:rPr lang="en-US" dirty="0"/>
-              <a:t>Include subscription or pay per view model to maximize revenue.</a:t>
-            </a:r>
-          </a:p>
-          <a:p>
-            <a:pPr marL="285750" indent="-285750">
-              <a:buFont typeface="Arial" panose="020B0604020202020204" pitchFamily="34" charset="0"/>
-              <a:buChar char="•"/>
-            </a:pPr>
-            <a:r>
-              <a:rPr lang="en-US" dirty="0"/>
-              <a:t>Addition of subtle marketing ads to generate revenue</a:t>
-            </a:r>
-          </a:p>
-          <a:p>
-            <a:pPr marL="285750" indent="-285750">
-              <a:buFont typeface="Arial" panose="020B0604020202020204" pitchFamily="34" charset="0"/>
-              <a:buChar char="•"/>
-            </a:pPr>
-            <a:r>
-              <a:rPr lang="en-US" dirty="0"/>
-              <a:t>Official race Merchandise for sale, limited edition signed merch to get fans interested</a:t>
-            </a:r>
-          </a:p>
-          <a:p>
-            <a:pPr marL="285750" indent="-285750">
-              <a:buFont typeface="Arial" panose="020B0604020202020204" pitchFamily="34" charset="0"/>
-              <a:buChar char="•"/>
-            </a:pPr>
-            <a:endParaRPr lang="en-US" dirty="0"/>
-          </a:p>
-        </p:txBody>
-      </p:sp>
-      <p:pic>
-        <p:nvPicPr>
-          <p:cNvPr id="31" name="Picture Placeholder 30" descr="Laptop">
-            <a:extLst>
-              <a:ext uri="{FF2B5EF4-FFF2-40B4-BE49-F238E27FC236}">
-                <a16:creationId xmlns:a16="http://schemas.microsoft.com/office/drawing/2014/main" id="{6BF407E9-98AE-2B40-90E3-1B14FC14FDB8}"/>
-              </a:ext>
-            </a:extLst>
-          </p:cNvPr>
-          <p:cNvPicPr>
-            <a:picLocks noGrp="1" noChangeAspect="1"/>
-          </p:cNvPicPr>
-          <p:nvPr>
-            <p:ph type="pic" sz="quarter" idx="22"/>
-          </p:nvPr>
-        </p:nvPicPr>
-        <p:blipFill>
-          <a:blip r:embed="rId5" cstate="print">
-            <a:extLst>
-              <a:ext uri="{28A0092B-C50C-407E-A947-70E740481C1C}">
-                <a14:useLocalDpi xmlns:a14="http://schemas.microsoft.com/office/drawing/2010/main"/>
-              </a:ext>
-              <a:ext uri="{96DAC541-7B7A-43D3-8B79-37D633B846F1}">
-                <asvg:svgBlip xmlns:asvg="http://schemas.microsoft.com/office/drawing/2016/SVG/main" r:embed="rId6"/>
-              </a:ext>
-            </a:extLst>
-          </a:blip>
-          <a:srcRect/>
-          <a:stretch>
-            <a:fillRect/>
-          </a:stretch>
-        </p:blipFill>
-        <p:spPr/>
-      </p:pic>
-      <p:sp>
-        <p:nvSpPr>
-          <p:cNvPr id="9" name="Content Placeholder 8">
-            <a:extLst>
-              <a:ext uri="{FF2B5EF4-FFF2-40B4-BE49-F238E27FC236}">
-                <a16:creationId xmlns:a16="http://schemas.microsoft.com/office/drawing/2014/main" id="{A1EE8A19-6968-4C81-B180-20FEF61ADEE1}"/>
-              </a:ext>
-            </a:extLst>
-          </p:cNvPr>
-          <p:cNvSpPr>
-            <a:spLocks noGrp="1"/>
-          </p:cNvSpPr>
-          <p:nvPr>
-            <p:ph idx="20"/>
-          </p:nvPr>
-        </p:nvSpPr>
-        <p:spPr/>
-        <p:txBody>
-          <a:bodyPr/>
-          <a:lstStyle/>
-          <a:p>
-            <a:r>
-              <a:rPr lang="en-US" dirty="0"/>
-              <a:t>For business</a:t>
-            </a:r>
-          </a:p>
-        </p:txBody>
-      </p:sp>
-      <p:sp>
-        <p:nvSpPr>
-          <p:cNvPr id="4" name="Slide Number Placeholder 3">
-            <a:extLst>
-              <a:ext uri="{FF2B5EF4-FFF2-40B4-BE49-F238E27FC236}">
-                <a16:creationId xmlns:a16="http://schemas.microsoft.com/office/drawing/2014/main" id="{CA1C0347-C2C9-46A2-B7A6-9653B525F7DD}"/>
-              </a:ext>
-            </a:extLst>
-          </p:cNvPr>
-          <p:cNvSpPr>
-            <a:spLocks noGrp="1"/>
-          </p:cNvSpPr>
-          <p:nvPr>
-            <p:ph type="sldNum" sz="quarter" idx="12"/>
-          </p:nvPr>
-        </p:nvSpPr>
-        <p:spPr/>
-        <p:txBody>
-          <a:bodyPr/>
-          <a:lstStyle/>
-          <a:p>
-            <a:fld id="{9EC71654-96A5-4280-94F3-931C61A9F92C}" type="slidenum">
-              <a:rPr lang="en-US" smtClean="0"/>
-              <a:pPr/>
-              <a:t>18</a:t>
-            </a:fld>
-            <a:endParaRPr lang="en-US" dirty="0"/>
-          </a:p>
-        </p:txBody>
-      </p:sp>
-    </p:spTree>
-    <p:extLst>
-      <p:ext uri="{BB962C8B-B14F-4D97-AF65-F5344CB8AC3E}">
-        <p14:creationId xmlns:p14="http://schemas.microsoft.com/office/powerpoint/2010/main" val="269403648"/>
-      </p:ext>
-    </p:extLst>
-  </p:cSld>
-  <p:clrMapOvr>
-    <a:masterClrMapping/>
-  </p:clrMapOvr>
-</p:sld>
-</file>
-
-<file path=ppt/slides/slide19.xml><?xml version="1.0" encoding="utf-8"?>
-<p:sld xmlns:a="http://schemas.openxmlformats.org/drawingml/2006/main" xmlns:r="http://schemas.openxmlformats.org/officeDocument/2006/relationships" xmlns:p="http://schemas.openxmlformats.org/presentationml/2006/main">
-  <p:cSld>
-    <p:spTree>
-      <p:nvGrpSpPr>
-        <p:cNvPr id="1" name=""/>
-        <p:cNvGrpSpPr/>
-        <p:nvPr/>
-      </p:nvGrpSpPr>
-      <p:grpSpPr>
-        <a:xfrm>
-          <a:off x="0" y="0"/>
-          <a:ext cx="0" cy="0"/>
-          <a:chOff x="0" y="0"/>
-          <a:chExt cx="0" cy="0"/>
-        </a:xfrm>
-      </p:grpSpPr>
-      <p:sp>
-        <p:nvSpPr>
-          <p:cNvPr id="2" name="Title 1">
-            <a:extLst>
-              <a:ext uri="{FF2B5EF4-FFF2-40B4-BE49-F238E27FC236}">
-                <a16:creationId xmlns:a16="http://schemas.microsoft.com/office/drawing/2014/main" id="{4332B532-EB3E-428B-9224-EFA237D16A73}"/>
-              </a:ext>
-            </a:extLst>
-          </p:cNvPr>
-          <p:cNvSpPr>
-            <a:spLocks noGrp="1"/>
-          </p:cNvSpPr>
-          <p:nvPr>
-            <p:ph type="title"/>
-          </p:nvPr>
-        </p:nvSpPr>
-        <p:spPr/>
-        <p:txBody>
-          <a:bodyPr/>
-          <a:lstStyle/>
-          <a:p>
-            <a:r>
-              <a:rPr lang="en-US" dirty="0"/>
-              <a:t>Performance and Security strategies</a:t>
-            </a:r>
-          </a:p>
-        </p:txBody>
-      </p:sp>
-      <p:sp>
-        <p:nvSpPr>
-          <p:cNvPr id="3" name="Slide Number Placeholder 2">
-            <a:extLst>
-              <a:ext uri="{FF2B5EF4-FFF2-40B4-BE49-F238E27FC236}">
-                <a16:creationId xmlns:a16="http://schemas.microsoft.com/office/drawing/2014/main" id="{EB5F9B50-CED9-4961-91E8-058BE256771F}"/>
-              </a:ext>
-            </a:extLst>
-          </p:cNvPr>
-          <p:cNvSpPr>
-            <a:spLocks noGrp="1"/>
-          </p:cNvSpPr>
-          <p:nvPr>
-            <p:ph type="sldNum" sz="quarter" idx="12"/>
-          </p:nvPr>
-        </p:nvSpPr>
-        <p:spPr/>
-        <p:txBody>
-          <a:bodyPr/>
-          <a:lstStyle/>
-          <a:p>
-            <a:fld id="{9EC71654-96A5-4280-94F3-931C61A9F92C}" type="slidenum">
-              <a:rPr lang="en-US" smtClean="0"/>
-              <a:pPr/>
-              <a:t>19</a:t>
-            </a:fld>
-            <a:endParaRPr lang="en-US" dirty="0"/>
-          </a:p>
-        </p:txBody>
-      </p:sp>
-    </p:spTree>
-    <p:extLst>
-      <p:ext uri="{BB962C8B-B14F-4D97-AF65-F5344CB8AC3E}">
-        <p14:creationId xmlns:p14="http://schemas.microsoft.com/office/powerpoint/2010/main" val="1169930804"/>
-      </p:ext>
-    </p:extLst>
-  </p:cSld>
-  <p:clrMapOvr>
-    <a:masterClrMapping/>
-  </p:clrMapOvr>
-</p:sld>
-</file>
-
-<file path=ppt/slides/slide2.xml><?xml version="1.0" encoding="utf-8"?>
-<p:sld xmlns:a="http://schemas.openxmlformats.org/drawingml/2006/main" xmlns:r="http://schemas.openxmlformats.org/officeDocument/2006/relationships" xmlns:p="http://schemas.openxmlformats.org/presentationml/2006/main">
-  <p:cSld>
-    <p:spTree>
-      <p:nvGrpSpPr>
-        <p:cNvPr id="1" name=""/>
-        <p:cNvGrpSpPr/>
-        <p:nvPr/>
-      </p:nvGrpSpPr>
-      <p:grpSpPr>
-        <a:xfrm>
-          <a:off x="0" y="0"/>
-          <a:ext cx="0" cy="0"/>
-          <a:chOff x="0" y="0"/>
-          <a:chExt cx="0" cy="0"/>
-        </a:xfrm>
-      </p:grpSpPr>
-      <p:sp>
-        <p:nvSpPr>
-          <p:cNvPr id="2" name="Title 1">
-            <a:extLst>
-              <a:ext uri="{FF2B5EF4-FFF2-40B4-BE49-F238E27FC236}">
-                <a16:creationId xmlns:a16="http://schemas.microsoft.com/office/drawing/2014/main" id="{E2C50832-0B36-43C5-98EC-4CD165D78718}"/>
-              </a:ext>
-            </a:extLst>
-          </p:cNvPr>
-          <p:cNvSpPr>
-            <a:spLocks noGrp="1"/>
-          </p:cNvSpPr>
-          <p:nvPr>
-            <p:ph type="title"/>
-          </p:nvPr>
-        </p:nvSpPr>
-        <p:spPr/>
-        <p:txBody>
-          <a:bodyPr/>
-          <a:lstStyle/>
-          <a:p>
-            <a:r>
-              <a:rPr lang="en-US" dirty="0"/>
-              <a:t>Problem statement</a:t>
-            </a:r>
-            <a:br>
-              <a:rPr lang="en-US" dirty="0"/>
-            </a:br>
-            <a:endParaRPr lang="en-US" dirty="0"/>
-          </a:p>
-        </p:txBody>
-      </p:sp>
-      <p:sp>
-        <p:nvSpPr>
-          <p:cNvPr id="3" name="Content Placeholder 2">
-            <a:extLst>
-              <a:ext uri="{FF2B5EF4-FFF2-40B4-BE49-F238E27FC236}">
-                <a16:creationId xmlns:a16="http://schemas.microsoft.com/office/drawing/2014/main" id="{552A9C73-06ED-419B-81B5-491CBFC22330}"/>
-              </a:ext>
-            </a:extLst>
-          </p:cNvPr>
-          <p:cNvSpPr>
-            <a:spLocks noGrp="1"/>
-          </p:cNvSpPr>
-          <p:nvPr>
-            <p:ph idx="1"/>
-          </p:nvPr>
-        </p:nvSpPr>
-        <p:spPr>
-          <a:xfrm>
-            <a:off x="515938" y="1486958"/>
-            <a:ext cx="6759306" cy="1815042"/>
-          </a:xfrm>
-        </p:spPr>
-        <p:txBody>
-          <a:bodyPr/>
-          <a:lstStyle/>
-          <a:p>
-            <a:r>
-              <a:rPr lang="en-US" dirty="0">
-                <a:latin typeface="+mj-lt"/>
-              </a:rPr>
-              <a:t>We are experiencing a downfall in the people showing interest in cycle racing, and we need to promote and get the people interested again, we have decided to increase the fan involvement, by revamping the digital presence. </a:t>
-            </a:r>
-          </a:p>
-          <a:p>
-            <a:pPr marL="0" indent="0">
-              <a:buNone/>
-            </a:pPr>
-            <a:endParaRPr lang="en-US" sz="1800" dirty="0">
-              <a:latin typeface="+mj-lt"/>
-            </a:endParaRPr>
-          </a:p>
-        </p:txBody>
-      </p:sp>
-      <p:pic>
-        <p:nvPicPr>
-          <p:cNvPr id="7" name="Picture Placeholder 6">
-            <a:extLst>
-              <a:ext uri="{FF2B5EF4-FFF2-40B4-BE49-F238E27FC236}">
-                <a16:creationId xmlns:a16="http://schemas.microsoft.com/office/drawing/2014/main" id="{A241642C-CB49-4AA1-9EAD-3BCEA280B5B6}"/>
-              </a:ext>
-            </a:extLst>
-          </p:cNvPr>
-          <p:cNvPicPr>
-            <a:picLocks noGrp="1" noChangeAspect="1"/>
-          </p:cNvPicPr>
-          <p:nvPr>
-            <p:ph type="pic" sz="quarter" idx="13"/>
-          </p:nvPr>
-        </p:nvPicPr>
-        <p:blipFill>
-          <a:blip r:embed="rId3"/>
-          <a:stretch>
-            <a:fillRect/>
-          </a:stretch>
-        </p:blipFill>
-        <p:spPr>
-          <a:xfrm>
-            <a:off x="7552267" y="1"/>
-            <a:ext cx="4639733" cy="3930360"/>
-          </a:xfrm>
-        </p:spPr>
-      </p:pic>
-      <p:sp>
-        <p:nvSpPr>
-          <p:cNvPr id="4" name="Slide Number Placeholder 3">
-            <a:extLst>
-              <a:ext uri="{FF2B5EF4-FFF2-40B4-BE49-F238E27FC236}">
-                <a16:creationId xmlns:a16="http://schemas.microsoft.com/office/drawing/2014/main" id="{3B5C6BAC-F3F8-4AA0-B332-02F663571328}"/>
-              </a:ext>
-            </a:extLst>
-          </p:cNvPr>
-          <p:cNvSpPr>
-            <a:spLocks noGrp="1"/>
-          </p:cNvSpPr>
-          <p:nvPr>
-            <p:ph type="sldNum" sz="quarter" idx="12"/>
-          </p:nvPr>
-        </p:nvSpPr>
-        <p:spPr/>
-        <p:txBody>
-          <a:bodyPr/>
-          <a:lstStyle/>
-          <a:p>
-            <a:fld id="{9EC71654-96A5-4280-94F3-931C61A9F92C}" type="slidenum">
-              <a:rPr lang="en-US" smtClean="0"/>
-              <a:pPr/>
-              <a:t>2</a:t>
-            </a:fld>
-            <a:endParaRPr lang="en-US" dirty="0"/>
-          </a:p>
-        </p:txBody>
-      </p:sp>
-    </p:spTree>
-    <p:extLst>
-      <p:ext uri="{BB962C8B-B14F-4D97-AF65-F5344CB8AC3E}">
-        <p14:creationId xmlns:p14="http://schemas.microsoft.com/office/powerpoint/2010/main" val="433561355"/>
-      </p:ext>
-    </p:extLst>
-  </p:cSld>
-  <p:clrMapOvr>
-    <a:masterClrMapping/>
-  </p:clrMapOvr>
-</p:sld>
-</file>
-
-<file path=ppt/slides/slide20.xml><?xml version="1.0" encoding="utf-8"?>
-<p:sld xmlns:a="http://schemas.openxmlformats.org/drawingml/2006/main" xmlns:r="http://schemas.openxmlformats.org/officeDocument/2006/relationships" xmlns:p="http://schemas.openxmlformats.org/presentationml/2006/main">
-  <p:cSld>
-    <p:spTree>
-      <p:nvGrpSpPr>
-        <p:cNvPr id="1" name=""/>
-        <p:cNvGrpSpPr/>
-        <p:nvPr/>
-      </p:nvGrpSpPr>
-      <p:grpSpPr>
-        <a:xfrm>
-          <a:off x="0" y="0"/>
-          <a:ext cx="0" cy="0"/>
-          <a:chOff x="0" y="0"/>
-          <a:chExt cx="0" cy="0"/>
-        </a:xfrm>
-      </p:grpSpPr>
-      <p:sp>
-        <p:nvSpPr>
-          <p:cNvPr id="7" name="Title 1"/>
-          <p:cNvSpPr>
-            <a:spLocks noGrp="1"/>
-          </p:cNvSpPr>
-          <p:nvPr>
-            <p:ph type="title"/>
-          </p:nvPr>
-        </p:nvSpPr>
-        <p:spPr/>
-        <p:txBody>
-          <a:bodyPr/>
-          <a:lstStyle/>
-          <a:p>
-            <a:r>
-              <a:rPr lang="en-US" dirty="0"/>
-              <a:t>Table</a:t>
-            </a:r>
-          </a:p>
-        </p:txBody>
-      </p:sp>
-      <p:graphicFrame>
-        <p:nvGraphicFramePr>
-          <p:cNvPr id="6" name="Table 5">
-            <a:extLst>
-              <a:ext uri="{FF2B5EF4-FFF2-40B4-BE49-F238E27FC236}">
-                <a16:creationId xmlns:a16="http://schemas.microsoft.com/office/drawing/2014/main" id="{BEE52E89-C526-4F73-86FB-0EB31587CD33}"/>
-              </a:ext>
-            </a:extLst>
-          </p:cNvPr>
-          <p:cNvGraphicFramePr>
-            <a:graphicFrameLocks noGrp="1"/>
-          </p:cNvGraphicFramePr>
-          <p:nvPr>
-            <p:extLst>
-              <p:ext uri="{D42A27DB-BD31-4B8C-83A1-F6EECF244321}">
-                <p14:modId xmlns:p14="http://schemas.microsoft.com/office/powerpoint/2010/main" val="3778406185"/>
-              </p:ext>
-            </p:extLst>
-          </p:nvPr>
-        </p:nvGraphicFramePr>
-        <p:xfrm>
-          <a:off x="515938" y="1610463"/>
-          <a:ext cx="11150600" cy="3929860"/>
-        </p:xfrm>
-        <a:graphic>
-          <a:graphicData uri="http://schemas.openxmlformats.org/drawingml/2006/table">
-            <a:tbl>
-              <a:tblPr firstRow="1" bandRow="1">
-                <a:tableStyleId>{5C22544A-7EE6-4342-B048-85BDC9FD1C3A}</a:tableStyleId>
-              </a:tblPr>
-              <a:tblGrid>
-                <a:gridCol w="2230120">
-                  <a:extLst>
-                    <a:ext uri="{9D8B030D-6E8A-4147-A177-3AD203B41FA5}">
-                      <a16:colId xmlns:a16="http://schemas.microsoft.com/office/drawing/2014/main" val="2785900615"/>
-                    </a:ext>
-                  </a:extLst>
-                </a:gridCol>
-                <a:gridCol w="2230120">
-                  <a:extLst>
-                    <a:ext uri="{9D8B030D-6E8A-4147-A177-3AD203B41FA5}">
-                      <a16:colId xmlns:a16="http://schemas.microsoft.com/office/drawing/2014/main" val="2287965835"/>
-                    </a:ext>
-                  </a:extLst>
-                </a:gridCol>
-                <a:gridCol w="2230120">
-                  <a:extLst>
-                    <a:ext uri="{9D8B030D-6E8A-4147-A177-3AD203B41FA5}">
-                      <a16:colId xmlns:a16="http://schemas.microsoft.com/office/drawing/2014/main" val="1756528531"/>
-                    </a:ext>
-                  </a:extLst>
-                </a:gridCol>
-                <a:gridCol w="2230120">
-                  <a:extLst>
-                    <a:ext uri="{9D8B030D-6E8A-4147-A177-3AD203B41FA5}">
-                      <a16:colId xmlns:a16="http://schemas.microsoft.com/office/drawing/2014/main" val="3202057861"/>
-                    </a:ext>
-                  </a:extLst>
-                </a:gridCol>
-                <a:gridCol w="2230120">
-                  <a:extLst>
-                    <a:ext uri="{9D8B030D-6E8A-4147-A177-3AD203B41FA5}">
-                      <a16:colId xmlns:a16="http://schemas.microsoft.com/office/drawing/2014/main" val="2509247184"/>
-                    </a:ext>
-                  </a:extLst>
-                </a:gridCol>
-              </a:tblGrid>
-              <a:tr h="592300">
-                <a:tc>
-                  <a:txBody>
-                    <a:bodyPr/>
-                    <a:lstStyle/>
-                    <a:p>
-                      <a:pPr algn="ctr"/>
-                      <a:r>
-                        <a:rPr lang="en-US" dirty="0"/>
-                        <a:t>TOPIC 01</a:t>
-                      </a:r>
-                      <a:endParaRPr lang="en-IN" dirty="0"/>
-                    </a:p>
-                  </a:txBody>
-                  <a:tcPr anchor="ctr">
-                    <a:lnR w="6350" cap="flat" cmpd="sng" algn="ctr">
-                      <a:solidFill>
-                        <a:schemeClr val="bg1">
-                          <a:lumMod val="65000"/>
-                        </a:schemeClr>
-                      </a:solidFill>
-                      <a:prstDash val="solid"/>
-                      <a:round/>
-                      <a:headEnd type="none" w="med" len="med"/>
-                      <a:tailEnd type="none" w="med" len="med"/>
-                    </a:lnR>
-                    <a:lnB w="6350" cap="flat" cmpd="sng" algn="ctr">
-                      <a:solidFill>
-                        <a:schemeClr val="bg1">
-                          <a:lumMod val="65000"/>
-                        </a:schemeClr>
-                      </a:solidFill>
-                      <a:prstDash val="solid"/>
-                      <a:round/>
-                      <a:headEnd type="none" w="med" len="med"/>
-                      <a:tailEnd type="none" w="med" len="med"/>
-                    </a:lnB>
-                  </a:tcPr>
-                </a:tc>
-                <a:tc>
-                  <a:txBody>
-                    <a:bodyPr/>
-                    <a:lstStyle/>
-                    <a:p>
-                      <a:pPr algn="ctr"/>
-                      <a:r>
-                        <a:rPr lang="en-US" dirty="0"/>
-                        <a:t>TOPIC 02</a:t>
-                      </a:r>
-                      <a:endParaRPr lang="en-IN" dirty="0"/>
-                    </a:p>
-                  </a:txBody>
-                  <a:tcPr anchor="ctr">
-                    <a:lnL w="6350" cap="flat" cmpd="sng" algn="ctr">
-                      <a:solidFill>
-                        <a:schemeClr val="bg1">
-                          <a:lumMod val="65000"/>
-                        </a:schemeClr>
-                      </a:solidFill>
-                      <a:prstDash val="solid"/>
-                      <a:round/>
-                      <a:headEnd type="none" w="med" len="med"/>
-                      <a:tailEnd type="none" w="med" len="med"/>
-                    </a:lnL>
-                    <a:lnR w="6350" cap="flat" cmpd="sng" algn="ctr">
-                      <a:solidFill>
-                        <a:schemeClr val="bg1">
-                          <a:lumMod val="65000"/>
-                        </a:schemeClr>
-                      </a:solidFill>
-                      <a:prstDash val="solid"/>
-                      <a:round/>
-                      <a:headEnd type="none" w="med" len="med"/>
-                      <a:tailEnd type="none" w="med" len="med"/>
-                    </a:lnR>
-                    <a:lnB w="6350" cap="flat" cmpd="sng" algn="ctr">
-                      <a:solidFill>
-                        <a:schemeClr val="bg1">
-                          <a:lumMod val="65000"/>
-                        </a:schemeClr>
-                      </a:solidFill>
-                      <a:prstDash val="solid"/>
-                      <a:round/>
-                      <a:headEnd type="none" w="med" len="med"/>
-                      <a:tailEnd type="none" w="med" len="med"/>
-                    </a:lnB>
-                  </a:tcPr>
-                </a:tc>
-                <a:tc>
-                  <a:txBody>
-                    <a:bodyPr/>
-                    <a:lstStyle/>
-                    <a:p>
-                      <a:pPr algn="ctr"/>
-                      <a:r>
-                        <a:rPr lang="en-US" dirty="0"/>
-                        <a:t>TOPIC 03</a:t>
-                      </a:r>
-                      <a:endParaRPr lang="en-IN" dirty="0"/>
-                    </a:p>
-                  </a:txBody>
-                  <a:tcPr anchor="ctr">
-                    <a:lnL w="6350" cap="flat" cmpd="sng" algn="ctr">
-                      <a:solidFill>
-                        <a:schemeClr val="bg1">
-                          <a:lumMod val="65000"/>
-                        </a:schemeClr>
-                      </a:solidFill>
-                      <a:prstDash val="solid"/>
-                      <a:round/>
-                      <a:headEnd type="none" w="med" len="med"/>
-                      <a:tailEnd type="none" w="med" len="med"/>
-                    </a:lnL>
-                    <a:lnR w="6350" cap="flat" cmpd="sng" algn="ctr">
-                      <a:solidFill>
-                        <a:schemeClr val="bg1">
-                          <a:lumMod val="65000"/>
-                        </a:schemeClr>
-                      </a:solidFill>
-                      <a:prstDash val="solid"/>
-                      <a:round/>
-                      <a:headEnd type="none" w="med" len="med"/>
-                      <a:tailEnd type="none" w="med" len="med"/>
-                    </a:lnR>
-                    <a:lnB w="6350" cap="flat" cmpd="sng" algn="ctr">
-                      <a:solidFill>
-                        <a:schemeClr val="bg1">
-                          <a:lumMod val="65000"/>
-                        </a:schemeClr>
-                      </a:solidFill>
-                      <a:prstDash val="solid"/>
-                      <a:round/>
-                      <a:headEnd type="none" w="med" len="med"/>
-                      <a:tailEnd type="none" w="med" len="med"/>
-                    </a:lnB>
-                  </a:tcPr>
-                </a:tc>
-                <a:tc>
-                  <a:txBody>
-                    <a:bodyPr/>
-                    <a:lstStyle/>
-                    <a:p>
-                      <a:pPr algn="ctr"/>
-                      <a:r>
-                        <a:rPr lang="en-US" dirty="0"/>
-                        <a:t>TOPIC 04</a:t>
-                      </a:r>
-                      <a:endParaRPr lang="en-IN" dirty="0"/>
-                    </a:p>
-                  </a:txBody>
-                  <a:tcPr anchor="ctr">
-                    <a:lnL w="6350" cap="flat" cmpd="sng" algn="ctr">
-                      <a:solidFill>
-                        <a:schemeClr val="bg1">
-                          <a:lumMod val="65000"/>
-                        </a:schemeClr>
-                      </a:solidFill>
-                      <a:prstDash val="solid"/>
-                      <a:round/>
-                      <a:headEnd type="none" w="med" len="med"/>
-                      <a:tailEnd type="none" w="med" len="med"/>
-                    </a:lnL>
-                    <a:lnR w="6350" cap="flat" cmpd="sng" algn="ctr">
-                      <a:solidFill>
-                        <a:schemeClr val="bg1">
-                          <a:lumMod val="65000"/>
-                        </a:schemeClr>
-                      </a:solidFill>
-                      <a:prstDash val="solid"/>
-                      <a:round/>
-                      <a:headEnd type="none" w="med" len="med"/>
-                      <a:tailEnd type="none" w="med" len="med"/>
-                    </a:lnR>
-                    <a:lnB w="6350" cap="flat" cmpd="sng" algn="ctr">
-                      <a:solidFill>
-                        <a:schemeClr val="bg1">
-                          <a:lumMod val="65000"/>
-                        </a:schemeClr>
-                      </a:solidFill>
-                      <a:prstDash val="solid"/>
-                      <a:round/>
-                      <a:headEnd type="none" w="med" len="med"/>
-                      <a:tailEnd type="none" w="med" len="med"/>
-                    </a:lnB>
-                  </a:tcPr>
-                </a:tc>
-                <a:tc>
-                  <a:txBody>
-                    <a:bodyPr/>
-                    <a:lstStyle/>
-                    <a:p>
-                      <a:pPr algn="ctr"/>
-                      <a:r>
-                        <a:rPr lang="en-US" dirty="0"/>
-                        <a:t>TOPIC 05</a:t>
-                      </a:r>
-                      <a:endParaRPr lang="en-IN" dirty="0"/>
-                    </a:p>
-                  </a:txBody>
-                  <a:tcPr anchor="ctr">
-                    <a:lnL w="6350" cap="flat" cmpd="sng" algn="ctr">
-                      <a:solidFill>
-                        <a:schemeClr val="bg1">
-                          <a:lumMod val="65000"/>
-                        </a:schemeClr>
-                      </a:solidFill>
-                      <a:prstDash val="solid"/>
-                      <a:round/>
-                      <a:headEnd type="none" w="med" len="med"/>
-                      <a:tailEnd type="none" w="med" len="med"/>
-                    </a:lnL>
-                    <a:lnB w="6350" cap="flat" cmpd="sng" algn="ctr">
-                      <a:solidFill>
-                        <a:schemeClr val="bg1">
-                          <a:lumMod val="65000"/>
-                        </a:schemeClr>
-                      </a:solidFill>
-                      <a:prstDash val="solid"/>
-                      <a:round/>
-                      <a:headEnd type="none" w="med" len="med"/>
-                      <a:tailEnd type="none" w="med" len="med"/>
-                    </a:lnB>
-                  </a:tcPr>
-                </a:tc>
-                <a:extLst>
-                  <a:ext uri="{0D108BD9-81ED-4DB2-BD59-A6C34878D82A}">
-                    <a16:rowId xmlns:a16="http://schemas.microsoft.com/office/drawing/2014/main" val="17730668"/>
-                  </a:ext>
-                </a:extLst>
-              </a:tr>
-              <a:tr h="370840">
-                <a:tc>
-                  <a:txBody>
-                    <a:bodyPr/>
-                    <a:lstStyle/>
-                    <a:p>
-                      <a:pPr algn="ctr"/>
-                      <a:r>
-                        <a:rPr lang="en-US" sz="1600" dirty="0"/>
-                        <a:t>Item 01</a:t>
-                      </a:r>
-                      <a:endParaRPr lang="en-IN" sz="1600" dirty="0"/>
-                    </a:p>
-                  </a:txBody>
-                  <a:tcPr anchor="ctr">
-                    <a:lnR w="6350" cap="flat" cmpd="sng" algn="ctr">
-                      <a:solidFill>
-                        <a:schemeClr val="bg1">
-                          <a:lumMod val="65000"/>
-                        </a:schemeClr>
-                      </a:solidFill>
-                      <a:prstDash val="solid"/>
-                      <a:round/>
-                      <a:headEnd type="none" w="med" len="med"/>
-                      <a:tailEnd type="none" w="med" len="med"/>
-                    </a:lnR>
-                    <a:lnT w="6350" cap="flat" cmpd="sng" algn="ctr">
-                      <a:solidFill>
-                        <a:schemeClr val="bg1">
-                          <a:lumMod val="65000"/>
-                        </a:schemeClr>
-                      </a:solidFill>
-                      <a:prstDash val="solid"/>
-                      <a:round/>
-                      <a:headEnd type="none" w="med" len="med"/>
-                      <a:tailEnd type="none" w="med" len="med"/>
-                    </a:lnT>
-                    <a:lnB w="6350" cap="flat" cmpd="sng" algn="ctr">
-                      <a:solidFill>
-                        <a:schemeClr val="bg1">
-                          <a:lumMod val="65000"/>
-                        </a:schemeClr>
-                      </a:solidFill>
-                      <a:prstDash val="solid"/>
-                      <a:round/>
-                      <a:headEnd type="none" w="med" len="med"/>
-                      <a:tailEnd type="none" w="med" len="med"/>
-                    </a:lnB>
-                    <a:noFill/>
-                  </a:tcPr>
-                </a:tc>
-                <a:tc>
-                  <a:txBody>
-                    <a:bodyPr/>
-                    <a:lstStyle/>
-                    <a:p>
-                      <a:pPr algn="ctr"/>
-                      <a:r>
-                        <a:rPr lang="en-US" sz="1600" dirty="0"/>
-                        <a:t>Text</a:t>
-                      </a:r>
-                      <a:endParaRPr lang="en-IN" sz="1600" dirty="0"/>
-                    </a:p>
-                  </a:txBody>
-                  <a:tcPr anchor="ctr">
-                    <a:lnL w="6350" cap="flat" cmpd="sng" algn="ctr">
-                      <a:solidFill>
-                        <a:schemeClr val="bg1">
-                          <a:lumMod val="65000"/>
-                        </a:schemeClr>
-                      </a:solidFill>
-                      <a:prstDash val="solid"/>
-                      <a:round/>
-                      <a:headEnd type="none" w="med" len="med"/>
-                      <a:tailEnd type="none" w="med" len="med"/>
-                    </a:lnL>
-                    <a:lnR w="6350" cap="flat" cmpd="sng" algn="ctr">
-                      <a:solidFill>
-                        <a:schemeClr val="bg1">
-                          <a:lumMod val="65000"/>
-                        </a:schemeClr>
-                      </a:solidFill>
-                      <a:prstDash val="solid"/>
-                      <a:round/>
-                      <a:headEnd type="none" w="med" len="med"/>
-                      <a:tailEnd type="none" w="med" len="med"/>
-                    </a:lnR>
-                    <a:lnT w="6350" cap="flat" cmpd="sng" algn="ctr">
-                      <a:solidFill>
-                        <a:schemeClr val="bg1">
-                          <a:lumMod val="65000"/>
-                        </a:schemeClr>
-                      </a:solidFill>
-                      <a:prstDash val="solid"/>
-                      <a:round/>
-                      <a:headEnd type="none" w="med" len="med"/>
-                      <a:tailEnd type="none" w="med" len="med"/>
-                    </a:lnT>
-                    <a:lnB w="6350" cap="flat" cmpd="sng" algn="ctr">
-                      <a:solidFill>
-                        <a:schemeClr val="bg1">
-                          <a:lumMod val="65000"/>
-                        </a:schemeClr>
-                      </a:solidFill>
-                      <a:prstDash val="solid"/>
-                      <a:round/>
-                      <a:headEnd type="none" w="med" len="med"/>
-                      <a:tailEnd type="none" w="med" len="med"/>
-                    </a:lnB>
-                    <a:noFill/>
-                  </a:tcPr>
-                </a:tc>
-                <a:tc>
-                  <a:txBody>
-                    <a:bodyPr/>
-                    <a:lstStyle/>
-                    <a:p>
-                      <a:pPr algn="ctr"/>
-                      <a:r>
-                        <a:rPr lang="en-US" sz="1600" dirty="0"/>
-                        <a:t>Text</a:t>
-                      </a:r>
-                      <a:endParaRPr lang="en-IN" sz="1600" dirty="0"/>
-                    </a:p>
-                  </a:txBody>
-                  <a:tcPr anchor="ctr">
-                    <a:lnL w="6350" cap="flat" cmpd="sng" algn="ctr">
-                      <a:solidFill>
-                        <a:schemeClr val="bg1">
-                          <a:lumMod val="65000"/>
-                        </a:schemeClr>
-                      </a:solidFill>
-                      <a:prstDash val="solid"/>
-                      <a:round/>
-                      <a:headEnd type="none" w="med" len="med"/>
-                      <a:tailEnd type="none" w="med" len="med"/>
-                    </a:lnL>
-                    <a:lnR w="6350" cap="flat" cmpd="sng" algn="ctr">
-                      <a:solidFill>
-                        <a:schemeClr val="bg1">
-                          <a:lumMod val="65000"/>
-                        </a:schemeClr>
-                      </a:solidFill>
-                      <a:prstDash val="solid"/>
-                      <a:round/>
-                      <a:headEnd type="none" w="med" len="med"/>
-                      <a:tailEnd type="none" w="med" len="med"/>
-                    </a:lnR>
-                    <a:lnT w="6350" cap="flat" cmpd="sng" algn="ctr">
-                      <a:solidFill>
-                        <a:schemeClr val="bg1">
-                          <a:lumMod val="65000"/>
-                        </a:schemeClr>
-                      </a:solidFill>
-                      <a:prstDash val="solid"/>
-                      <a:round/>
-                      <a:headEnd type="none" w="med" len="med"/>
-                      <a:tailEnd type="none" w="med" len="med"/>
-                    </a:lnT>
-                    <a:lnB w="6350" cap="flat" cmpd="sng" algn="ctr">
-                      <a:solidFill>
-                        <a:schemeClr val="bg1">
-                          <a:lumMod val="65000"/>
-                        </a:schemeClr>
-                      </a:solidFill>
-                      <a:prstDash val="solid"/>
-                      <a:round/>
-                      <a:headEnd type="none" w="med" len="med"/>
-                      <a:tailEnd type="none" w="med" len="med"/>
-                    </a:lnB>
-                    <a:noFill/>
-                  </a:tcPr>
-                </a:tc>
-                <a:tc>
-                  <a:txBody>
-                    <a:bodyPr/>
-                    <a:lstStyle/>
-                    <a:p>
-                      <a:pPr algn="ctr"/>
-                      <a:r>
-                        <a:rPr lang="en-US" sz="1600" dirty="0"/>
-                        <a:t>Text</a:t>
-                      </a:r>
-                      <a:endParaRPr lang="en-IN" sz="1600" dirty="0"/>
-                    </a:p>
-                  </a:txBody>
-                  <a:tcPr anchor="ctr">
-                    <a:lnL w="6350" cap="flat" cmpd="sng" algn="ctr">
-                      <a:solidFill>
-                        <a:schemeClr val="bg1">
-                          <a:lumMod val="65000"/>
-                        </a:schemeClr>
-                      </a:solidFill>
-                      <a:prstDash val="solid"/>
-                      <a:round/>
-                      <a:headEnd type="none" w="med" len="med"/>
-                      <a:tailEnd type="none" w="med" len="med"/>
-                    </a:lnL>
-                    <a:lnR w="6350" cap="flat" cmpd="sng" algn="ctr">
-                      <a:solidFill>
-                        <a:schemeClr val="bg1">
-                          <a:lumMod val="65000"/>
-                        </a:schemeClr>
-                      </a:solidFill>
-                      <a:prstDash val="solid"/>
-                      <a:round/>
-                      <a:headEnd type="none" w="med" len="med"/>
-                      <a:tailEnd type="none" w="med" len="med"/>
-                    </a:lnR>
-                    <a:lnT w="6350" cap="flat" cmpd="sng" algn="ctr">
-                      <a:solidFill>
-                        <a:schemeClr val="bg1">
-                          <a:lumMod val="65000"/>
-                        </a:schemeClr>
-                      </a:solidFill>
-                      <a:prstDash val="solid"/>
-                      <a:round/>
-                      <a:headEnd type="none" w="med" len="med"/>
-                      <a:tailEnd type="none" w="med" len="med"/>
-                    </a:lnT>
-                    <a:lnB w="6350" cap="flat" cmpd="sng" algn="ctr">
-                      <a:solidFill>
-                        <a:schemeClr val="bg1">
-                          <a:lumMod val="65000"/>
-                        </a:schemeClr>
-                      </a:solidFill>
-                      <a:prstDash val="solid"/>
-                      <a:round/>
-                      <a:headEnd type="none" w="med" len="med"/>
-                      <a:tailEnd type="none" w="med" len="med"/>
-                    </a:lnB>
-                    <a:noFill/>
-                  </a:tcPr>
-                </a:tc>
-                <a:tc>
-                  <a:txBody>
-                    <a:bodyPr/>
-                    <a:lstStyle/>
-                    <a:p>
-                      <a:pPr algn="ctr"/>
-                      <a:r>
-                        <a:rPr lang="en-US" sz="1600" dirty="0"/>
-                        <a:t>Text</a:t>
-                      </a:r>
-                      <a:endParaRPr lang="en-IN" sz="1600" dirty="0"/>
-                    </a:p>
-                  </a:txBody>
-                  <a:tcPr anchor="ctr">
-                    <a:lnL w="6350" cap="flat" cmpd="sng" algn="ctr">
-                      <a:solidFill>
-                        <a:schemeClr val="bg1">
-                          <a:lumMod val="65000"/>
-                        </a:schemeClr>
-                      </a:solidFill>
-                      <a:prstDash val="solid"/>
-                      <a:round/>
-                      <a:headEnd type="none" w="med" len="med"/>
-                      <a:tailEnd type="none" w="med" len="med"/>
-                    </a:lnL>
-                    <a:lnT w="6350" cap="flat" cmpd="sng" algn="ctr">
-                      <a:solidFill>
-                        <a:schemeClr val="bg1">
-                          <a:lumMod val="65000"/>
-                        </a:schemeClr>
-                      </a:solidFill>
-                      <a:prstDash val="solid"/>
-                      <a:round/>
-                      <a:headEnd type="none" w="med" len="med"/>
-                      <a:tailEnd type="none" w="med" len="med"/>
-                    </a:lnT>
-                    <a:lnB w="6350" cap="flat" cmpd="sng" algn="ctr">
-                      <a:solidFill>
-                        <a:schemeClr val="bg1">
-                          <a:lumMod val="65000"/>
-                        </a:schemeClr>
-                      </a:solidFill>
-                      <a:prstDash val="solid"/>
-                      <a:round/>
-                      <a:headEnd type="none" w="med" len="med"/>
-                      <a:tailEnd type="none" w="med" len="med"/>
-                    </a:lnB>
-                    <a:noFill/>
-                  </a:tcPr>
-                </a:tc>
-                <a:extLst>
-                  <a:ext uri="{0D108BD9-81ED-4DB2-BD59-A6C34878D82A}">
-                    <a16:rowId xmlns:a16="http://schemas.microsoft.com/office/drawing/2014/main" val="3205186774"/>
-                  </a:ext>
-                </a:extLst>
-              </a:tr>
-              <a:tr h="370840">
-                <a:tc>
-                  <a:txBody>
-                    <a:bodyPr/>
-                    <a:lstStyle/>
-                    <a:p>
-                      <a:pPr marL="0" marR="0" lvl="0" indent="0" algn="ctr" defTabSz="914400" rtl="0" eaLnBrk="1" fontAlgn="auto" latinLnBrk="0" hangingPunct="1">
-                        <a:lnSpc>
-                          <a:spcPct val="100000"/>
-                        </a:lnSpc>
-                        <a:spcBef>
-                          <a:spcPts val="0"/>
-                        </a:spcBef>
-                        <a:spcAft>
-                          <a:spcPts val="0"/>
-                        </a:spcAft>
-                        <a:buClrTx/>
-                        <a:buSzTx/>
-                        <a:buFontTx/>
-                        <a:buNone/>
-                        <a:tabLst/>
-                        <a:defRPr/>
-                      </a:pPr>
-                      <a:r>
-                        <a:rPr lang="en-US" sz="1600" dirty="0"/>
-                        <a:t>Item 02</a:t>
-                      </a:r>
-                      <a:endParaRPr lang="en-IN" sz="1600" dirty="0"/>
-                    </a:p>
-                  </a:txBody>
-                  <a:tcPr anchor="ctr">
-                    <a:lnR w="6350" cap="flat" cmpd="sng" algn="ctr">
-                      <a:solidFill>
-                        <a:schemeClr val="bg1">
-                          <a:lumMod val="65000"/>
-                        </a:schemeClr>
-                      </a:solidFill>
-                      <a:prstDash val="solid"/>
-                      <a:round/>
-                      <a:headEnd type="none" w="med" len="med"/>
-                      <a:tailEnd type="none" w="med" len="med"/>
-                    </a:lnR>
-                    <a:lnT w="6350" cap="flat" cmpd="sng" algn="ctr">
-                      <a:solidFill>
-                        <a:schemeClr val="bg1">
-                          <a:lumMod val="65000"/>
-                        </a:schemeClr>
-                      </a:solidFill>
-                      <a:prstDash val="solid"/>
-                      <a:round/>
-                      <a:headEnd type="none" w="med" len="med"/>
-                      <a:tailEnd type="none" w="med" len="med"/>
-                    </a:lnT>
-                    <a:lnB w="6350" cap="flat" cmpd="sng" algn="ctr">
-                      <a:solidFill>
-                        <a:schemeClr val="bg1">
-                          <a:lumMod val="65000"/>
-                        </a:schemeClr>
-                      </a:solidFill>
-                      <a:prstDash val="solid"/>
-                      <a:round/>
-                      <a:headEnd type="none" w="med" len="med"/>
-                      <a:tailEnd type="none" w="med" len="med"/>
-                    </a:lnB>
-                    <a:noFill/>
-                  </a:tcPr>
-                </a:tc>
-                <a:tc>
-                  <a:txBody>
-                    <a:bodyPr/>
-                    <a:lstStyle/>
-                    <a:p>
-                      <a:pPr algn="ctr"/>
-                      <a:r>
-                        <a:rPr kumimoji="0" lang="en-US" sz="1600" b="0" i="0" u="none" strike="noStrike" kern="1200" cap="none" spc="0" normalizeH="0" baseline="0" noProof="0" dirty="0">
-                          <a:ln>
-                            <a:noFill/>
-                          </a:ln>
-                          <a:solidFill>
-                            <a:prstClr val="black"/>
-                          </a:solidFill>
-                          <a:effectLst/>
-                          <a:uLnTx/>
-                          <a:uFillTx/>
-                          <a:latin typeface="Calibri"/>
-                          <a:ea typeface="+mn-ea"/>
-                          <a:cs typeface="+mn-cs"/>
-                        </a:rPr>
-                        <a:t>Text</a:t>
-                      </a:r>
-                      <a:endParaRPr lang="en-IN" sz="1600" dirty="0"/>
-                    </a:p>
-                  </a:txBody>
-                  <a:tcPr anchor="ctr">
-                    <a:lnL w="6350" cap="flat" cmpd="sng" algn="ctr">
-                      <a:solidFill>
-                        <a:schemeClr val="bg1">
-                          <a:lumMod val="65000"/>
-                        </a:schemeClr>
-                      </a:solidFill>
-                      <a:prstDash val="solid"/>
-                      <a:round/>
-                      <a:headEnd type="none" w="med" len="med"/>
-                      <a:tailEnd type="none" w="med" len="med"/>
-                    </a:lnL>
-                    <a:lnR w="6350" cap="flat" cmpd="sng" algn="ctr">
-                      <a:solidFill>
-                        <a:schemeClr val="bg1">
-                          <a:lumMod val="65000"/>
-                        </a:schemeClr>
-                      </a:solidFill>
-                      <a:prstDash val="solid"/>
-                      <a:round/>
-                      <a:headEnd type="none" w="med" len="med"/>
-                      <a:tailEnd type="none" w="med" len="med"/>
-                    </a:lnR>
-                    <a:lnT w="6350" cap="flat" cmpd="sng" algn="ctr">
-                      <a:solidFill>
-                        <a:schemeClr val="bg1">
-                          <a:lumMod val="65000"/>
-                        </a:schemeClr>
-                      </a:solidFill>
-                      <a:prstDash val="solid"/>
-                      <a:round/>
-                      <a:headEnd type="none" w="med" len="med"/>
-                      <a:tailEnd type="none" w="med" len="med"/>
-                    </a:lnT>
-                    <a:lnB w="6350" cap="flat" cmpd="sng" algn="ctr">
-                      <a:solidFill>
-                        <a:schemeClr val="bg1">
-                          <a:lumMod val="65000"/>
-                        </a:schemeClr>
-                      </a:solidFill>
-                      <a:prstDash val="solid"/>
-                      <a:round/>
-                      <a:headEnd type="none" w="med" len="med"/>
-                      <a:tailEnd type="none" w="med" len="med"/>
-                    </a:lnB>
-                    <a:noFill/>
-                  </a:tcPr>
-                </a:tc>
-                <a:tc>
-                  <a:txBody>
-                    <a:bodyPr/>
-                    <a:lstStyle/>
-                    <a:p>
-                      <a:pPr algn="ctr"/>
-                      <a:r>
-                        <a:rPr kumimoji="0" lang="en-US" sz="1600" b="0" i="0" u="none" strike="noStrike" kern="1200" cap="none" spc="0" normalizeH="0" baseline="0" noProof="0" dirty="0">
-                          <a:ln>
-                            <a:noFill/>
-                          </a:ln>
-                          <a:solidFill>
-                            <a:prstClr val="black"/>
-                          </a:solidFill>
-                          <a:effectLst/>
-                          <a:uLnTx/>
-                          <a:uFillTx/>
-                          <a:latin typeface="Calibri"/>
-                          <a:ea typeface="+mn-ea"/>
-                          <a:cs typeface="+mn-cs"/>
-                        </a:rPr>
-                        <a:t>Text</a:t>
-                      </a:r>
-                      <a:endParaRPr lang="en-IN" sz="1600" dirty="0"/>
-                    </a:p>
-                  </a:txBody>
-                  <a:tcPr anchor="ctr">
-                    <a:lnL w="6350" cap="flat" cmpd="sng" algn="ctr">
-                      <a:solidFill>
-                        <a:schemeClr val="bg1">
-                          <a:lumMod val="65000"/>
-                        </a:schemeClr>
-                      </a:solidFill>
-                      <a:prstDash val="solid"/>
-                      <a:round/>
-                      <a:headEnd type="none" w="med" len="med"/>
-                      <a:tailEnd type="none" w="med" len="med"/>
-                    </a:lnL>
-                    <a:lnR w="6350" cap="flat" cmpd="sng" algn="ctr">
-                      <a:solidFill>
-                        <a:schemeClr val="bg1">
-                          <a:lumMod val="65000"/>
-                        </a:schemeClr>
-                      </a:solidFill>
-                      <a:prstDash val="solid"/>
-                      <a:round/>
-                      <a:headEnd type="none" w="med" len="med"/>
-                      <a:tailEnd type="none" w="med" len="med"/>
-                    </a:lnR>
-                    <a:lnT w="6350" cap="flat" cmpd="sng" algn="ctr">
-                      <a:solidFill>
-                        <a:schemeClr val="bg1">
-                          <a:lumMod val="65000"/>
-                        </a:schemeClr>
-                      </a:solidFill>
-                      <a:prstDash val="solid"/>
-                      <a:round/>
-                      <a:headEnd type="none" w="med" len="med"/>
-                      <a:tailEnd type="none" w="med" len="med"/>
-                    </a:lnT>
-                    <a:lnB w="6350" cap="flat" cmpd="sng" algn="ctr">
-                      <a:solidFill>
-                        <a:schemeClr val="bg1">
-                          <a:lumMod val="65000"/>
-                        </a:schemeClr>
-                      </a:solidFill>
-                      <a:prstDash val="solid"/>
-                      <a:round/>
-                      <a:headEnd type="none" w="med" len="med"/>
-                      <a:tailEnd type="none" w="med" len="med"/>
-                    </a:lnB>
-                    <a:noFill/>
-                  </a:tcPr>
-                </a:tc>
-                <a:tc>
-                  <a:txBody>
-                    <a:bodyPr/>
-                    <a:lstStyle/>
-                    <a:p>
-                      <a:pPr algn="ctr"/>
-                      <a:r>
-                        <a:rPr kumimoji="0" lang="en-US" sz="1600" b="0" i="0" u="none" strike="noStrike" kern="1200" cap="none" spc="0" normalizeH="0" baseline="0" noProof="0" dirty="0">
-                          <a:ln>
-                            <a:noFill/>
-                          </a:ln>
-                          <a:solidFill>
-                            <a:prstClr val="black"/>
-                          </a:solidFill>
-                          <a:effectLst/>
-                          <a:uLnTx/>
-                          <a:uFillTx/>
-                          <a:latin typeface="Calibri"/>
-                          <a:ea typeface="+mn-ea"/>
-                          <a:cs typeface="+mn-cs"/>
-                        </a:rPr>
-                        <a:t>Text</a:t>
-                      </a:r>
-                      <a:endParaRPr lang="en-IN" sz="1600" dirty="0"/>
-                    </a:p>
-                  </a:txBody>
-                  <a:tcPr anchor="ctr">
-                    <a:lnL w="6350" cap="flat" cmpd="sng" algn="ctr">
-                      <a:solidFill>
-                        <a:schemeClr val="bg1">
-                          <a:lumMod val="65000"/>
-                        </a:schemeClr>
-                      </a:solidFill>
-                      <a:prstDash val="solid"/>
-                      <a:round/>
-                      <a:headEnd type="none" w="med" len="med"/>
-                      <a:tailEnd type="none" w="med" len="med"/>
-                    </a:lnL>
-                    <a:lnR w="6350" cap="flat" cmpd="sng" algn="ctr">
-                      <a:solidFill>
-                        <a:schemeClr val="bg1">
-                          <a:lumMod val="65000"/>
-                        </a:schemeClr>
-                      </a:solidFill>
-                      <a:prstDash val="solid"/>
-                      <a:round/>
-                      <a:headEnd type="none" w="med" len="med"/>
-                      <a:tailEnd type="none" w="med" len="med"/>
-                    </a:lnR>
-                    <a:lnT w="6350" cap="flat" cmpd="sng" algn="ctr">
-                      <a:solidFill>
-                        <a:schemeClr val="bg1">
-                          <a:lumMod val="65000"/>
-                        </a:schemeClr>
-                      </a:solidFill>
-                      <a:prstDash val="solid"/>
-                      <a:round/>
-                      <a:headEnd type="none" w="med" len="med"/>
-                      <a:tailEnd type="none" w="med" len="med"/>
-                    </a:lnT>
-                    <a:lnB w="6350" cap="flat" cmpd="sng" algn="ctr">
-                      <a:solidFill>
-                        <a:schemeClr val="bg1">
-                          <a:lumMod val="65000"/>
-                        </a:schemeClr>
-                      </a:solidFill>
-                      <a:prstDash val="solid"/>
-                      <a:round/>
-                      <a:headEnd type="none" w="med" len="med"/>
-                      <a:tailEnd type="none" w="med" len="med"/>
-                    </a:lnB>
-                    <a:noFill/>
-                  </a:tcPr>
-                </a:tc>
-                <a:tc>
-                  <a:txBody>
-                    <a:bodyPr/>
-                    <a:lstStyle/>
-                    <a:p>
-                      <a:pPr algn="ctr"/>
-                      <a:r>
-                        <a:rPr kumimoji="0" lang="en-US" sz="1600" b="0" i="0" u="none" strike="noStrike" kern="1200" cap="none" spc="0" normalizeH="0" baseline="0" noProof="0" dirty="0">
-                          <a:ln>
-                            <a:noFill/>
-                          </a:ln>
-                          <a:solidFill>
-                            <a:prstClr val="black"/>
-                          </a:solidFill>
-                          <a:effectLst/>
-                          <a:uLnTx/>
-                          <a:uFillTx/>
-                          <a:latin typeface="Calibri"/>
-                          <a:ea typeface="+mn-ea"/>
-                          <a:cs typeface="+mn-cs"/>
-                        </a:rPr>
-                        <a:t>Text</a:t>
-                      </a:r>
-                      <a:endParaRPr lang="en-IN" sz="1600" dirty="0"/>
-                    </a:p>
-                  </a:txBody>
-                  <a:tcPr anchor="ctr">
-                    <a:lnL w="6350" cap="flat" cmpd="sng" algn="ctr">
-                      <a:solidFill>
-                        <a:schemeClr val="bg1">
-                          <a:lumMod val="65000"/>
-                        </a:schemeClr>
-                      </a:solidFill>
-                      <a:prstDash val="solid"/>
-                      <a:round/>
-                      <a:headEnd type="none" w="med" len="med"/>
-                      <a:tailEnd type="none" w="med" len="med"/>
-                    </a:lnL>
-                    <a:lnT w="6350" cap="flat" cmpd="sng" algn="ctr">
-                      <a:solidFill>
-                        <a:schemeClr val="bg1">
-                          <a:lumMod val="65000"/>
-                        </a:schemeClr>
-                      </a:solidFill>
-                      <a:prstDash val="solid"/>
-                      <a:round/>
-                      <a:headEnd type="none" w="med" len="med"/>
-                      <a:tailEnd type="none" w="med" len="med"/>
-                    </a:lnT>
-                    <a:lnB w="6350" cap="flat" cmpd="sng" algn="ctr">
-                      <a:solidFill>
-                        <a:schemeClr val="bg1">
-                          <a:lumMod val="65000"/>
-                        </a:schemeClr>
-                      </a:solidFill>
-                      <a:prstDash val="solid"/>
-                      <a:round/>
-                      <a:headEnd type="none" w="med" len="med"/>
-                      <a:tailEnd type="none" w="med" len="med"/>
-                    </a:lnB>
-                    <a:noFill/>
-                  </a:tcPr>
-                </a:tc>
-                <a:extLst>
-                  <a:ext uri="{0D108BD9-81ED-4DB2-BD59-A6C34878D82A}">
-                    <a16:rowId xmlns:a16="http://schemas.microsoft.com/office/drawing/2014/main" val="2960814750"/>
-                  </a:ext>
-                </a:extLst>
-              </a:tr>
-              <a:tr h="370840">
-                <a:tc>
-                  <a:txBody>
-                    <a:bodyPr/>
-                    <a:lstStyle/>
-                    <a:p>
-                      <a:pPr marL="0" marR="0" lvl="0" indent="0" algn="ctr" defTabSz="914400" rtl="0" eaLnBrk="1" fontAlgn="auto" latinLnBrk="0" hangingPunct="1">
-                        <a:lnSpc>
-                          <a:spcPct val="100000"/>
-                        </a:lnSpc>
-                        <a:spcBef>
-                          <a:spcPts val="0"/>
-                        </a:spcBef>
-                        <a:spcAft>
-                          <a:spcPts val="0"/>
-                        </a:spcAft>
-                        <a:buClrTx/>
-                        <a:buSzTx/>
-                        <a:buFontTx/>
-                        <a:buNone/>
-                        <a:tabLst/>
-                        <a:defRPr/>
-                      </a:pPr>
-                      <a:r>
-                        <a:rPr lang="en-US" sz="1600" dirty="0"/>
-                        <a:t>Item 03</a:t>
-                      </a:r>
-                      <a:endParaRPr lang="en-IN" sz="1600" dirty="0"/>
-                    </a:p>
-                  </a:txBody>
-                  <a:tcPr anchor="ctr">
-                    <a:lnR w="6350" cap="flat" cmpd="sng" algn="ctr">
-                      <a:solidFill>
-                        <a:schemeClr val="bg1">
-                          <a:lumMod val="65000"/>
-                        </a:schemeClr>
-                      </a:solidFill>
-                      <a:prstDash val="solid"/>
-                      <a:round/>
-                      <a:headEnd type="none" w="med" len="med"/>
-                      <a:tailEnd type="none" w="med" len="med"/>
-                    </a:lnR>
-                    <a:lnT w="6350" cap="flat" cmpd="sng" algn="ctr">
-                      <a:solidFill>
-                        <a:schemeClr val="bg1">
-                          <a:lumMod val="65000"/>
-                        </a:schemeClr>
-                      </a:solidFill>
-                      <a:prstDash val="solid"/>
-                      <a:round/>
-                      <a:headEnd type="none" w="med" len="med"/>
-                      <a:tailEnd type="none" w="med" len="med"/>
-                    </a:lnT>
-                    <a:lnB w="6350" cap="flat" cmpd="sng" algn="ctr">
-                      <a:solidFill>
-                        <a:schemeClr val="bg1">
-                          <a:lumMod val="65000"/>
-                        </a:schemeClr>
-                      </a:solidFill>
-                      <a:prstDash val="solid"/>
-                      <a:round/>
-                      <a:headEnd type="none" w="med" len="med"/>
-                      <a:tailEnd type="none" w="med" len="med"/>
-                    </a:lnB>
-                    <a:noFill/>
-                  </a:tcPr>
-                </a:tc>
-                <a:tc>
-                  <a:txBody>
-                    <a:bodyPr/>
-                    <a:lstStyle/>
-                    <a:p>
-                      <a:pPr algn="ctr"/>
-                      <a:r>
-                        <a:rPr kumimoji="0" lang="en-US" sz="1600" b="0" i="0" u="none" strike="noStrike" kern="1200" cap="none" spc="0" normalizeH="0" baseline="0" noProof="0" dirty="0">
-                          <a:ln>
-                            <a:noFill/>
-                          </a:ln>
-                          <a:solidFill>
-                            <a:prstClr val="black"/>
-                          </a:solidFill>
-                          <a:effectLst/>
-                          <a:uLnTx/>
-                          <a:uFillTx/>
-                          <a:latin typeface="Calibri"/>
-                          <a:ea typeface="+mn-ea"/>
-                          <a:cs typeface="+mn-cs"/>
-                        </a:rPr>
-                        <a:t>Text</a:t>
-                      </a:r>
-                      <a:endParaRPr lang="en-IN" sz="1600" dirty="0"/>
-                    </a:p>
-                  </a:txBody>
-                  <a:tcPr anchor="ctr">
-                    <a:lnL w="6350" cap="flat" cmpd="sng" algn="ctr">
-                      <a:solidFill>
-                        <a:schemeClr val="bg1">
-                          <a:lumMod val="65000"/>
-                        </a:schemeClr>
-                      </a:solidFill>
-                      <a:prstDash val="solid"/>
-                      <a:round/>
-                      <a:headEnd type="none" w="med" len="med"/>
-                      <a:tailEnd type="none" w="med" len="med"/>
-                    </a:lnL>
-                    <a:lnR w="6350" cap="flat" cmpd="sng" algn="ctr">
-                      <a:solidFill>
-                        <a:schemeClr val="bg1">
-                          <a:lumMod val="65000"/>
-                        </a:schemeClr>
-                      </a:solidFill>
-                      <a:prstDash val="solid"/>
-                      <a:round/>
-                      <a:headEnd type="none" w="med" len="med"/>
-                      <a:tailEnd type="none" w="med" len="med"/>
-                    </a:lnR>
-                    <a:lnT w="6350" cap="flat" cmpd="sng" algn="ctr">
-                      <a:solidFill>
-                        <a:schemeClr val="bg1">
-                          <a:lumMod val="65000"/>
-                        </a:schemeClr>
-                      </a:solidFill>
-                      <a:prstDash val="solid"/>
-                      <a:round/>
-                      <a:headEnd type="none" w="med" len="med"/>
-                      <a:tailEnd type="none" w="med" len="med"/>
-                    </a:lnT>
-                    <a:lnB w="6350" cap="flat" cmpd="sng" algn="ctr">
-                      <a:solidFill>
-                        <a:schemeClr val="bg1">
-                          <a:lumMod val="65000"/>
-                        </a:schemeClr>
-                      </a:solidFill>
-                      <a:prstDash val="solid"/>
-                      <a:round/>
-                      <a:headEnd type="none" w="med" len="med"/>
-                      <a:tailEnd type="none" w="med" len="med"/>
-                    </a:lnB>
-                    <a:noFill/>
-                  </a:tcPr>
-                </a:tc>
-                <a:tc>
-                  <a:txBody>
-                    <a:bodyPr/>
-                    <a:lstStyle/>
-                    <a:p>
-                      <a:pPr algn="ctr"/>
-                      <a:r>
-                        <a:rPr kumimoji="0" lang="en-US" sz="1600" b="0" i="0" u="none" strike="noStrike" kern="1200" cap="none" spc="0" normalizeH="0" baseline="0" noProof="0" dirty="0">
-                          <a:ln>
-                            <a:noFill/>
-                          </a:ln>
-                          <a:solidFill>
-                            <a:prstClr val="black"/>
-                          </a:solidFill>
-                          <a:effectLst/>
-                          <a:uLnTx/>
-                          <a:uFillTx/>
-                          <a:latin typeface="Calibri"/>
-                          <a:ea typeface="+mn-ea"/>
-                          <a:cs typeface="+mn-cs"/>
-                        </a:rPr>
-                        <a:t>Text</a:t>
-                      </a:r>
-                      <a:endParaRPr lang="en-IN" sz="1600" dirty="0"/>
-                    </a:p>
-                  </a:txBody>
-                  <a:tcPr anchor="ctr">
-                    <a:lnL w="6350" cap="flat" cmpd="sng" algn="ctr">
-                      <a:solidFill>
-                        <a:schemeClr val="bg1">
-                          <a:lumMod val="65000"/>
-                        </a:schemeClr>
-                      </a:solidFill>
-                      <a:prstDash val="solid"/>
-                      <a:round/>
-                      <a:headEnd type="none" w="med" len="med"/>
-                      <a:tailEnd type="none" w="med" len="med"/>
-                    </a:lnL>
-                    <a:lnR w="6350" cap="flat" cmpd="sng" algn="ctr">
-                      <a:solidFill>
-                        <a:schemeClr val="bg1">
-                          <a:lumMod val="65000"/>
-                        </a:schemeClr>
-                      </a:solidFill>
-                      <a:prstDash val="solid"/>
-                      <a:round/>
-                      <a:headEnd type="none" w="med" len="med"/>
-                      <a:tailEnd type="none" w="med" len="med"/>
-                    </a:lnR>
-                    <a:lnT w="6350" cap="flat" cmpd="sng" algn="ctr">
-                      <a:solidFill>
-                        <a:schemeClr val="bg1">
-                          <a:lumMod val="65000"/>
-                        </a:schemeClr>
-                      </a:solidFill>
-                      <a:prstDash val="solid"/>
-                      <a:round/>
-                      <a:headEnd type="none" w="med" len="med"/>
-                      <a:tailEnd type="none" w="med" len="med"/>
-                    </a:lnT>
-                    <a:lnB w="6350" cap="flat" cmpd="sng" algn="ctr">
-                      <a:solidFill>
-                        <a:schemeClr val="bg1">
-                          <a:lumMod val="65000"/>
-                        </a:schemeClr>
-                      </a:solidFill>
-                      <a:prstDash val="solid"/>
-                      <a:round/>
-                      <a:headEnd type="none" w="med" len="med"/>
-                      <a:tailEnd type="none" w="med" len="med"/>
-                    </a:lnB>
-                    <a:noFill/>
-                  </a:tcPr>
-                </a:tc>
-                <a:tc>
-                  <a:txBody>
-                    <a:bodyPr/>
-                    <a:lstStyle/>
-                    <a:p>
-                      <a:pPr algn="ctr"/>
-                      <a:r>
-                        <a:rPr kumimoji="0" lang="en-US" sz="1600" b="0" i="0" u="none" strike="noStrike" kern="1200" cap="none" spc="0" normalizeH="0" baseline="0" noProof="0" dirty="0">
-                          <a:ln>
-                            <a:noFill/>
-                          </a:ln>
-                          <a:solidFill>
-                            <a:prstClr val="black"/>
-                          </a:solidFill>
-                          <a:effectLst/>
-                          <a:uLnTx/>
-                          <a:uFillTx/>
-                          <a:latin typeface="Calibri"/>
-                          <a:ea typeface="+mn-ea"/>
-                          <a:cs typeface="+mn-cs"/>
-                        </a:rPr>
-                        <a:t>Text</a:t>
-                      </a:r>
-                      <a:endParaRPr lang="en-IN" sz="1600" dirty="0"/>
-                    </a:p>
-                  </a:txBody>
-                  <a:tcPr anchor="ctr">
-                    <a:lnL w="6350" cap="flat" cmpd="sng" algn="ctr">
-                      <a:solidFill>
-                        <a:schemeClr val="bg1">
-                          <a:lumMod val="65000"/>
-                        </a:schemeClr>
-                      </a:solidFill>
-                      <a:prstDash val="solid"/>
-                      <a:round/>
-                      <a:headEnd type="none" w="med" len="med"/>
-                      <a:tailEnd type="none" w="med" len="med"/>
-                    </a:lnL>
-                    <a:lnR w="6350" cap="flat" cmpd="sng" algn="ctr">
-                      <a:solidFill>
-                        <a:schemeClr val="bg1">
-                          <a:lumMod val="65000"/>
-                        </a:schemeClr>
-                      </a:solidFill>
-                      <a:prstDash val="solid"/>
-                      <a:round/>
-                      <a:headEnd type="none" w="med" len="med"/>
-                      <a:tailEnd type="none" w="med" len="med"/>
-                    </a:lnR>
-                    <a:lnT w="6350" cap="flat" cmpd="sng" algn="ctr">
-                      <a:solidFill>
-                        <a:schemeClr val="bg1">
-                          <a:lumMod val="65000"/>
-                        </a:schemeClr>
-                      </a:solidFill>
-                      <a:prstDash val="solid"/>
-                      <a:round/>
-                      <a:headEnd type="none" w="med" len="med"/>
-                      <a:tailEnd type="none" w="med" len="med"/>
-                    </a:lnT>
-                    <a:lnB w="6350" cap="flat" cmpd="sng" algn="ctr">
-                      <a:solidFill>
-                        <a:schemeClr val="bg1">
-                          <a:lumMod val="65000"/>
-                        </a:schemeClr>
-                      </a:solidFill>
-                      <a:prstDash val="solid"/>
-                      <a:round/>
-                      <a:headEnd type="none" w="med" len="med"/>
-                      <a:tailEnd type="none" w="med" len="med"/>
-                    </a:lnB>
-                    <a:noFill/>
-                  </a:tcPr>
-                </a:tc>
-                <a:tc>
-                  <a:txBody>
-                    <a:bodyPr/>
-                    <a:lstStyle/>
-                    <a:p>
-                      <a:pPr algn="ctr"/>
-                      <a:r>
-                        <a:rPr kumimoji="0" lang="en-US" sz="1600" b="0" i="0" u="none" strike="noStrike" kern="1200" cap="none" spc="0" normalizeH="0" baseline="0" noProof="0" dirty="0">
-                          <a:ln>
-                            <a:noFill/>
-                          </a:ln>
-                          <a:solidFill>
-                            <a:prstClr val="black"/>
-                          </a:solidFill>
-                          <a:effectLst/>
-                          <a:uLnTx/>
-                          <a:uFillTx/>
-                          <a:latin typeface="Calibri"/>
-                          <a:ea typeface="+mn-ea"/>
-                          <a:cs typeface="+mn-cs"/>
-                        </a:rPr>
-                        <a:t>Text</a:t>
-                      </a:r>
-                      <a:endParaRPr lang="en-IN" sz="1600" dirty="0"/>
-                    </a:p>
-                  </a:txBody>
-                  <a:tcPr anchor="ctr">
-                    <a:lnL w="6350" cap="flat" cmpd="sng" algn="ctr">
-                      <a:solidFill>
-                        <a:schemeClr val="bg1">
-                          <a:lumMod val="65000"/>
-                        </a:schemeClr>
-                      </a:solidFill>
-                      <a:prstDash val="solid"/>
-                      <a:round/>
-                      <a:headEnd type="none" w="med" len="med"/>
-                      <a:tailEnd type="none" w="med" len="med"/>
-                    </a:lnL>
-                    <a:lnT w="6350" cap="flat" cmpd="sng" algn="ctr">
-                      <a:solidFill>
-                        <a:schemeClr val="bg1">
-                          <a:lumMod val="65000"/>
-                        </a:schemeClr>
-                      </a:solidFill>
-                      <a:prstDash val="solid"/>
-                      <a:round/>
-                      <a:headEnd type="none" w="med" len="med"/>
-                      <a:tailEnd type="none" w="med" len="med"/>
-                    </a:lnT>
-                    <a:lnB w="6350" cap="flat" cmpd="sng" algn="ctr">
-                      <a:solidFill>
-                        <a:schemeClr val="bg1">
-                          <a:lumMod val="65000"/>
-                        </a:schemeClr>
-                      </a:solidFill>
-                      <a:prstDash val="solid"/>
-                      <a:round/>
-                      <a:headEnd type="none" w="med" len="med"/>
-                      <a:tailEnd type="none" w="med" len="med"/>
-                    </a:lnB>
-                    <a:noFill/>
-                  </a:tcPr>
-                </a:tc>
-                <a:extLst>
-                  <a:ext uri="{0D108BD9-81ED-4DB2-BD59-A6C34878D82A}">
-                    <a16:rowId xmlns:a16="http://schemas.microsoft.com/office/drawing/2014/main" val="4186541597"/>
-                  </a:ext>
-                </a:extLst>
-              </a:tr>
-              <a:tr h="370840">
-                <a:tc>
-                  <a:txBody>
-                    <a:bodyPr/>
-                    <a:lstStyle/>
-                    <a:p>
-                      <a:pPr marL="0" marR="0" lvl="0" indent="0" algn="ctr" defTabSz="914400" rtl="0" eaLnBrk="1" fontAlgn="auto" latinLnBrk="0" hangingPunct="1">
-                        <a:lnSpc>
-                          <a:spcPct val="100000"/>
-                        </a:lnSpc>
-                        <a:spcBef>
-                          <a:spcPts val="0"/>
-                        </a:spcBef>
-                        <a:spcAft>
-                          <a:spcPts val="0"/>
-                        </a:spcAft>
-                        <a:buClrTx/>
-                        <a:buSzTx/>
-                        <a:buFontTx/>
-                        <a:buNone/>
-                        <a:tabLst/>
-                        <a:defRPr/>
-                      </a:pPr>
-                      <a:r>
-                        <a:rPr lang="en-US" sz="1600" dirty="0"/>
-                        <a:t>Item 04</a:t>
-                      </a:r>
-                      <a:endParaRPr lang="en-IN" sz="1600" dirty="0"/>
-                    </a:p>
-                  </a:txBody>
-                  <a:tcPr anchor="ctr">
-                    <a:lnR w="6350" cap="flat" cmpd="sng" algn="ctr">
-                      <a:solidFill>
-                        <a:schemeClr val="bg1">
-                          <a:lumMod val="65000"/>
-                        </a:schemeClr>
-                      </a:solidFill>
-                      <a:prstDash val="solid"/>
-                      <a:round/>
-                      <a:headEnd type="none" w="med" len="med"/>
-                      <a:tailEnd type="none" w="med" len="med"/>
-                    </a:lnR>
-                    <a:lnT w="6350" cap="flat" cmpd="sng" algn="ctr">
-                      <a:solidFill>
-                        <a:schemeClr val="bg1">
-                          <a:lumMod val="65000"/>
-                        </a:schemeClr>
-                      </a:solidFill>
-                      <a:prstDash val="solid"/>
-                      <a:round/>
-                      <a:headEnd type="none" w="med" len="med"/>
-                      <a:tailEnd type="none" w="med" len="med"/>
-                    </a:lnT>
-                    <a:lnB w="6350" cap="flat" cmpd="sng" algn="ctr">
-                      <a:solidFill>
-                        <a:schemeClr val="bg1">
-                          <a:lumMod val="65000"/>
-                        </a:schemeClr>
-                      </a:solidFill>
-                      <a:prstDash val="solid"/>
-                      <a:round/>
-                      <a:headEnd type="none" w="med" len="med"/>
-                      <a:tailEnd type="none" w="med" len="med"/>
-                    </a:lnB>
-                    <a:noFill/>
-                  </a:tcPr>
-                </a:tc>
-                <a:tc>
-                  <a:txBody>
-                    <a:bodyPr/>
-                    <a:lstStyle/>
-                    <a:p>
-                      <a:pPr algn="ctr"/>
-                      <a:r>
-                        <a:rPr kumimoji="0" lang="en-US" sz="1600" b="0" i="0" u="none" strike="noStrike" kern="1200" cap="none" spc="0" normalizeH="0" baseline="0" noProof="0" dirty="0">
-                          <a:ln>
-                            <a:noFill/>
-                          </a:ln>
-                          <a:solidFill>
-                            <a:prstClr val="black"/>
-                          </a:solidFill>
-                          <a:effectLst/>
-                          <a:uLnTx/>
-                          <a:uFillTx/>
-                          <a:latin typeface="Calibri"/>
-                          <a:ea typeface="+mn-ea"/>
-                          <a:cs typeface="+mn-cs"/>
-                        </a:rPr>
-                        <a:t>Text</a:t>
-                      </a:r>
-                      <a:endParaRPr lang="en-IN" sz="1600" dirty="0"/>
-                    </a:p>
-                  </a:txBody>
-                  <a:tcPr anchor="ctr">
-                    <a:lnL w="6350" cap="flat" cmpd="sng" algn="ctr">
-                      <a:solidFill>
-                        <a:schemeClr val="bg1">
-                          <a:lumMod val="65000"/>
-                        </a:schemeClr>
-                      </a:solidFill>
-                      <a:prstDash val="solid"/>
-                      <a:round/>
-                      <a:headEnd type="none" w="med" len="med"/>
-                      <a:tailEnd type="none" w="med" len="med"/>
-                    </a:lnL>
-                    <a:lnR w="6350" cap="flat" cmpd="sng" algn="ctr">
-                      <a:solidFill>
-                        <a:schemeClr val="bg1">
-                          <a:lumMod val="65000"/>
-                        </a:schemeClr>
-                      </a:solidFill>
-                      <a:prstDash val="solid"/>
-                      <a:round/>
-                      <a:headEnd type="none" w="med" len="med"/>
-                      <a:tailEnd type="none" w="med" len="med"/>
-                    </a:lnR>
-                    <a:lnT w="6350" cap="flat" cmpd="sng" algn="ctr">
-                      <a:solidFill>
-                        <a:schemeClr val="bg1">
-                          <a:lumMod val="65000"/>
-                        </a:schemeClr>
-                      </a:solidFill>
-                      <a:prstDash val="solid"/>
-                      <a:round/>
-                      <a:headEnd type="none" w="med" len="med"/>
-                      <a:tailEnd type="none" w="med" len="med"/>
-                    </a:lnT>
-                    <a:lnB w="6350" cap="flat" cmpd="sng" algn="ctr">
-                      <a:solidFill>
-                        <a:schemeClr val="bg1">
-                          <a:lumMod val="65000"/>
-                        </a:schemeClr>
-                      </a:solidFill>
-                      <a:prstDash val="solid"/>
-                      <a:round/>
-                      <a:headEnd type="none" w="med" len="med"/>
-                      <a:tailEnd type="none" w="med" len="med"/>
-                    </a:lnB>
-                    <a:noFill/>
-                  </a:tcPr>
-                </a:tc>
-                <a:tc>
-                  <a:txBody>
-                    <a:bodyPr/>
-                    <a:lstStyle/>
-                    <a:p>
-                      <a:pPr algn="ctr"/>
-                      <a:r>
-                        <a:rPr kumimoji="0" lang="en-US" sz="1600" b="0" i="0" u="none" strike="noStrike" kern="1200" cap="none" spc="0" normalizeH="0" baseline="0" noProof="0" dirty="0">
-                          <a:ln>
-                            <a:noFill/>
-                          </a:ln>
-                          <a:solidFill>
-                            <a:prstClr val="black"/>
-                          </a:solidFill>
-                          <a:effectLst/>
-                          <a:uLnTx/>
-                          <a:uFillTx/>
-                          <a:latin typeface="Calibri"/>
-                          <a:ea typeface="+mn-ea"/>
-                          <a:cs typeface="+mn-cs"/>
-                        </a:rPr>
-                        <a:t>Text</a:t>
-                      </a:r>
-                      <a:endParaRPr lang="en-IN" sz="1600" dirty="0"/>
-                    </a:p>
-                  </a:txBody>
-                  <a:tcPr anchor="ctr">
-                    <a:lnL w="6350" cap="flat" cmpd="sng" algn="ctr">
-                      <a:solidFill>
-                        <a:schemeClr val="bg1">
-                          <a:lumMod val="65000"/>
-                        </a:schemeClr>
-                      </a:solidFill>
-                      <a:prstDash val="solid"/>
-                      <a:round/>
-                      <a:headEnd type="none" w="med" len="med"/>
-                      <a:tailEnd type="none" w="med" len="med"/>
-                    </a:lnL>
-                    <a:lnR w="6350" cap="flat" cmpd="sng" algn="ctr">
-                      <a:solidFill>
-                        <a:schemeClr val="bg1">
-                          <a:lumMod val="65000"/>
-                        </a:schemeClr>
-                      </a:solidFill>
-                      <a:prstDash val="solid"/>
-                      <a:round/>
-                      <a:headEnd type="none" w="med" len="med"/>
-                      <a:tailEnd type="none" w="med" len="med"/>
-                    </a:lnR>
-                    <a:lnT w="6350" cap="flat" cmpd="sng" algn="ctr">
-                      <a:solidFill>
-                        <a:schemeClr val="bg1">
-                          <a:lumMod val="65000"/>
-                        </a:schemeClr>
-                      </a:solidFill>
-                      <a:prstDash val="solid"/>
-                      <a:round/>
-                      <a:headEnd type="none" w="med" len="med"/>
-                      <a:tailEnd type="none" w="med" len="med"/>
-                    </a:lnT>
-                    <a:lnB w="6350" cap="flat" cmpd="sng" algn="ctr">
-                      <a:solidFill>
-                        <a:schemeClr val="bg1">
-                          <a:lumMod val="65000"/>
-                        </a:schemeClr>
-                      </a:solidFill>
-                      <a:prstDash val="solid"/>
-                      <a:round/>
-                      <a:headEnd type="none" w="med" len="med"/>
-                      <a:tailEnd type="none" w="med" len="med"/>
-                    </a:lnB>
-                    <a:noFill/>
-                  </a:tcPr>
-                </a:tc>
-                <a:tc>
-                  <a:txBody>
-                    <a:bodyPr/>
-                    <a:lstStyle/>
-                    <a:p>
-                      <a:pPr algn="ctr"/>
-                      <a:r>
-                        <a:rPr kumimoji="0" lang="en-US" sz="1600" b="0" i="0" u="none" strike="noStrike" kern="1200" cap="none" spc="0" normalizeH="0" baseline="0" noProof="0" dirty="0">
-                          <a:ln>
-                            <a:noFill/>
-                          </a:ln>
-                          <a:solidFill>
-                            <a:prstClr val="black"/>
-                          </a:solidFill>
-                          <a:effectLst/>
-                          <a:uLnTx/>
-                          <a:uFillTx/>
-                          <a:latin typeface="Calibri"/>
-                          <a:ea typeface="+mn-ea"/>
-                          <a:cs typeface="+mn-cs"/>
-                        </a:rPr>
-                        <a:t>Text</a:t>
-                      </a:r>
-                      <a:endParaRPr lang="en-IN" sz="1600" dirty="0"/>
-                    </a:p>
-                  </a:txBody>
-                  <a:tcPr anchor="ctr">
-                    <a:lnL w="6350" cap="flat" cmpd="sng" algn="ctr">
-                      <a:solidFill>
-                        <a:schemeClr val="bg1">
-                          <a:lumMod val="65000"/>
-                        </a:schemeClr>
-                      </a:solidFill>
-                      <a:prstDash val="solid"/>
-                      <a:round/>
-                      <a:headEnd type="none" w="med" len="med"/>
-                      <a:tailEnd type="none" w="med" len="med"/>
-                    </a:lnL>
-                    <a:lnR w="6350" cap="flat" cmpd="sng" algn="ctr">
-                      <a:solidFill>
-                        <a:schemeClr val="bg1">
-                          <a:lumMod val="65000"/>
-                        </a:schemeClr>
-                      </a:solidFill>
-                      <a:prstDash val="solid"/>
-                      <a:round/>
-                      <a:headEnd type="none" w="med" len="med"/>
-                      <a:tailEnd type="none" w="med" len="med"/>
-                    </a:lnR>
-                    <a:lnT w="6350" cap="flat" cmpd="sng" algn="ctr">
-                      <a:solidFill>
-                        <a:schemeClr val="bg1">
-                          <a:lumMod val="65000"/>
-                        </a:schemeClr>
-                      </a:solidFill>
-                      <a:prstDash val="solid"/>
-                      <a:round/>
-                      <a:headEnd type="none" w="med" len="med"/>
-                      <a:tailEnd type="none" w="med" len="med"/>
-                    </a:lnT>
-                    <a:lnB w="6350" cap="flat" cmpd="sng" algn="ctr">
-                      <a:solidFill>
-                        <a:schemeClr val="bg1">
-                          <a:lumMod val="65000"/>
-                        </a:schemeClr>
-                      </a:solidFill>
-                      <a:prstDash val="solid"/>
-                      <a:round/>
-                      <a:headEnd type="none" w="med" len="med"/>
-                      <a:tailEnd type="none" w="med" len="med"/>
-                    </a:lnB>
-                    <a:noFill/>
-                  </a:tcPr>
-                </a:tc>
-                <a:tc>
-                  <a:txBody>
-                    <a:bodyPr/>
-                    <a:lstStyle/>
-                    <a:p>
-                      <a:pPr algn="ctr"/>
-                      <a:r>
-                        <a:rPr kumimoji="0" lang="en-US" sz="1600" b="0" i="0" u="none" strike="noStrike" kern="1200" cap="none" spc="0" normalizeH="0" baseline="0" noProof="0" dirty="0">
-                          <a:ln>
-                            <a:noFill/>
-                          </a:ln>
-                          <a:solidFill>
-                            <a:prstClr val="black"/>
-                          </a:solidFill>
-                          <a:effectLst/>
-                          <a:uLnTx/>
-                          <a:uFillTx/>
-                          <a:latin typeface="Calibri"/>
-                          <a:ea typeface="+mn-ea"/>
-                          <a:cs typeface="+mn-cs"/>
-                        </a:rPr>
-                        <a:t>Text</a:t>
-                      </a:r>
-                      <a:endParaRPr lang="en-IN" sz="1600" dirty="0"/>
-                    </a:p>
-                  </a:txBody>
-                  <a:tcPr anchor="ctr">
-                    <a:lnL w="6350" cap="flat" cmpd="sng" algn="ctr">
-                      <a:solidFill>
-                        <a:schemeClr val="bg1">
-                          <a:lumMod val="65000"/>
-                        </a:schemeClr>
-                      </a:solidFill>
-                      <a:prstDash val="solid"/>
-                      <a:round/>
-                      <a:headEnd type="none" w="med" len="med"/>
-                      <a:tailEnd type="none" w="med" len="med"/>
-                    </a:lnL>
-                    <a:lnT w="6350" cap="flat" cmpd="sng" algn="ctr">
-                      <a:solidFill>
-                        <a:schemeClr val="bg1">
-                          <a:lumMod val="65000"/>
-                        </a:schemeClr>
-                      </a:solidFill>
-                      <a:prstDash val="solid"/>
-                      <a:round/>
-                      <a:headEnd type="none" w="med" len="med"/>
-                      <a:tailEnd type="none" w="med" len="med"/>
-                    </a:lnT>
-                    <a:lnB w="6350" cap="flat" cmpd="sng" algn="ctr">
-                      <a:solidFill>
-                        <a:schemeClr val="bg1">
-                          <a:lumMod val="65000"/>
-                        </a:schemeClr>
-                      </a:solidFill>
-                      <a:prstDash val="solid"/>
-                      <a:round/>
-                      <a:headEnd type="none" w="med" len="med"/>
-                      <a:tailEnd type="none" w="med" len="med"/>
-                    </a:lnB>
-                    <a:noFill/>
-                  </a:tcPr>
-                </a:tc>
-                <a:extLst>
-                  <a:ext uri="{0D108BD9-81ED-4DB2-BD59-A6C34878D82A}">
-                    <a16:rowId xmlns:a16="http://schemas.microsoft.com/office/drawing/2014/main" val="2332936508"/>
-                  </a:ext>
-                </a:extLst>
-              </a:tr>
-              <a:tr h="370840">
-                <a:tc>
-                  <a:txBody>
-                    <a:bodyPr/>
-                    <a:lstStyle/>
-                    <a:p>
-                      <a:pPr marL="0" marR="0" lvl="0" indent="0" algn="ctr" defTabSz="914400" rtl="0" eaLnBrk="1" fontAlgn="auto" latinLnBrk="0" hangingPunct="1">
-                        <a:lnSpc>
-                          <a:spcPct val="100000"/>
-                        </a:lnSpc>
-                        <a:spcBef>
-                          <a:spcPts val="0"/>
-                        </a:spcBef>
-                        <a:spcAft>
-                          <a:spcPts val="0"/>
-                        </a:spcAft>
-                        <a:buClrTx/>
-                        <a:buSzTx/>
-                        <a:buFontTx/>
-                        <a:buNone/>
-                        <a:tabLst/>
-                        <a:defRPr/>
-                      </a:pPr>
-                      <a:r>
-                        <a:rPr lang="en-US" sz="1600" dirty="0"/>
-                        <a:t>Item 05</a:t>
-                      </a:r>
-                      <a:endParaRPr lang="en-IN" sz="1600" dirty="0"/>
-                    </a:p>
-                  </a:txBody>
-                  <a:tcPr anchor="ctr">
-                    <a:lnR w="6350" cap="flat" cmpd="sng" algn="ctr">
-                      <a:solidFill>
-                        <a:schemeClr val="bg1">
-                          <a:lumMod val="65000"/>
-                        </a:schemeClr>
-                      </a:solidFill>
-                      <a:prstDash val="solid"/>
-                      <a:round/>
-                      <a:headEnd type="none" w="med" len="med"/>
-                      <a:tailEnd type="none" w="med" len="med"/>
-                    </a:lnR>
-                    <a:lnT w="6350" cap="flat" cmpd="sng" algn="ctr">
-                      <a:solidFill>
-                        <a:schemeClr val="bg1">
-                          <a:lumMod val="65000"/>
-                        </a:schemeClr>
-                      </a:solidFill>
-                      <a:prstDash val="solid"/>
-                      <a:round/>
-                      <a:headEnd type="none" w="med" len="med"/>
-                      <a:tailEnd type="none" w="med" len="med"/>
-                    </a:lnT>
-                    <a:lnB w="6350" cap="flat" cmpd="sng" algn="ctr">
-                      <a:solidFill>
-                        <a:schemeClr val="bg1">
-                          <a:lumMod val="65000"/>
-                        </a:schemeClr>
-                      </a:solidFill>
-                      <a:prstDash val="solid"/>
-                      <a:round/>
-                      <a:headEnd type="none" w="med" len="med"/>
-                      <a:tailEnd type="none" w="med" len="med"/>
-                    </a:lnB>
-                    <a:noFill/>
-                  </a:tcPr>
-                </a:tc>
-                <a:tc>
-                  <a:txBody>
-                    <a:bodyPr/>
-                    <a:lstStyle/>
-                    <a:p>
-                      <a:pPr algn="ctr"/>
-                      <a:r>
-                        <a:rPr kumimoji="0" lang="en-US" sz="1600" b="0" i="0" u="none" strike="noStrike" kern="1200" cap="none" spc="0" normalizeH="0" baseline="0" noProof="0" dirty="0">
-                          <a:ln>
-                            <a:noFill/>
-                          </a:ln>
-                          <a:solidFill>
-                            <a:prstClr val="black"/>
-                          </a:solidFill>
-                          <a:effectLst/>
-                          <a:uLnTx/>
-                          <a:uFillTx/>
-                          <a:latin typeface="Calibri"/>
-                          <a:ea typeface="+mn-ea"/>
-                          <a:cs typeface="+mn-cs"/>
-                        </a:rPr>
-                        <a:t>Text</a:t>
-                      </a:r>
-                      <a:endParaRPr lang="en-IN" sz="1600" dirty="0"/>
-                    </a:p>
-                  </a:txBody>
-                  <a:tcPr anchor="ctr">
-                    <a:lnL w="6350" cap="flat" cmpd="sng" algn="ctr">
-                      <a:solidFill>
-                        <a:schemeClr val="bg1">
-                          <a:lumMod val="65000"/>
-                        </a:schemeClr>
-                      </a:solidFill>
-                      <a:prstDash val="solid"/>
-                      <a:round/>
-                      <a:headEnd type="none" w="med" len="med"/>
-                      <a:tailEnd type="none" w="med" len="med"/>
-                    </a:lnL>
-                    <a:lnR w="6350" cap="flat" cmpd="sng" algn="ctr">
-                      <a:solidFill>
-                        <a:schemeClr val="bg1">
-                          <a:lumMod val="65000"/>
-                        </a:schemeClr>
-                      </a:solidFill>
-                      <a:prstDash val="solid"/>
-                      <a:round/>
-                      <a:headEnd type="none" w="med" len="med"/>
-                      <a:tailEnd type="none" w="med" len="med"/>
-                    </a:lnR>
-                    <a:lnT w="6350" cap="flat" cmpd="sng" algn="ctr">
-                      <a:solidFill>
-                        <a:schemeClr val="bg1">
-                          <a:lumMod val="65000"/>
-                        </a:schemeClr>
-                      </a:solidFill>
-                      <a:prstDash val="solid"/>
-                      <a:round/>
-                      <a:headEnd type="none" w="med" len="med"/>
-                      <a:tailEnd type="none" w="med" len="med"/>
-                    </a:lnT>
-                    <a:lnB w="6350" cap="flat" cmpd="sng" algn="ctr">
-                      <a:solidFill>
-                        <a:schemeClr val="bg1">
-                          <a:lumMod val="65000"/>
-                        </a:schemeClr>
-                      </a:solidFill>
-                      <a:prstDash val="solid"/>
-                      <a:round/>
-                      <a:headEnd type="none" w="med" len="med"/>
-                      <a:tailEnd type="none" w="med" len="med"/>
-                    </a:lnB>
-                    <a:noFill/>
-                  </a:tcPr>
-                </a:tc>
-                <a:tc>
-                  <a:txBody>
-                    <a:bodyPr/>
-                    <a:lstStyle/>
-                    <a:p>
-                      <a:pPr algn="ctr"/>
-                      <a:r>
-                        <a:rPr kumimoji="0" lang="en-US" sz="1600" b="0" i="0" u="none" strike="noStrike" kern="1200" cap="none" spc="0" normalizeH="0" baseline="0" noProof="0" dirty="0">
-                          <a:ln>
-                            <a:noFill/>
-                          </a:ln>
-                          <a:solidFill>
-                            <a:prstClr val="black"/>
-                          </a:solidFill>
-                          <a:effectLst/>
-                          <a:uLnTx/>
-                          <a:uFillTx/>
-                          <a:latin typeface="Calibri"/>
-                          <a:ea typeface="+mn-ea"/>
-                          <a:cs typeface="+mn-cs"/>
-                        </a:rPr>
-                        <a:t>Text</a:t>
-                      </a:r>
-                      <a:endParaRPr lang="en-IN" sz="1600" dirty="0"/>
-                    </a:p>
-                  </a:txBody>
-                  <a:tcPr anchor="ctr">
-                    <a:lnL w="6350" cap="flat" cmpd="sng" algn="ctr">
-                      <a:solidFill>
-                        <a:schemeClr val="bg1">
-                          <a:lumMod val="65000"/>
-                        </a:schemeClr>
-                      </a:solidFill>
-                      <a:prstDash val="solid"/>
-                      <a:round/>
-                      <a:headEnd type="none" w="med" len="med"/>
-                      <a:tailEnd type="none" w="med" len="med"/>
-                    </a:lnL>
-                    <a:lnR w="6350" cap="flat" cmpd="sng" algn="ctr">
-                      <a:solidFill>
-                        <a:schemeClr val="bg1">
-                          <a:lumMod val="65000"/>
-                        </a:schemeClr>
-                      </a:solidFill>
-                      <a:prstDash val="solid"/>
-                      <a:round/>
-                      <a:headEnd type="none" w="med" len="med"/>
-                      <a:tailEnd type="none" w="med" len="med"/>
-                    </a:lnR>
-                    <a:lnT w="6350" cap="flat" cmpd="sng" algn="ctr">
-                      <a:solidFill>
-                        <a:schemeClr val="bg1">
-                          <a:lumMod val="65000"/>
-                        </a:schemeClr>
-                      </a:solidFill>
-                      <a:prstDash val="solid"/>
-                      <a:round/>
-                      <a:headEnd type="none" w="med" len="med"/>
-                      <a:tailEnd type="none" w="med" len="med"/>
-                    </a:lnT>
-                    <a:lnB w="6350" cap="flat" cmpd="sng" algn="ctr">
-                      <a:solidFill>
-                        <a:schemeClr val="bg1">
-                          <a:lumMod val="65000"/>
-                        </a:schemeClr>
-                      </a:solidFill>
-                      <a:prstDash val="solid"/>
-                      <a:round/>
-                      <a:headEnd type="none" w="med" len="med"/>
-                      <a:tailEnd type="none" w="med" len="med"/>
-                    </a:lnB>
-                    <a:noFill/>
-                  </a:tcPr>
-                </a:tc>
-                <a:tc>
-                  <a:txBody>
-                    <a:bodyPr/>
-                    <a:lstStyle/>
-                    <a:p>
-                      <a:pPr algn="ctr"/>
-                      <a:r>
-                        <a:rPr kumimoji="0" lang="en-US" sz="1600" b="0" i="0" u="none" strike="noStrike" kern="1200" cap="none" spc="0" normalizeH="0" baseline="0" noProof="0" dirty="0">
-                          <a:ln>
-                            <a:noFill/>
-                          </a:ln>
-                          <a:solidFill>
-                            <a:prstClr val="black"/>
-                          </a:solidFill>
-                          <a:effectLst/>
-                          <a:uLnTx/>
-                          <a:uFillTx/>
-                          <a:latin typeface="Calibri"/>
-                          <a:ea typeface="+mn-ea"/>
-                          <a:cs typeface="+mn-cs"/>
-                        </a:rPr>
-                        <a:t>Text</a:t>
-                      </a:r>
-                      <a:endParaRPr lang="en-IN" sz="1600" dirty="0"/>
-                    </a:p>
-                  </a:txBody>
-                  <a:tcPr anchor="ctr">
-                    <a:lnL w="6350" cap="flat" cmpd="sng" algn="ctr">
-                      <a:solidFill>
-                        <a:schemeClr val="bg1">
-                          <a:lumMod val="65000"/>
-                        </a:schemeClr>
-                      </a:solidFill>
-                      <a:prstDash val="solid"/>
-                      <a:round/>
-                      <a:headEnd type="none" w="med" len="med"/>
-                      <a:tailEnd type="none" w="med" len="med"/>
-                    </a:lnL>
-                    <a:lnR w="6350" cap="flat" cmpd="sng" algn="ctr">
-                      <a:solidFill>
-                        <a:schemeClr val="bg1">
-                          <a:lumMod val="65000"/>
-                        </a:schemeClr>
-                      </a:solidFill>
-                      <a:prstDash val="solid"/>
-                      <a:round/>
-                      <a:headEnd type="none" w="med" len="med"/>
-                      <a:tailEnd type="none" w="med" len="med"/>
-                    </a:lnR>
-                    <a:lnT w="6350" cap="flat" cmpd="sng" algn="ctr">
-                      <a:solidFill>
-                        <a:schemeClr val="bg1">
-                          <a:lumMod val="65000"/>
-                        </a:schemeClr>
-                      </a:solidFill>
-                      <a:prstDash val="solid"/>
-                      <a:round/>
-                      <a:headEnd type="none" w="med" len="med"/>
-                      <a:tailEnd type="none" w="med" len="med"/>
-                    </a:lnT>
-                    <a:lnB w="6350" cap="flat" cmpd="sng" algn="ctr">
-                      <a:solidFill>
-                        <a:schemeClr val="bg1">
-                          <a:lumMod val="65000"/>
-                        </a:schemeClr>
-                      </a:solidFill>
-                      <a:prstDash val="solid"/>
-                      <a:round/>
-                      <a:headEnd type="none" w="med" len="med"/>
-                      <a:tailEnd type="none" w="med" len="med"/>
-                    </a:lnB>
-                    <a:noFill/>
-                  </a:tcPr>
-                </a:tc>
-                <a:tc>
-                  <a:txBody>
-                    <a:bodyPr/>
-                    <a:lstStyle/>
-                    <a:p>
-                      <a:pPr algn="ctr"/>
-                      <a:r>
-                        <a:rPr kumimoji="0" lang="en-US" sz="1600" b="0" i="0" u="none" strike="noStrike" kern="1200" cap="none" spc="0" normalizeH="0" baseline="0" noProof="0" dirty="0">
-                          <a:ln>
-                            <a:noFill/>
-                          </a:ln>
-                          <a:solidFill>
-                            <a:prstClr val="black"/>
-                          </a:solidFill>
-                          <a:effectLst/>
-                          <a:uLnTx/>
-                          <a:uFillTx/>
-                          <a:latin typeface="Calibri"/>
-                          <a:ea typeface="+mn-ea"/>
-                          <a:cs typeface="+mn-cs"/>
-                        </a:rPr>
-                        <a:t>Text</a:t>
-                      </a:r>
-                      <a:endParaRPr lang="en-IN" sz="1600" dirty="0"/>
-                    </a:p>
-                  </a:txBody>
-                  <a:tcPr anchor="ctr">
-                    <a:lnL w="6350" cap="flat" cmpd="sng" algn="ctr">
-                      <a:solidFill>
-                        <a:schemeClr val="bg1">
-                          <a:lumMod val="65000"/>
-                        </a:schemeClr>
-                      </a:solidFill>
-                      <a:prstDash val="solid"/>
-                      <a:round/>
-                      <a:headEnd type="none" w="med" len="med"/>
-                      <a:tailEnd type="none" w="med" len="med"/>
-                    </a:lnL>
-                    <a:lnT w="6350" cap="flat" cmpd="sng" algn="ctr">
-                      <a:solidFill>
-                        <a:schemeClr val="bg1">
-                          <a:lumMod val="65000"/>
-                        </a:schemeClr>
-                      </a:solidFill>
-                      <a:prstDash val="solid"/>
-                      <a:round/>
-                      <a:headEnd type="none" w="med" len="med"/>
-                      <a:tailEnd type="none" w="med" len="med"/>
-                    </a:lnT>
-                    <a:lnB w="6350" cap="flat" cmpd="sng" algn="ctr">
-                      <a:solidFill>
-                        <a:schemeClr val="bg1">
-                          <a:lumMod val="65000"/>
-                        </a:schemeClr>
-                      </a:solidFill>
-                      <a:prstDash val="solid"/>
-                      <a:round/>
-                      <a:headEnd type="none" w="med" len="med"/>
-                      <a:tailEnd type="none" w="med" len="med"/>
-                    </a:lnB>
-                    <a:noFill/>
-                  </a:tcPr>
-                </a:tc>
-                <a:extLst>
-                  <a:ext uri="{0D108BD9-81ED-4DB2-BD59-A6C34878D82A}">
-                    <a16:rowId xmlns:a16="http://schemas.microsoft.com/office/drawing/2014/main" val="161867112"/>
-                  </a:ext>
-                </a:extLst>
-              </a:tr>
-              <a:tr h="370840">
-                <a:tc>
-                  <a:txBody>
-                    <a:bodyPr/>
-                    <a:lstStyle/>
-                    <a:p>
-                      <a:pPr marL="0" marR="0" lvl="0" indent="0" algn="ctr" defTabSz="914400" rtl="0" eaLnBrk="1" fontAlgn="auto" latinLnBrk="0" hangingPunct="1">
-                        <a:lnSpc>
-                          <a:spcPct val="100000"/>
-                        </a:lnSpc>
-                        <a:spcBef>
-                          <a:spcPts val="0"/>
-                        </a:spcBef>
-                        <a:spcAft>
-                          <a:spcPts val="0"/>
-                        </a:spcAft>
-                        <a:buClrTx/>
-                        <a:buSzTx/>
-                        <a:buFontTx/>
-                        <a:buNone/>
-                        <a:tabLst/>
-                        <a:defRPr/>
-                      </a:pPr>
-                      <a:r>
-                        <a:rPr lang="en-US" sz="1600" dirty="0"/>
-                        <a:t>Item 06</a:t>
-                      </a:r>
-                      <a:endParaRPr lang="en-IN" sz="1600" dirty="0"/>
-                    </a:p>
-                  </a:txBody>
-                  <a:tcPr anchor="ctr">
-                    <a:lnR w="6350" cap="flat" cmpd="sng" algn="ctr">
-                      <a:solidFill>
-                        <a:schemeClr val="bg1">
-                          <a:lumMod val="65000"/>
-                        </a:schemeClr>
-                      </a:solidFill>
-                      <a:prstDash val="solid"/>
-                      <a:round/>
-                      <a:headEnd type="none" w="med" len="med"/>
-                      <a:tailEnd type="none" w="med" len="med"/>
-                    </a:lnR>
-                    <a:lnT w="6350" cap="flat" cmpd="sng" algn="ctr">
-                      <a:solidFill>
-                        <a:schemeClr val="bg1">
-                          <a:lumMod val="65000"/>
-                        </a:schemeClr>
-                      </a:solidFill>
-                      <a:prstDash val="solid"/>
-                      <a:round/>
-                      <a:headEnd type="none" w="med" len="med"/>
-                      <a:tailEnd type="none" w="med" len="med"/>
-                    </a:lnT>
-                    <a:lnB w="6350" cap="flat" cmpd="sng" algn="ctr">
-                      <a:solidFill>
-                        <a:schemeClr val="bg1">
-                          <a:lumMod val="65000"/>
-                        </a:schemeClr>
-                      </a:solidFill>
-                      <a:prstDash val="solid"/>
-                      <a:round/>
-                      <a:headEnd type="none" w="med" len="med"/>
-                      <a:tailEnd type="none" w="med" len="med"/>
-                    </a:lnB>
-                    <a:noFill/>
-                  </a:tcPr>
-                </a:tc>
-                <a:tc>
-                  <a:txBody>
-                    <a:bodyPr/>
-                    <a:lstStyle/>
-                    <a:p>
-                      <a:pPr algn="ctr"/>
-                      <a:r>
-                        <a:rPr kumimoji="0" lang="en-US" sz="1600" b="0" i="0" u="none" strike="noStrike" kern="1200" cap="none" spc="0" normalizeH="0" baseline="0" noProof="0" dirty="0">
-                          <a:ln>
-                            <a:noFill/>
-                          </a:ln>
-                          <a:solidFill>
-                            <a:prstClr val="black"/>
-                          </a:solidFill>
-                          <a:effectLst/>
-                          <a:uLnTx/>
-                          <a:uFillTx/>
-                          <a:latin typeface="Calibri"/>
-                          <a:ea typeface="+mn-ea"/>
-                          <a:cs typeface="+mn-cs"/>
-                        </a:rPr>
-                        <a:t>Text</a:t>
-                      </a:r>
-                      <a:endParaRPr lang="en-IN" sz="1600" dirty="0"/>
-                    </a:p>
-                  </a:txBody>
-                  <a:tcPr anchor="ctr">
-                    <a:lnL w="6350" cap="flat" cmpd="sng" algn="ctr">
-                      <a:solidFill>
-                        <a:schemeClr val="bg1">
-                          <a:lumMod val="65000"/>
-                        </a:schemeClr>
-                      </a:solidFill>
-                      <a:prstDash val="solid"/>
-                      <a:round/>
-                      <a:headEnd type="none" w="med" len="med"/>
-                      <a:tailEnd type="none" w="med" len="med"/>
-                    </a:lnL>
-                    <a:lnR w="6350" cap="flat" cmpd="sng" algn="ctr">
-                      <a:solidFill>
-                        <a:schemeClr val="bg1">
-                          <a:lumMod val="65000"/>
-                        </a:schemeClr>
-                      </a:solidFill>
-                      <a:prstDash val="solid"/>
-                      <a:round/>
-                      <a:headEnd type="none" w="med" len="med"/>
-                      <a:tailEnd type="none" w="med" len="med"/>
-                    </a:lnR>
-                    <a:lnT w="6350" cap="flat" cmpd="sng" algn="ctr">
-                      <a:solidFill>
-                        <a:schemeClr val="bg1">
-                          <a:lumMod val="65000"/>
-                        </a:schemeClr>
-                      </a:solidFill>
-                      <a:prstDash val="solid"/>
-                      <a:round/>
-                      <a:headEnd type="none" w="med" len="med"/>
-                      <a:tailEnd type="none" w="med" len="med"/>
-                    </a:lnT>
-                    <a:lnB w="6350" cap="flat" cmpd="sng" algn="ctr">
-                      <a:solidFill>
-                        <a:schemeClr val="bg1">
-                          <a:lumMod val="65000"/>
-                        </a:schemeClr>
-                      </a:solidFill>
-                      <a:prstDash val="solid"/>
-                      <a:round/>
-                      <a:headEnd type="none" w="med" len="med"/>
-                      <a:tailEnd type="none" w="med" len="med"/>
-                    </a:lnB>
-                    <a:noFill/>
-                  </a:tcPr>
-                </a:tc>
-                <a:tc>
-                  <a:txBody>
-                    <a:bodyPr/>
-                    <a:lstStyle/>
-                    <a:p>
-                      <a:pPr algn="ctr"/>
-                      <a:r>
-                        <a:rPr kumimoji="0" lang="en-US" sz="1600" b="0" i="0" u="none" strike="noStrike" kern="1200" cap="none" spc="0" normalizeH="0" baseline="0" noProof="0" dirty="0">
-                          <a:ln>
-                            <a:noFill/>
-                          </a:ln>
-                          <a:solidFill>
-                            <a:prstClr val="black"/>
-                          </a:solidFill>
-                          <a:effectLst/>
-                          <a:uLnTx/>
-                          <a:uFillTx/>
-                          <a:latin typeface="Calibri"/>
-                          <a:ea typeface="+mn-ea"/>
-                          <a:cs typeface="+mn-cs"/>
-                        </a:rPr>
-                        <a:t>Text</a:t>
-                      </a:r>
-                      <a:endParaRPr lang="en-IN" sz="1600" dirty="0"/>
-                    </a:p>
-                  </a:txBody>
-                  <a:tcPr anchor="ctr">
-                    <a:lnL w="6350" cap="flat" cmpd="sng" algn="ctr">
-                      <a:solidFill>
-                        <a:schemeClr val="bg1">
-                          <a:lumMod val="65000"/>
-                        </a:schemeClr>
-                      </a:solidFill>
-                      <a:prstDash val="solid"/>
-                      <a:round/>
-                      <a:headEnd type="none" w="med" len="med"/>
-                      <a:tailEnd type="none" w="med" len="med"/>
-                    </a:lnL>
-                    <a:lnR w="6350" cap="flat" cmpd="sng" algn="ctr">
-                      <a:solidFill>
-                        <a:schemeClr val="bg1">
-                          <a:lumMod val="65000"/>
-                        </a:schemeClr>
-                      </a:solidFill>
-                      <a:prstDash val="solid"/>
-                      <a:round/>
-                      <a:headEnd type="none" w="med" len="med"/>
-                      <a:tailEnd type="none" w="med" len="med"/>
-                    </a:lnR>
-                    <a:lnT w="6350" cap="flat" cmpd="sng" algn="ctr">
-                      <a:solidFill>
-                        <a:schemeClr val="bg1">
-                          <a:lumMod val="65000"/>
-                        </a:schemeClr>
-                      </a:solidFill>
-                      <a:prstDash val="solid"/>
-                      <a:round/>
-                      <a:headEnd type="none" w="med" len="med"/>
-                      <a:tailEnd type="none" w="med" len="med"/>
-                    </a:lnT>
-                    <a:lnB w="6350" cap="flat" cmpd="sng" algn="ctr">
-                      <a:solidFill>
-                        <a:schemeClr val="bg1">
-                          <a:lumMod val="65000"/>
-                        </a:schemeClr>
-                      </a:solidFill>
-                      <a:prstDash val="solid"/>
-                      <a:round/>
-                      <a:headEnd type="none" w="med" len="med"/>
-                      <a:tailEnd type="none" w="med" len="med"/>
-                    </a:lnB>
-                    <a:noFill/>
-                  </a:tcPr>
-                </a:tc>
-                <a:tc>
-                  <a:txBody>
-                    <a:bodyPr/>
-                    <a:lstStyle/>
-                    <a:p>
-                      <a:pPr algn="ctr"/>
-                      <a:r>
-                        <a:rPr kumimoji="0" lang="en-US" sz="1600" b="0" i="0" u="none" strike="noStrike" kern="1200" cap="none" spc="0" normalizeH="0" baseline="0" noProof="0" dirty="0">
-                          <a:ln>
-                            <a:noFill/>
-                          </a:ln>
-                          <a:solidFill>
-                            <a:prstClr val="black"/>
-                          </a:solidFill>
-                          <a:effectLst/>
-                          <a:uLnTx/>
-                          <a:uFillTx/>
-                          <a:latin typeface="Calibri"/>
-                          <a:ea typeface="+mn-ea"/>
-                          <a:cs typeface="+mn-cs"/>
-                        </a:rPr>
-                        <a:t>Text</a:t>
-                      </a:r>
-                      <a:endParaRPr lang="en-IN" sz="1600" dirty="0"/>
-                    </a:p>
-                  </a:txBody>
-                  <a:tcPr anchor="ctr">
-                    <a:lnL w="6350" cap="flat" cmpd="sng" algn="ctr">
-                      <a:solidFill>
-                        <a:schemeClr val="bg1">
-                          <a:lumMod val="65000"/>
-                        </a:schemeClr>
-                      </a:solidFill>
-                      <a:prstDash val="solid"/>
-                      <a:round/>
-                      <a:headEnd type="none" w="med" len="med"/>
-                      <a:tailEnd type="none" w="med" len="med"/>
-                    </a:lnL>
-                    <a:lnR w="6350" cap="flat" cmpd="sng" algn="ctr">
-                      <a:solidFill>
-                        <a:schemeClr val="bg1">
-                          <a:lumMod val="65000"/>
-                        </a:schemeClr>
-                      </a:solidFill>
-                      <a:prstDash val="solid"/>
-                      <a:round/>
-                      <a:headEnd type="none" w="med" len="med"/>
-                      <a:tailEnd type="none" w="med" len="med"/>
-                    </a:lnR>
-                    <a:lnT w="6350" cap="flat" cmpd="sng" algn="ctr">
-                      <a:solidFill>
-                        <a:schemeClr val="bg1">
-                          <a:lumMod val="65000"/>
-                        </a:schemeClr>
-                      </a:solidFill>
-                      <a:prstDash val="solid"/>
-                      <a:round/>
-                      <a:headEnd type="none" w="med" len="med"/>
-                      <a:tailEnd type="none" w="med" len="med"/>
-                    </a:lnT>
-                    <a:lnB w="6350" cap="flat" cmpd="sng" algn="ctr">
-                      <a:solidFill>
-                        <a:schemeClr val="bg1">
-                          <a:lumMod val="65000"/>
-                        </a:schemeClr>
-                      </a:solidFill>
-                      <a:prstDash val="solid"/>
-                      <a:round/>
-                      <a:headEnd type="none" w="med" len="med"/>
-                      <a:tailEnd type="none" w="med" len="med"/>
-                    </a:lnB>
-                    <a:noFill/>
-                  </a:tcPr>
-                </a:tc>
-                <a:tc>
-                  <a:txBody>
-                    <a:bodyPr/>
-                    <a:lstStyle/>
-                    <a:p>
-                      <a:pPr algn="ctr"/>
-                      <a:r>
-                        <a:rPr kumimoji="0" lang="en-US" sz="1600" b="0" i="0" u="none" strike="noStrike" kern="1200" cap="none" spc="0" normalizeH="0" baseline="0" noProof="0" dirty="0">
-                          <a:ln>
-                            <a:noFill/>
-                          </a:ln>
-                          <a:solidFill>
-                            <a:prstClr val="black"/>
-                          </a:solidFill>
-                          <a:effectLst/>
-                          <a:uLnTx/>
-                          <a:uFillTx/>
-                          <a:latin typeface="Calibri"/>
-                          <a:ea typeface="+mn-ea"/>
-                          <a:cs typeface="+mn-cs"/>
-                        </a:rPr>
-                        <a:t>Text</a:t>
-                      </a:r>
-                      <a:endParaRPr lang="en-IN" sz="1600" dirty="0"/>
-                    </a:p>
-                  </a:txBody>
-                  <a:tcPr anchor="ctr">
-                    <a:lnL w="6350" cap="flat" cmpd="sng" algn="ctr">
-                      <a:solidFill>
-                        <a:schemeClr val="bg1">
-                          <a:lumMod val="65000"/>
-                        </a:schemeClr>
-                      </a:solidFill>
-                      <a:prstDash val="solid"/>
-                      <a:round/>
-                      <a:headEnd type="none" w="med" len="med"/>
-                      <a:tailEnd type="none" w="med" len="med"/>
-                    </a:lnL>
-                    <a:lnT w="6350" cap="flat" cmpd="sng" algn="ctr">
-                      <a:solidFill>
-                        <a:schemeClr val="bg1">
-                          <a:lumMod val="65000"/>
-                        </a:schemeClr>
-                      </a:solidFill>
-                      <a:prstDash val="solid"/>
-                      <a:round/>
-                      <a:headEnd type="none" w="med" len="med"/>
-                      <a:tailEnd type="none" w="med" len="med"/>
-                    </a:lnT>
-                    <a:lnB w="6350" cap="flat" cmpd="sng" algn="ctr">
-                      <a:solidFill>
-                        <a:schemeClr val="bg1">
-                          <a:lumMod val="65000"/>
-                        </a:schemeClr>
-                      </a:solidFill>
-                      <a:prstDash val="solid"/>
-                      <a:round/>
-                      <a:headEnd type="none" w="med" len="med"/>
-                      <a:tailEnd type="none" w="med" len="med"/>
-                    </a:lnB>
-                    <a:noFill/>
-                  </a:tcPr>
-                </a:tc>
-                <a:extLst>
-                  <a:ext uri="{0D108BD9-81ED-4DB2-BD59-A6C34878D82A}">
-                    <a16:rowId xmlns:a16="http://schemas.microsoft.com/office/drawing/2014/main" val="761734650"/>
-                  </a:ext>
-                </a:extLst>
-              </a:tr>
-              <a:tr h="370840">
-                <a:tc>
-                  <a:txBody>
-                    <a:bodyPr/>
-                    <a:lstStyle/>
-                    <a:p>
-                      <a:pPr marL="0" marR="0" lvl="0" indent="0" algn="ctr" defTabSz="914400" rtl="0" eaLnBrk="1" fontAlgn="auto" latinLnBrk="0" hangingPunct="1">
-                        <a:lnSpc>
-                          <a:spcPct val="100000"/>
-                        </a:lnSpc>
-                        <a:spcBef>
-                          <a:spcPts val="0"/>
-                        </a:spcBef>
-                        <a:spcAft>
-                          <a:spcPts val="0"/>
-                        </a:spcAft>
-                        <a:buClrTx/>
-                        <a:buSzTx/>
-                        <a:buFontTx/>
-                        <a:buNone/>
-                        <a:tabLst/>
-                        <a:defRPr/>
-                      </a:pPr>
-                      <a:r>
-                        <a:rPr lang="en-US" sz="1600" dirty="0"/>
-                        <a:t>Item 07</a:t>
-                      </a:r>
-                      <a:endParaRPr lang="en-IN" sz="1600" dirty="0"/>
-                    </a:p>
-                  </a:txBody>
-                  <a:tcPr anchor="ctr">
-                    <a:lnR w="6350" cap="flat" cmpd="sng" algn="ctr">
-                      <a:solidFill>
-                        <a:schemeClr val="bg1">
-                          <a:lumMod val="65000"/>
-                        </a:schemeClr>
-                      </a:solidFill>
-                      <a:prstDash val="solid"/>
-                      <a:round/>
-                      <a:headEnd type="none" w="med" len="med"/>
-                      <a:tailEnd type="none" w="med" len="med"/>
-                    </a:lnR>
-                    <a:lnT w="6350" cap="flat" cmpd="sng" algn="ctr">
-                      <a:solidFill>
-                        <a:schemeClr val="bg1">
-                          <a:lumMod val="65000"/>
-                        </a:schemeClr>
-                      </a:solidFill>
-                      <a:prstDash val="solid"/>
-                      <a:round/>
-                      <a:headEnd type="none" w="med" len="med"/>
-                      <a:tailEnd type="none" w="med" len="med"/>
-                    </a:lnT>
-                    <a:lnB w="6350" cap="flat" cmpd="sng" algn="ctr">
-                      <a:solidFill>
-                        <a:schemeClr val="bg1">
-                          <a:lumMod val="65000"/>
-                        </a:schemeClr>
-                      </a:solidFill>
-                      <a:prstDash val="solid"/>
-                      <a:round/>
-                      <a:headEnd type="none" w="med" len="med"/>
-                      <a:tailEnd type="none" w="med" len="med"/>
-                    </a:lnB>
-                    <a:noFill/>
-                  </a:tcPr>
-                </a:tc>
-                <a:tc>
-                  <a:txBody>
-                    <a:bodyPr/>
-                    <a:lstStyle/>
-                    <a:p>
-                      <a:pPr algn="ctr"/>
-                      <a:r>
-                        <a:rPr kumimoji="0" lang="en-US" sz="1600" b="0" i="0" u="none" strike="noStrike" kern="1200" cap="none" spc="0" normalizeH="0" baseline="0" noProof="0" dirty="0">
-                          <a:ln>
-                            <a:noFill/>
-                          </a:ln>
-                          <a:solidFill>
-                            <a:prstClr val="black"/>
-                          </a:solidFill>
-                          <a:effectLst/>
-                          <a:uLnTx/>
-                          <a:uFillTx/>
-                          <a:latin typeface="Calibri"/>
-                          <a:ea typeface="+mn-ea"/>
-                          <a:cs typeface="+mn-cs"/>
-                        </a:rPr>
-                        <a:t>Text</a:t>
-                      </a:r>
-                      <a:endParaRPr lang="en-IN" sz="1600" dirty="0"/>
-                    </a:p>
-                  </a:txBody>
-                  <a:tcPr anchor="ctr">
-                    <a:lnL w="6350" cap="flat" cmpd="sng" algn="ctr">
-                      <a:solidFill>
-                        <a:schemeClr val="bg1">
-                          <a:lumMod val="65000"/>
-                        </a:schemeClr>
-                      </a:solidFill>
-                      <a:prstDash val="solid"/>
-                      <a:round/>
-                      <a:headEnd type="none" w="med" len="med"/>
-                      <a:tailEnd type="none" w="med" len="med"/>
-                    </a:lnL>
-                    <a:lnR w="6350" cap="flat" cmpd="sng" algn="ctr">
-                      <a:solidFill>
-                        <a:schemeClr val="bg1">
-                          <a:lumMod val="65000"/>
-                        </a:schemeClr>
-                      </a:solidFill>
-                      <a:prstDash val="solid"/>
-                      <a:round/>
-                      <a:headEnd type="none" w="med" len="med"/>
-                      <a:tailEnd type="none" w="med" len="med"/>
-                    </a:lnR>
-                    <a:lnT w="6350" cap="flat" cmpd="sng" algn="ctr">
-                      <a:solidFill>
-                        <a:schemeClr val="bg1">
-                          <a:lumMod val="65000"/>
-                        </a:schemeClr>
-                      </a:solidFill>
-                      <a:prstDash val="solid"/>
-                      <a:round/>
-                      <a:headEnd type="none" w="med" len="med"/>
-                      <a:tailEnd type="none" w="med" len="med"/>
-                    </a:lnT>
-                    <a:lnB w="6350" cap="flat" cmpd="sng" algn="ctr">
-                      <a:solidFill>
-                        <a:schemeClr val="bg1">
-                          <a:lumMod val="65000"/>
-                        </a:schemeClr>
-                      </a:solidFill>
-                      <a:prstDash val="solid"/>
-                      <a:round/>
-                      <a:headEnd type="none" w="med" len="med"/>
-                      <a:tailEnd type="none" w="med" len="med"/>
-                    </a:lnB>
-                    <a:noFill/>
-                  </a:tcPr>
-                </a:tc>
-                <a:tc>
-                  <a:txBody>
-                    <a:bodyPr/>
-                    <a:lstStyle/>
-                    <a:p>
-                      <a:pPr algn="ctr"/>
-                      <a:r>
-                        <a:rPr kumimoji="0" lang="en-US" sz="1600" b="0" i="0" u="none" strike="noStrike" kern="1200" cap="none" spc="0" normalizeH="0" baseline="0" noProof="0" dirty="0">
-                          <a:ln>
-                            <a:noFill/>
-                          </a:ln>
-                          <a:solidFill>
-                            <a:prstClr val="black"/>
-                          </a:solidFill>
-                          <a:effectLst/>
-                          <a:uLnTx/>
-                          <a:uFillTx/>
-                          <a:latin typeface="Calibri"/>
-                          <a:ea typeface="+mn-ea"/>
-                          <a:cs typeface="+mn-cs"/>
-                        </a:rPr>
-                        <a:t>Text</a:t>
-                      </a:r>
-                      <a:endParaRPr lang="en-IN" sz="1600" dirty="0"/>
-                    </a:p>
-                  </a:txBody>
-                  <a:tcPr anchor="ctr">
-                    <a:lnL w="6350" cap="flat" cmpd="sng" algn="ctr">
-                      <a:solidFill>
-                        <a:schemeClr val="bg1">
-                          <a:lumMod val="65000"/>
-                        </a:schemeClr>
-                      </a:solidFill>
-                      <a:prstDash val="solid"/>
-                      <a:round/>
-                      <a:headEnd type="none" w="med" len="med"/>
-                      <a:tailEnd type="none" w="med" len="med"/>
-                    </a:lnL>
-                    <a:lnR w="6350" cap="flat" cmpd="sng" algn="ctr">
-                      <a:solidFill>
-                        <a:schemeClr val="bg1">
-                          <a:lumMod val="65000"/>
-                        </a:schemeClr>
-                      </a:solidFill>
-                      <a:prstDash val="solid"/>
-                      <a:round/>
-                      <a:headEnd type="none" w="med" len="med"/>
-                      <a:tailEnd type="none" w="med" len="med"/>
-                    </a:lnR>
-                    <a:lnT w="6350" cap="flat" cmpd="sng" algn="ctr">
-                      <a:solidFill>
-                        <a:schemeClr val="bg1">
-                          <a:lumMod val="65000"/>
-                        </a:schemeClr>
-                      </a:solidFill>
-                      <a:prstDash val="solid"/>
-                      <a:round/>
-                      <a:headEnd type="none" w="med" len="med"/>
-                      <a:tailEnd type="none" w="med" len="med"/>
-                    </a:lnT>
-                    <a:lnB w="6350" cap="flat" cmpd="sng" algn="ctr">
-                      <a:solidFill>
-                        <a:schemeClr val="bg1">
-                          <a:lumMod val="65000"/>
-                        </a:schemeClr>
-                      </a:solidFill>
-                      <a:prstDash val="solid"/>
-                      <a:round/>
-                      <a:headEnd type="none" w="med" len="med"/>
-                      <a:tailEnd type="none" w="med" len="med"/>
-                    </a:lnB>
-                    <a:noFill/>
-                  </a:tcPr>
-                </a:tc>
-                <a:tc>
-                  <a:txBody>
-                    <a:bodyPr/>
-                    <a:lstStyle/>
-                    <a:p>
-                      <a:pPr algn="ctr"/>
-                      <a:r>
-                        <a:rPr kumimoji="0" lang="en-US" sz="1600" b="0" i="0" u="none" strike="noStrike" kern="1200" cap="none" spc="0" normalizeH="0" baseline="0" noProof="0" dirty="0">
-                          <a:ln>
-                            <a:noFill/>
-                          </a:ln>
-                          <a:solidFill>
-                            <a:prstClr val="black"/>
-                          </a:solidFill>
-                          <a:effectLst/>
-                          <a:uLnTx/>
-                          <a:uFillTx/>
-                          <a:latin typeface="Calibri"/>
-                          <a:ea typeface="+mn-ea"/>
-                          <a:cs typeface="+mn-cs"/>
-                        </a:rPr>
-                        <a:t>Text</a:t>
-                      </a:r>
-                      <a:endParaRPr lang="en-IN" sz="1600" dirty="0"/>
-                    </a:p>
-                  </a:txBody>
-                  <a:tcPr anchor="ctr">
-                    <a:lnL w="6350" cap="flat" cmpd="sng" algn="ctr">
-                      <a:solidFill>
-                        <a:schemeClr val="bg1">
-                          <a:lumMod val="65000"/>
-                        </a:schemeClr>
-                      </a:solidFill>
-                      <a:prstDash val="solid"/>
-                      <a:round/>
-                      <a:headEnd type="none" w="med" len="med"/>
-                      <a:tailEnd type="none" w="med" len="med"/>
-                    </a:lnL>
-                    <a:lnR w="6350" cap="flat" cmpd="sng" algn="ctr">
-                      <a:solidFill>
-                        <a:schemeClr val="bg1">
-                          <a:lumMod val="65000"/>
-                        </a:schemeClr>
-                      </a:solidFill>
-                      <a:prstDash val="solid"/>
-                      <a:round/>
-                      <a:headEnd type="none" w="med" len="med"/>
-                      <a:tailEnd type="none" w="med" len="med"/>
-                    </a:lnR>
-                    <a:lnT w="6350" cap="flat" cmpd="sng" algn="ctr">
-                      <a:solidFill>
-                        <a:schemeClr val="bg1">
-                          <a:lumMod val="65000"/>
-                        </a:schemeClr>
-                      </a:solidFill>
-                      <a:prstDash val="solid"/>
-                      <a:round/>
-                      <a:headEnd type="none" w="med" len="med"/>
-                      <a:tailEnd type="none" w="med" len="med"/>
-                    </a:lnT>
-                    <a:lnB w="6350" cap="flat" cmpd="sng" algn="ctr">
-                      <a:solidFill>
-                        <a:schemeClr val="bg1">
-                          <a:lumMod val="65000"/>
-                        </a:schemeClr>
-                      </a:solidFill>
-                      <a:prstDash val="solid"/>
-                      <a:round/>
-                      <a:headEnd type="none" w="med" len="med"/>
-                      <a:tailEnd type="none" w="med" len="med"/>
-                    </a:lnB>
-                    <a:noFill/>
-                  </a:tcPr>
-                </a:tc>
-                <a:tc>
-                  <a:txBody>
-                    <a:bodyPr/>
-                    <a:lstStyle/>
-                    <a:p>
-                      <a:pPr algn="ctr"/>
-                      <a:r>
-                        <a:rPr kumimoji="0" lang="en-US" sz="1600" b="0" i="0" u="none" strike="noStrike" kern="1200" cap="none" spc="0" normalizeH="0" baseline="0" noProof="0" dirty="0">
-                          <a:ln>
-                            <a:noFill/>
-                          </a:ln>
-                          <a:solidFill>
-                            <a:prstClr val="black"/>
-                          </a:solidFill>
-                          <a:effectLst/>
-                          <a:uLnTx/>
-                          <a:uFillTx/>
-                          <a:latin typeface="Calibri"/>
-                          <a:ea typeface="+mn-ea"/>
-                          <a:cs typeface="+mn-cs"/>
-                        </a:rPr>
-                        <a:t>Text</a:t>
-                      </a:r>
-                      <a:endParaRPr lang="en-IN" sz="1600" dirty="0"/>
-                    </a:p>
-                  </a:txBody>
-                  <a:tcPr anchor="ctr">
-                    <a:lnL w="6350" cap="flat" cmpd="sng" algn="ctr">
-                      <a:solidFill>
-                        <a:schemeClr val="bg1">
-                          <a:lumMod val="65000"/>
-                        </a:schemeClr>
-                      </a:solidFill>
-                      <a:prstDash val="solid"/>
-                      <a:round/>
-                      <a:headEnd type="none" w="med" len="med"/>
-                      <a:tailEnd type="none" w="med" len="med"/>
-                    </a:lnL>
-                    <a:lnT w="6350" cap="flat" cmpd="sng" algn="ctr">
-                      <a:solidFill>
-                        <a:schemeClr val="bg1">
-                          <a:lumMod val="65000"/>
-                        </a:schemeClr>
-                      </a:solidFill>
-                      <a:prstDash val="solid"/>
-                      <a:round/>
-                      <a:headEnd type="none" w="med" len="med"/>
-                      <a:tailEnd type="none" w="med" len="med"/>
-                    </a:lnT>
-                    <a:lnB w="6350" cap="flat" cmpd="sng" algn="ctr">
-                      <a:solidFill>
-                        <a:schemeClr val="bg1">
-                          <a:lumMod val="65000"/>
-                        </a:schemeClr>
-                      </a:solidFill>
-                      <a:prstDash val="solid"/>
-                      <a:round/>
-                      <a:headEnd type="none" w="med" len="med"/>
-                      <a:tailEnd type="none" w="med" len="med"/>
-                    </a:lnB>
-                    <a:noFill/>
-                  </a:tcPr>
-                </a:tc>
-                <a:extLst>
-                  <a:ext uri="{0D108BD9-81ED-4DB2-BD59-A6C34878D82A}">
-                    <a16:rowId xmlns:a16="http://schemas.microsoft.com/office/drawing/2014/main" val="2511800327"/>
-                  </a:ext>
-                </a:extLst>
-              </a:tr>
-              <a:tr h="370840">
-                <a:tc>
-                  <a:txBody>
-                    <a:bodyPr/>
-                    <a:lstStyle/>
-                    <a:p>
-                      <a:pPr marL="0" marR="0" lvl="0" indent="0" algn="ctr" defTabSz="914400" rtl="0" eaLnBrk="1" fontAlgn="auto" latinLnBrk="0" hangingPunct="1">
-                        <a:lnSpc>
-                          <a:spcPct val="100000"/>
-                        </a:lnSpc>
-                        <a:spcBef>
-                          <a:spcPts val="0"/>
-                        </a:spcBef>
-                        <a:spcAft>
-                          <a:spcPts val="0"/>
-                        </a:spcAft>
-                        <a:buClrTx/>
-                        <a:buSzTx/>
-                        <a:buFontTx/>
-                        <a:buNone/>
-                        <a:tabLst/>
-                        <a:defRPr/>
-                      </a:pPr>
-                      <a:r>
-                        <a:rPr lang="en-US" sz="1600" dirty="0"/>
-                        <a:t>Item 08</a:t>
-                      </a:r>
-                      <a:endParaRPr lang="en-IN" sz="1600" dirty="0"/>
-                    </a:p>
-                  </a:txBody>
-                  <a:tcPr anchor="ctr">
-                    <a:lnR w="6350" cap="flat" cmpd="sng" algn="ctr">
-                      <a:solidFill>
-                        <a:schemeClr val="bg1">
-                          <a:lumMod val="65000"/>
-                        </a:schemeClr>
-                      </a:solidFill>
-                      <a:prstDash val="solid"/>
-                      <a:round/>
-                      <a:headEnd type="none" w="med" len="med"/>
-                      <a:tailEnd type="none" w="med" len="med"/>
-                    </a:lnR>
-                    <a:lnT w="6350" cap="flat" cmpd="sng" algn="ctr">
-                      <a:solidFill>
-                        <a:schemeClr val="bg1">
-                          <a:lumMod val="65000"/>
-                        </a:schemeClr>
-                      </a:solidFill>
-                      <a:prstDash val="solid"/>
-                      <a:round/>
-                      <a:headEnd type="none" w="med" len="med"/>
-                      <a:tailEnd type="none" w="med" len="med"/>
-                    </a:lnT>
-                    <a:lnB w="6350" cap="flat" cmpd="sng" algn="ctr">
-                      <a:solidFill>
-                        <a:schemeClr val="bg1">
-                          <a:lumMod val="65000"/>
-                        </a:schemeClr>
-                      </a:solidFill>
-                      <a:prstDash val="solid"/>
-                      <a:round/>
-                      <a:headEnd type="none" w="med" len="med"/>
-                      <a:tailEnd type="none" w="med" len="med"/>
-                    </a:lnB>
-                    <a:noFill/>
-                  </a:tcPr>
-                </a:tc>
-                <a:tc>
-                  <a:txBody>
-                    <a:bodyPr/>
-                    <a:lstStyle/>
-                    <a:p>
-                      <a:pPr algn="ctr"/>
-                      <a:r>
-                        <a:rPr kumimoji="0" lang="en-US" sz="1600" b="0" i="0" u="none" strike="noStrike" kern="1200" cap="none" spc="0" normalizeH="0" baseline="0" noProof="0" dirty="0">
-                          <a:ln>
-                            <a:noFill/>
-                          </a:ln>
-                          <a:solidFill>
-                            <a:prstClr val="black"/>
-                          </a:solidFill>
-                          <a:effectLst/>
-                          <a:uLnTx/>
-                          <a:uFillTx/>
-                          <a:latin typeface="Calibri"/>
-                          <a:ea typeface="+mn-ea"/>
-                          <a:cs typeface="+mn-cs"/>
-                        </a:rPr>
-                        <a:t>Text</a:t>
-                      </a:r>
-                      <a:endParaRPr lang="en-IN" sz="1600" dirty="0"/>
-                    </a:p>
-                  </a:txBody>
-                  <a:tcPr anchor="ctr">
-                    <a:lnL w="6350" cap="flat" cmpd="sng" algn="ctr">
-                      <a:solidFill>
-                        <a:schemeClr val="bg1">
-                          <a:lumMod val="65000"/>
-                        </a:schemeClr>
-                      </a:solidFill>
-                      <a:prstDash val="solid"/>
-                      <a:round/>
-                      <a:headEnd type="none" w="med" len="med"/>
-                      <a:tailEnd type="none" w="med" len="med"/>
-                    </a:lnL>
-                    <a:lnR w="6350" cap="flat" cmpd="sng" algn="ctr">
-                      <a:solidFill>
-                        <a:schemeClr val="bg1">
-                          <a:lumMod val="65000"/>
-                        </a:schemeClr>
-                      </a:solidFill>
-                      <a:prstDash val="solid"/>
-                      <a:round/>
-                      <a:headEnd type="none" w="med" len="med"/>
-                      <a:tailEnd type="none" w="med" len="med"/>
-                    </a:lnR>
-                    <a:lnT w="6350" cap="flat" cmpd="sng" algn="ctr">
-                      <a:solidFill>
-                        <a:schemeClr val="bg1">
-                          <a:lumMod val="65000"/>
-                        </a:schemeClr>
-                      </a:solidFill>
-                      <a:prstDash val="solid"/>
-                      <a:round/>
-                      <a:headEnd type="none" w="med" len="med"/>
-                      <a:tailEnd type="none" w="med" len="med"/>
-                    </a:lnT>
-                    <a:lnB w="6350" cap="flat" cmpd="sng" algn="ctr">
-                      <a:solidFill>
-                        <a:schemeClr val="bg1">
-                          <a:lumMod val="65000"/>
-                        </a:schemeClr>
-                      </a:solidFill>
-                      <a:prstDash val="solid"/>
-                      <a:round/>
-                      <a:headEnd type="none" w="med" len="med"/>
-                      <a:tailEnd type="none" w="med" len="med"/>
-                    </a:lnB>
-                    <a:noFill/>
-                  </a:tcPr>
-                </a:tc>
-                <a:tc>
-                  <a:txBody>
-                    <a:bodyPr/>
-                    <a:lstStyle/>
-                    <a:p>
-                      <a:pPr algn="ctr"/>
-                      <a:r>
-                        <a:rPr kumimoji="0" lang="en-US" sz="1600" b="0" i="0" u="none" strike="noStrike" kern="1200" cap="none" spc="0" normalizeH="0" baseline="0" noProof="0" dirty="0">
-                          <a:ln>
-                            <a:noFill/>
-                          </a:ln>
-                          <a:solidFill>
-                            <a:prstClr val="black"/>
-                          </a:solidFill>
-                          <a:effectLst/>
-                          <a:uLnTx/>
-                          <a:uFillTx/>
-                          <a:latin typeface="Calibri"/>
-                          <a:ea typeface="+mn-ea"/>
-                          <a:cs typeface="+mn-cs"/>
-                        </a:rPr>
-                        <a:t>Text</a:t>
-                      </a:r>
-                      <a:endParaRPr lang="en-IN" sz="1600" dirty="0"/>
-                    </a:p>
-                  </a:txBody>
-                  <a:tcPr anchor="ctr">
-                    <a:lnL w="6350" cap="flat" cmpd="sng" algn="ctr">
-                      <a:solidFill>
-                        <a:schemeClr val="bg1">
-                          <a:lumMod val="65000"/>
-                        </a:schemeClr>
-                      </a:solidFill>
-                      <a:prstDash val="solid"/>
-                      <a:round/>
-                      <a:headEnd type="none" w="med" len="med"/>
-                      <a:tailEnd type="none" w="med" len="med"/>
-                    </a:lnL>
-                    <a:lnR w="6350" cap="flat" cmpd="sng" algn="ctr">
-                      <a:solidFill>
-                        <a:schemeClr val="bg1">
-                          <a:lumMod val="65000"/>
-                        </a:schemeClr>
-                      </a:solidFill>
-                      <a:prstDash val="solid"/>
-                      <a:round/>
-                      <a:headEnd type="none" w="med" len="med"/>
-                      <a:tailEnd type="none" w="med" len="med"/>
-                    </a:lnR>
-                    <a:lnT w="6350" cap="flat" cmpd="sng" algn="ctr">
-                      <a:solidFill>
-                        <a:schemeClr val="bg1">
-                          <a:lumMod val="65000"/>
-                        </a:schemeClr>
-                      </a:solidFill>
-                      <a:prstDash val="solid"/>
-                      <a:round/>
-                      <a:headEnd type="none" w="med" len="med"/>
-                      <a:tailEnd type="none" w="med" len="med"/>
-                    </a:lnT>
-                    <a:lnB w="6350" cap="flat" cmpd="sng" algn="ctr">
-                      <a:solidFill>
-                        <a:schemeClr val="bg1">
-                          <a:lumMod val="65000"/>
-                        </a:schemeClr>
-                      </a:solidFill>
-                      <a:prstDash val="solid"/>
-                      <a:round/>
-                      <a:headEnd type="none" w="med" len="med"/>
-                      <a:tailEnd type="none" w="med" len="med"/>
-                    </a:lnB>
-                    <a:noFill/>
-                  </a:tcPr>
-                </a:tc>
-                <a:tc>
-                  <a:txBody>
-                    <a:bodyPr/>
-                    <a:lstStyle/>
-                    <a:p>
-                      <a:pPr algn="ctr"/>
-                      <a:r>
-                        <a:rPr kumimoji="0" lang="en-US" sz="1600" b="0" i="0" u="none" strike="noStrike" kern="1200" cap="none" spc="0" normalizeH="0" baseline="0" noProof="0" dirty="0">
-                          <a:ln>
-                            <a:noFill/>
-                          </a:ln>
-                          <a:solidFill>
-                            <a:prstClr val="black"/>
-                          </a:solidFill>
-                          <a:effectLst/>
-                          <a:uLnTx/>
-                          <a:uFillTx/>
-                          <a:latin typeface="Calibri"/>
-                          <a:ea typeface="+mn-ea"/>
-                          <a:cs typeface="+mn-cs"/>
-                        </a:rPr>
-                        <a:t>Text</a:t>
-                      </a:r>
-                      <a:endParaRPr lang="en-IN" sz="1600" dirty="0"/>
-                    </a:p>
-                  </a:txBody>
-                  <a:tcPr anchor="ctr">
-                    <a:lnL w="6350" cap="flat" cmpd="sng" algn="ctr">
-                      <a:solidFill>
-                        <a:schemeClr val="bg1">
-                          <a:lumMod val="65000"/>
-                        </a:schemeClr>
-                      </a:solidFill>
-                      <a:prstDash val="solid"/>
-                      <a:round/>
-                      <a:headEnd type="none" w="med" len="med"/>
-                      <a:tailEnd type="none" w="med" len="med"/>
-                    </a:lnL>
-                    <a:lnR w="6350" cap="flat" cmpd="sng" algn="ctr">
-                      <a:solidFill>
-                        <a:schemeClr val="bg1">
-                          <a:lumMod val="65000"/>
-                        </a:schemeClr>
-                      </a:solidFill>
-                      <a:prstDash val="solid"/>
-                      <a:round/>
-                      <a:headEnd type="none" w="med" len="med"/>
-                      <a:tailEnd type="none" w="med" len="med"/>
-                    </a:lnR>
-                    <a:lnT w="6350" cap="flat" cmpd="sng" algn="ctr">
-                      <a:solidFill>
-                        <a:schemeClr val="bg1">
-                          <a:lumMod val="65000"/>
-                        </a:schemeClr>
-                      </a:solidFill>
-                      <a:prstDash val="solid"/>
-                      <a:round/>
-                      <a:headEnd type="none" w="med" len="med"/>
-                      <a:tailEnd type="none" w="med" len="med"/>
-                    </a:lnT>
-                    <a:lnB w="6350" cap="flat" cmpd="sng" algn="ctr">
-                      <a:solidFill>
-                        <a:schemeClr val="bg1">
-                          <a:lumMod val="65000"/>
-                        </a:schemeClr>
-                      </a:solidFill>
-                      <a:prstDash val="solid"/>
-                      <a:round/>
-                      <a:headEnd type="none" w="med" len="med"/>
-                      <a:tailEnd type="none" w="med" len="med"/>
-                    </a:lnB>
-                    <a:noFill/>
-                  </a:tcPr>
-                </a:tc>
-                <a:tc>
-                  <a:txBody>
-                    <a:bodyPr/>
-                    <a:lstStyle/>
-                    <a:p>
-                      <a:pPr algn="ctr"/>
-                      <a:r>
-                        <a:rPr kumimoji="0" lang="en-US" sz="1600" b="0" i="0" u="none" strike="noStrike" kern="1200" cap="none" spc="0" normalizeH="0" baseline="0" noProof="0" dirty="0">
-                          <a:ln>
-                            <a:noFill/>
-                          </a:ln>
-                          <a:solidFill>
-                            <a:prstClr val="black"/>
-                          </a:solidFill>
-                          <a:effectLst/>
-                          <a:uLnTx/>
-                          <a:uFillTx/>
-                          <a:latin typeface="Calibri"/>
-                          <a:ea typeface="+mn-ea"/>
-                          <a:cs typeface="+mn-cs"/>
-                        </a:rPr>
-                        <a:t>Text</a:t>
-                      </a:r>
-                      <a:endParaRPr lang="en-IN" sz="1600" dirty="0"/>
-                    </a:p>
-                  </a:txBody>
-                  <a:tcPr anchor="ctr">
-                    <a:lnL w="6350" cap="flat" cmpd="sng" algn="ctr">
-                      <a:solidFill>
-                        <a:schemeClr val="bg1">
-                          <a:lumMod val="65000"/>
-                        </a:schemeClr>
-                      </a:solidFill>
-                      <a:prstDash val="solid"/>
-                      <a:round/>
-                      <a:headEnd type="none" w="med" len="med"/>
-                      <a:tailEnd type="none" w="med" len="med"/>
-                    </a:lnL>
-                    <a:lnT w="6350" cap="flat" cmpd="sng" algn="ctr">
-                      <a:solidFill>
-                        <a:schemeClr val="bg1">
-                          <a:lumMod val="65000"/>
-                        </a:schemeClr>
-                      </a:solidFill>
-                      <a:prstDash val="solid"/>
-                      <a:round/>
-                      <a:headEnd type="none" w="med" len="med"/>
-                      <a:tailEnd type="none" w="med" len="med"/>
-                    </a:lnT>
-                    <a:lnB w="6350" cap="flat" cmpd="sng" algn="ctr">
-                      <a:solidFill>
-                        <a:schemeClr val="bg1">
-                          <a:lumMod val="65000"/>
-                        </a:schemeClr>
-                      </a:solidFill>
-                      <a:prstDash val="solid"/>
-                      <a:round/>
-                      <a:headEnd type="none" w="med" len="med"/>
-                      <a:tailEnd type="none" w="med" len="med"/>
-                    </a:lnB>
-                    <a:noFill/>
-                  </a:tcPr>
-                </a:tc>
-                <a:extLst>
-                  <a:ext uri="{0D108BD9-81ED-4DB2-BD59-A6C34878D82A}">
-                    <a16:rowId xmlns:a16="http://schemas.microsoft.com/office/drawing/2014/main" val="638762608"/>
-                  </a:ext>
-                </a:extLst>
-              </a:tr>
-              <a:tr h="370840">
-                <a:tc>
-                  <a:txBody>
-                    <a:bodyPr/>
-                    <a:lstStyle/>
-                    <a:p>
-                      <a:pPr algn="ctr"/>
-                      <a:r>
-                        <a:rPr lang="en-US" sz="1600" b="1" dirty="0">
-                          <a:solidFill>
-                            <a:schemeClr val="tx1"/>
-                          </a:solidFill>
-                        </a:rPr>
-                        <a:t>TOTAL</a:t>
-                      </a:r>
-                      <a:endParaRPr lang="en-IN" sz="1600" b="1" dirty="0">
-                        <a:solidFill>
-                          <a:schemeClr val="tx1"/>
-                        </a:solidFill>
-                      </a:endParaRPr>
-                    </a:p>
-                  </a:txBody>
-                  <a:tcPr anchor="ctr">
-                    <a:lnR w="6350" cap="flat" cmpd="sng" algn="ctr">
-                      <a:solidFill>
-                        <a:schemeClr val="bg1">
-                          <a:lumMod val="65000"/>
-                        </a:schemeClr>
-                      </a:solidFill>
-                      <a:prstDash val="solid"/>
-                      <a:round/>
-                      <a:headEnd type="none" w="med" len="med"/>
-                      <a:tailEnd type="none" w="med" len="med"/>
-                    </a:lnR>
-                    <a:lnT w="6350" cap="flat" cmpd="sng" algn="ctr">
-                      <a:solidFill>
-                        <a:schemeClr val="bg1">
-                          <a:lumMod val="65000"/>
-                        </a:schemeClr>
-                      </a:solidFill>
-                      <a:prstDash val="solid"/>
-                      <a:round/>
-                      <a:headEnd type="none" w="med" len="med"/>
-                      <a:tailEnd type="none" w="med" len="med"/>
-                    </a:lnT>
-                    <a:solidFill>
-                      <a:schemeClr val="bg2"/>
-                    </a:solidFill>
-                  </a:tcPr>
-                </a:tc>
-                <a:tc>
-                  <a:txBody>
-                    <a:bodyPr/>
-                    <a:lstStyle/>
-                    <a:p>
-                      <a:pPr algn="ctr"/>
-                      <a:r>
-                        <a:rPr lang="en-US" sz="1600" b="1" dirty="0"/>
-                        <a:t>Text</a:t>
-                      </a:r>
-                      <a:endParaRPr lang="en-IN" sz="1600" b="1" dirty="0"/>
-                    </a:p>
-                  </a:txBody>
-                  <a:tcPr anchor="ctr">
-                    <a:lnL w="6350" cap="flat" cmpd="sng" algn="ctr">
-                      <a:solidFill>
-                        <a:schemeClr val="bg1">
-                          <a:lumMod val="65000"/>
-                        </a:schemeClr>
-                      </a:solidFill>
-                      <a:prstDash val="solid"/>
-                      <a:round/>
-                      <a:headEnd type="none" w="med" len="med"/>
-                      <a:tailEnd type="none" w="med" len="med"/>
-                    </a:lnL>
-                    <a:lnR w="6350" cap="flat" cmpd="sng" algn="ctr">
-                      <a:solidFill>
-                        <a:schemeClr val="bg1">
-                          <a:lumMod val="65000"/>
-                        </a:schemeClr>
-                      </a:solidFill>
-                      <a:prstDash val="solid"/>
-                      <a:round/>
-                      <a:headEnd type="none" w="med" len="med"/>
-                      <a:tailEnd type="none" w="med" len="med"/>
-                    </a:lnR>
-                    <a:lnT w="6350" cap="flat" cmpd="sng" algn="ctr">
-                      <a:solidFill>
-                        <a:schemeClr val="bg1">
-                          <a:lumMod val="65000"/>
-                        </a:schemeClr>
-                      </a:solidFill>
-                      <a:prstDash val="solid"/>
-                      <a:round/>
-                      <a:headEnd type="none" w="med" len="med"/>
-                      <a:tailEnd type="none" w="med" len="med"/>
-                    </a:lnT>
-                    <a:solidFill>
-                      <a:schemeClr val="bg2"/>
-                    </a:solidFill>
-                  </a:tcPr>
-                </a:tc>
-                <a:tc>
-                  <a:txBody>
-                    <a:bodyPr/>
-                    <a:lstStyle/>
-                    <a:p>
-                      <a:pPr algn="ctr"/>
-                      <a:r>
-                        <a:rPr lang="en-US" sz="1600" b="1" dirty="0"/>
-                        <a:t>Text</a:t>
-                      </a:r>
-                      <a:endParaRPr lang="en-IN" sz="1600" dirty="0"/>
-                    </a:p>
-                  </a:txBody>
-                  <a:tcPr anchor="ctr">
-                    <a:lnL w="6350" cap="flat" cmpd="sng" algn="ctr">
-                      <a:solidFill>
-                        <a:schemeClr val="bg1">
-                          <a:lumMod val="65000"/>
-                        </a:schemeClr>
-                      </a:solidFill>
-                      <a:prstDash val="solid"/>
-                      <a:round/>
-                      <a:headEnd type="none" w="med" len="med"/>
-                      <a:tailEnd type="none" w="med" len="med"/>
-                    </a:lnL>
-                    <a:lnR w="6350" cap="flat" cmpd="sng" algn="ctr">
-                      <a:solidFill>
-                        <a:schemeClr val="bg1">
-                          <a:lumMod val="65000"/>
-                        </a:schemeClr>
-                      </a:solidFill>
-                      <a:prstDash val="solid"/>
-                      <a:round/>
-                      <a:headEnd type="none" w="med" len="med"/>
-                      <a:tailEnd type="none" w="med" len="med"/>
-                    </a:lnR>
-                    <a:lnT w="6350" cap="flat" cmpd="sng" algn="ctr">
-                      <a:solidFill>
-                        <a:schemeClr val="bg1">
-                          <a:lumMod val="65000"/>
-                        </a:schemeClr>
-                      </a:solidFill>
-                      <a:prstDash val="solid"/>
-                      <a:round/>
-                      <a:headEnd type="none" w="med" len="med"/>
-                      <a:tailEnd type="none" w="med" len="med"/>
-                    </a:lnT>
-                    <a:solidFill>
-                      <a:schemeClr val="bg2"/>
-                    </a:solidFill>
-                  </a:tcPr>
-                </a:tc>
-                <a:tc>
-                  <a:txBody>
-                    <a:bodyPr/>
-                    <a:lstStyle/>
-                    <a:p>
-                      <a:pPr algn="ctr"/>
-                      <a:r>
-                        <a:rPr lang="en-US" sz="1600" b="1" dirty="0"/>
-                        <a:t>Text</a:t>
-                      </a:r>
-                      <a:endParaRPr lang="en-IN" sz="1600" dirty="0"/>
-                    </a:p>
-                  </a:txBody>
-                  <a:tcPr anchor="ctr">
-                    <a:lnL w="6350" cap="flat" cmpd="sng" algn="ctr">
-                      <a:solidFill>
-                        <a:schemeClr val="bg1">
-                          <a:lumMod val="65000"/>
-                        </a:schemeClr>
-                      </a:solidFill>
-                      <a:prstDash val="solid"/>
-                      <a:round/>
-                      <a:headEnd type="none" w="med" len="med"/>
-                      <a:tailEnd type="none" w="med" len="med"/>
-                    </a:lnL>
-                    <a:lnR w="6350" cap="flat" cmpd="sng" algn="ctr">
-                      <a:solidFill>
-                        <a:schemeClr val="bg1">
-                          <a:lumMod val="65000"/>
-                        </a:schemeClr>
-                      </a:solidFill>
-                      <a:prstDash val="solid"/>
-                      <a:round/>
-                      <a:headEnd type="none" w="med" len="med"/>
-                      <a:tailEnd type="none" w="med" len="med"/>
-                    </a:lnR>
-                    <a:lnT w="6350" cap="flat" cmpd="sng" algn="ctr">
-                      <a:solidFill>
-                        <a:schemeClr val="bg1">
-                          <a:lumMod val="65000"/>
-                        </a:schemeClr>
-                      </a:solidFill>
-                      <a:prstDash val="solid"/>
-                      <a:round/>
-                      <a:headEnd type="none" w="med" len="med"/>
-                      <a:tailEnd type="none" w="med" len="med"/>
-                    </a:lnT>
-                    <a:solidFill>
-                      <a:schemeClr val="bg2"/>
-                    </a:solidFill>
-                  </a:tcPr>
-                </a:tc>
-                <a:tc>
-                  <a:txBody>
-                    <a:bodyPr/>
-                    <a:lstStyle/>
-                    <a:p>
-                      <a:pPr algn="ctr"/>
-                      <a:r>
-                        <a:rPr lang="en-US" sz="1600" b="1" dirty="0"/>
-                        <a:t>Text</a:t>
-                      </a:r>
-                      <a:endParaRPr lang="en-IN" sz="1600" dirty="0"/>
-                    </a:p>
-                  </a:txBody>
-                  <a:tcPr anchor="ctr">
-                    <a:lnL w="6350" cap="flat" cmpd="sng" algn="ctr">
-                      <a:solidFill>
-                        <a:schemeClr val="bg1">
-                          <a:lumMod val="65000"/>
-                        </a:schemeClr>
-                      </a:solidFill>
-                      <a:prstDash val="solid"/>
-                      <a:round/>
-                      <a:headEnd type="none" w="med" len="med"/>
-                      <a:tailEnd type="none" w="med" len="med"/>
-                    </a:lnL>
-                    <a:lnT w="6350" cap="flat" cmpd="sng" algn="ctr">
-                      <a:solidFill>
-                        <a:schemeClr val="bg1">
-                          <a:lumMod val="65000"/>
-                        </a:schemeClr>
-                      </a:solidFill>
-                      <a:prstDash val="solid"/>
-                      <a:round/>
-                      <a:headEnd type="none" w="med" len="med"/>
-                      <a:tailEnd type="none" w="med" len="med"/>
-                    </a:lnT>
-                    <a:solidFill>
-                      <a:schemeClr val="bg2"/>
-                    </a:solidFill>
-                  </a:tcPr>
-                </a:tc>
-                <a:extLst>
-                  <a:ext uri="{0D108BD9-81ED-4DB2-BD59-A6C34878D82A}">
-                    <a16:rowId xmlns:a16="http://schemas.microsoft.com/office/drawing/2014/main" val="579273402"/>
-                  </a:ext>
-                </a:extLst>
-              </a:tr>
-            </a:tbl>
-          </a:graphicData>
-        </a:graphic>
-      </p:graphicFrame>
-      <p:sp>
-        <p:nvSpPr>
-          <p:cNvPr id="4" name="Slide Number Placeholder 3"/>
-          <p:cNvSpPr>
-            <a:spLocks noGrp="1"/>
-          </p:cNvSpPr>
-          <p:nvPr>
-            <p:ph type="sldNum" sz="quarter" idx="12"/>
-          </p:nvPr>
-        </p:nvSpPr>
-        <p:spPr/>
-        <p:txBody>
-          <a:bodyPr/>
-          <a:lstStyle/>
-          <a:p>
-            <a:r>
-              <a:rPr lang="en-US" dirty="0"/>
-              <a:t>9</a:t>
-            </a:r>
-          </a:p>
-        </p:txBody>
-      </p:sp>
-    </p:spTree>
-    <p:extLst>
-      <p:ext uri="{BB962C8B-B14F-4D97-AF65-F5344CB8AC3E}">
-        <p14:creationId xmlns:p14="http://schemas.microsoft.com/office/powerpoint/2010/main" val="688656153"/>
-      </p:ext>
-    </p:extLst>
-  </p:cSld>
-  <p:clrMapOvr>
-    <a:masterClrMapping/>
-  </p:clrMapOvr>
-</p:sld>
-</file>
-
-<file path=ppt/slides/slide21.xml><?xml version="1.0" encoding="utf-8"?>
-<p:sld xmlns:a="http://schemas.openxmlformats.org/drawingml/2006/main" xmlns:r="http://schemas.openxmlformats.org/officeDocument/2006/relationships" xmlns:p="http://schemas.openxmlformats.org/presentationml/2006/main">
-  <p:cSld>
-    <p:spTree>
-      <p:nvGrpSpPr>
-        <p:cNvPr id="1" name=""/>
-        <p:cNvGrpSpPr/>
-        <p:nvPr/>
-      </p:nvGrpSpPr>
-      <p:grpSpPr>
-        <a:xfrm>
-          <a:off x="0" y="0"/>
-          <a:ext cx="0" cy="0"/>
-          <a:chOff x="0" y="0"/>
-          <a:chExt cx="0" cy="0"/>
-        </a:xfrm>
-      </p:grpSpPr>
-      <p:sp>
-        <p:nvSpPr>
-          <p:cNvPr id="2" name="Title 1">
-            <a:extLst>
-              <a:ext uri="{FF2B5EF4-FFF2-40B4-BE49-F238E27FC236}">
                 <a16:creationId xmlns:a16="http://schemas.microsoft.com/office/drawing/2014/main" id="{8FBFCA16-8D78-4A87-9023-708458E3A4F3}"/>
               </a:ext>
             </a:extLst>
@@ -22892,7 +18646,7 @@
             <a:fld id="{9EC71654-96A5-4280-94F3-931C61A9F92C}" type="slidenum">
               <a:rPr lang="en-US" smtClean="0"/>
               <a:pPr/>
-              <a:t>21</a:t>
+              <a:t>18</a:t>
             </a:fld>
             <a:endParaRPr lang="en-US" dirty="0"/>
           </a:p>
@@ -23818,7 +19572,7 @@
             <a:fld id="{9EC71654-96A5-4280-94F3-931C61A9F92C}" type="slidenum">
               <a:rPr lang="en-US" smtClean="0"/>
               <a:pPr/>
-              <a:t>21</a:t>
+              <a:t>18</a:t>
             </a:fld>
             <a:endParaRPr lang="en-US" dirty="0"/>
           </a:p>
@@ -24029,7 +19783,7 @@
 </p:sld>
 </file>
 
-<file path=ppt/slides/slide22.xml><?xml version="1.0" encoding="utf-8"?>
+<file path=ppt/slides/slide19.xml><?xml version="1.0" encoding="utf-8"?>
 <p:sld xmlns:a="http://schemas.openxmlformats.org/drawingml/2006/main" xmlns:r="http://schemas.openxmlformats.org/officeDocument/2006/relationships" xmlns:p="http://schemas.openxmlformats.org/presentationml/2006/main">
   <p:cSld>
     <p:spTree>
@@ -24171,6 +19925,170 @@
     <p:extLst>
       <p:ext uri="{BB962C8B-B14F-4D97-AF65-F5344CB8AC3E}">
         <p14:creationId xmlns:p14="http://schemas.microsoft.com/office/powerpoint/2010/main" val="2928802494"/>
+      </p:ext>
+    </p:extLst>
+  </p:cSld>
+  <p:clrMapOvr>
+    <a:masterClrMapping/>
+  </p:clrMapOvr>
+</p:sld>
+</file>
+
+<file path=ppt/slides/slide2.xml><?xml version="1.0" encoding="utf-8"?>
+<p:sld xmlns:a="http://schemas.openxmlformats.org/drawingml/2006/main" xmlns:r="http://schemas.openxmlformats.org/officeDocument/2006/relationships" xmlns:p="http://schemas.openxmlformats.org/presentationml/2006/main">
+  <p:cSld>
+    <p:spTree>
+      <p:nvGrpSpPr>
+        <p:cNvPr id="1" name=""/>
+        <p:cNvGrpSpPr/>
+        <p:nvPr/>
+      </p:nvGrpSpPr>
+      <p:grpSpPr>
+        <a:xfrm>
+          <a:off x="0" y="0"/>
+          <a:ext cx="0" cy="0"/>
+          <a:chOff x="0" y="0"/>
+          <a:chExt cx="0" cy="0"/>
+        </a:xfrm>
+      </p:grpSpPr>
+      <p:sp>
+        <p:nvSpPr>
+          <p:cNvPr id="2" name="Title 1">
+            <a:extLst>
+              <a:ext uri="{FF2B5EF4-FFF2-40B4-BE49-F238E27FC236}">
+                <a16:creationId xmlns:a16="http://schemas.microsoft.com/office/drawing/2014/main" id="{E2C50832-0B36-43C5-98EC-4CD165D78718}"/>
+              </a:ext>
+            </a:extLst>
+          </p:cNvPr>
+          <p:cNvSpPr>
+            <a:spLocks noGrp="1"/>
+          </p:cNvSpPr>
+          <p:nvPr>
+            <p:ph type="title"/>
+          </p:nvPr>
+        </p:nvSpPr>
+        <p:spPr/>
+        <p:txBody>
+          <a:bodyPr/>
+          <a:lstStyle/>
+          <a:p>
+            <a:r>
+              <a:rPr lang="en-US" dirty="0"/>
+              <a:t>Problem statement</a:t>
+            </a:r>
+            <a:br>
+              <a:rPr lang="en-US" dirty="0"/>
+            </a:br>
+            <a:endParaRPr lang="en-US" dirty="0"/>
+          </a:p>
+        </p:txBody>
+      </p:sp>
+      <p:sp>
+        <p:nvSpPr>
+          <p:cNvPr id="3" name="Content Placeholder 2">
+            <a:extLst>
+              <a:ext uri="{FF2B5EF4-FFF2-40B4-BE49-F238E27FC236}">
+                <a16:creationId xmlns:a16="http://schemas.microsoft.com/office/drawing/2014/main" id="{552A9C73-06ED-419B-81B5-491CBFC22330}"/>
+              </a:ext>
+            </a:extLst>
+          </p:cNvPr>
+          <p:cNvSpPr>
+            <a:spLocks noGrp="1"/>
+          </p:cNvSpPr>
+          <p:nvPr>
+            <p:ph idx="1"/>
+          </p:nvPr>
+        </p:nvSpPr>
+        <p:spPr>
+          <a:xfrm>
+            <a:off x="515938" y="1486958"/>
+            <a:ext cx="6759306" cy="1815042"/>
+          </a:xfrm>
+        </p:spPr>
+        <p:txBody>
+          <a:bodyPr/>
+          <a:lstStyle/>
+          <a:p>
+            <a:r>
+              <a:rPr lang="en-US" dirty="0">
+                <a:latin typeface="+mj-lt"/>
+              </a:rPr>
+              <a:t>We are experiencing a downfall in the people showing interest in cycle racing, and we need to promote and get the people interested again, we have decided to increase the fan involvement, by revamping the digital presence. </a:t>
+            </a:r>
+          </a:p>
+          <a:p>
+            <a:pPr marL="0" indent="0">
+              <a:buNone/>
+            </a:pPr>
+            <a:endParaRPr lang="en-US" sz="1800" dirty="0">
+              <a:latin typeface="+mj-lt"/>
+            </a:endParaRPr>
+          </a:p>
+        </p:txBody>
+      </p:sp>
+      <p:pic>
+        <p:nvPicPr>
+          <p:cNvPr id="7" name="Picture Placeholder 6">
+            <a:extLst>
+              <a:ext uri="{FF2B5EF4-FFF2-40B4-BE49-F238E27FC236}">
+                <a16:creationId xmlns:a16="http://schemas.microsoft.com/office/drawing/2014/main" id="{A241642C-CB49-4AA1-9EAD-3BCEA280B5B6}"/>
+              </a:ext>
+            </a:extLst>
+          </p:cNvPr>
+          <p:cNvPicPr>
+            <a:picLocks noGrp="1" noChangeAspect="1"/>
+          </p:cNvPicPr>
+          <p:nvPr>
+            <p:ph type="pic" sz="quarter" idx="13"/>
+          </p:nvPr>
+        </p:nvPicPr>
+        <p:blipFill>
+          <a:blip r:embed="rId3"/>
+          <a:stretch>
+            <a:fillRect/>
+          </a:stretch>
+        </p:blipFill>
+        <p:spPr>
+          <a:xfrm>
+            <a:off x="7552267" y="1"/>
+            <a:ext cx="4639733" cy="3930360"/>
+          </a:xfrm>
+        </p:spPr>
+      </p:pic>
+      <p:sp>
+        <p:nvSpPr>
+          <p:cNvPr id="4" name="Slide Number Placeholder 3">
+            <a:extLst>
+              <a:ext uri="{FF2B5EF4-FFF2-40B4-BE49-F238E27FC236}">
+                <a16:creationId xmlns:a16="http://schemas.microsoft.com/office/drawing/2014/main" id="{3B5C6BAC-F3F8-4AA0-B332-02F663571328}"/>
+              </a:ext>
+            </a:extLst>
+          </p:cNvPr>
+          <p:cNvSpPr>
+            <a:spLocks noGrp="1"/>
+          </p:cNvSpPr>
+          <p:nvPr>
+            <p:ph type="sldNum" sz="quarter" idx="12"/>
+          </p:nvPr>
+        </p:nvSpPr>
+        <p:spPr/>
+        <p:txBody>
+          <a:bodyPr/>
+          <a:lstStyle/>
+          <a:p>
+            <a:fld id="{9EC71654-96A5-4280-94F3-931C61A9F92C}" type="slidenum">
+              <a:rPr lang="en-US" smtClean="0"/>
+              <a:pPr/>
+              <a:t>2</a:t>
+            </a:fld>
+            <a:endParaRPr lang="en-US" dirty="0"/>
+          </a:p>
+        </p:txBody>
+      </p:sp>
+    </p:spTree>
+    <p:extLst>
+      <p:ext uri="{BB962C8B-B14F-4D97-AF65-F5344CB8AC3E}">
+        <p14:creationId xmlns:p14="http://schemas.microsoft.com/office/powerpoint/2010/main" val="433561355"/>
       </p:ext>
     </p:extLst>
   </p:cSld>
@@ -26787,6 +22705,14 @@
 </file>
 
 <file path=customXml/item1.xml><?xml version="1.0" encoding="utf-8"?>
+<p:properties xmlns:p="http://schemas.microsoft.com/office/2006/metadata/properties" xmlns:xsi="http://www.w3.org/2001/XMLSchema-instance" xmlns:pc="http://schemas.microsoft.com/office/infopath/2007/PartnerControls">
+  <documentManagement>
+    <MediaServiceKeyPoints xmlns="71af3243-3dd4-4a8d-8c0d-dd76da1f02a5" xsi:nil="true"/>
+  </documentManagement>
+</p:properties>
+</file>
+
+<file path=customXml/item2.xml><?xml version="1.0" encoding="utf-8"?>
 <ct:contentTypeSchema xmlns:ct="http://schemas.microsoft.com/office/2006/metadata/contentType" xmlns:ma="http://schemas.microsoft.com/office/2006/metadata/properties/metaAttributes" ct:_="" ma:_="" ma:contentTypeName="Document" ma:contentTypeID="0x01010079F111ED35F8CC479449609E8A0923A6" ma:contentTypeVersion="11" ma:contentTypeDescription="Create a new document." ma:contentTypeScope="" ma:versionID="9677210f24a1be23c92c90fd886aa0aa">
   <xsd:schema xmlns:xsd="http://www.w3.org/2001/XMLSchema" xmlns:xs="http://www.w3.org/2001/XMLSchema" xmlns:p="http://schemas.microsoft.com/office/2006/metadata/properties" xmlns:ns2="71af3243-3dd4-4a8d-8c0d-dd76da1f02a5" xmlns:ns3="16c05727-aa75-4e4a-9b5f-8a80a1165891" targetNamespace="http://schemas.microsoft.com/office/2006/metadata/properties" ma:root="true" ma:fieldsID="60e05723c5c1908df1a1a4ebf11d344e" ns2:_="" ns3:_="">
     <xsd:import namespace="71af3243-3dd4-4a8d-8c0d-dd76da1f02a5"/>
@@ -26997,14 +22923,6 @@
 </ct:contentTypeSchema>
 </file>
 
-<file path=customXml/item2.xml><?xml version="1.0" encoding="utf-8"?>
-<p:properties xmlns:p="http://schemas.microsoft.com/office/2006/metadata/properties" xmlns:xsi="http://www.w3.org/2001/XMLSchema-instance" xmlns:pc="http://schemas.microsoft.com/office/infopath/2007/PartnerControls">
-  <documentManagement>
-    <MediaServiceKeyPoints xmlns="71af3243-3dd4-4a8d-8c0d-dd76da1f02a5" xsi:nil="true"/>
-  </documentManagement>
-</p:properties>
-</file>
-
 <file path=customXml/item3.xml><?xml version="1.0" encoding="utf-8"?>
 <?mso-contentType ?>
 <FormTemplates xmlns="http://schemas.microsoft.com/sharepoint/v3/contenttype/forms">
@@ -27015,6 +22933,23 @@
 </file>
 
 <file path=customXml/itemProps1.xml><?xml version="1.0" encoding="utf-8"?>
+<ds:datastoreItem xmlns:ds="http://schemas.openxmlformats.org/officeDocument/2006/customXml" ds:itemID="{CEA9B47F-3DD8-4645-81DC-B88780643C07}">
+  <ds:schemaRefs>
+    <ds:schemaRef ds:uri="http://schemas.microsoft.com/office/2006/documentManagement/types"/>
+    <ds:schemaRef ds:uri="http://purl.org/dc/elements/1.1/"/>
+    <ds:schemaRef ds:uri="http://purl.org/dc/terms/"/>
+    <ds:schemaRef ds:uri="71af3243-3dd4-4a8d-8c0d-dd76da1f02a5"/>
+    <ds:schemaRef ds:uri="http://schemas.microsoft.com/office/2006/metadata/properties"/>
+    <ds:schemaRef ds:uri="http://purl.org/dc/dcmitype/"/>
+    <ds:schemaRef ds:uri="http://schemas.openxmlformats.org/package/2006/metadata/core-properties"/>
+    <ds:schemaRef ds:uri="http://schemas.microsoft.com/office/infopath/2007/PartnerControls"/>
+    <ds:schemaRef ds:uri="16c05727-aa75-4e4a-9b5f-8a80a1165891"/>
+    <ds:schemaRef ds:uri="http://www.w3.org/XML/1998/namespace"/>
+  </ds:schemaRefs>
+</ds:datastoreItem>
+</file>
+
+<file path=customXml/itemProps2.xml><?xml version="1.0" encoding="utf-8"?>
 <ds:datastoreItem xmlns:ds="http://schemas.openxmlformats.org/officeDocument/2006/customXml" ds:itemID="{631071E6-22AE-499A-B09C-BF21CF5F7483}">
   <ds:schemaRefs>
     <ds:schemaRef ds:uri="http://schemas.microsoft.com/office/2006/metadata/contentType"/>
@@ -27033,23 +22968,6 @@
 </ds:datastoreItem>
 </file>
 
-<file path=customXml/itemProps2.xml><?xml version="1.0" encoding="utf-8"?>
-<ds:datastoreItem xmlns:ds="http://schemas.openxmlformats.org/officeDocument/2006/customXml" ds:itemID="{CEA9B47F-3DD8-4645-81DC-B88780643C07}">
-  <ds:schemaRefs>
-    <ds:schemaRef ds:uri="http://schemas.microsoft.com/office/2006/documentManagement/types"/>
-    <ds:schemaRef ds:uri="http://purl.org/dc/elements/1.1/"/>
-    <ds:schemaRef ds:uri="http://purl.org/dc/terms/"/>
-    <ds:schemaRef ds:uri="71af3243-3dd4-4a8d-8c0d-dd76da1f02a5"/>
-    <ds:schemaRef ds:uri="http://schemas.microsoft.com/office/2006/metadata/properties"/>
-    <ds:schemaRef ds:uri="http://purl.org/dc/dcmitype/"/>
-    <ds:schemaRef ds:uri="http://schemas.openxmlformats.org/package/2006/metadata/core-properties"/>
-    <ds:schemaRef ds:uri="http://schemas.microsoft.com/office/infopath/2007/PartnerControls"/>
-    <ds:schemaRef ds:uri="16c05727-aa75-4e4a-9b5f-8a80a1165891"/>
-    <ds:schemaRef ds:uri="http://www.w3.org/XML/1998/namespace"/>
-  </ds:schemaRefs>
-</ds:datastoreItem>
-</file>
-
 <file path=customXml/itemProps3.xml><?xml version="1.0" encoding="utf-8"?>
 <ds:datastoreItem xmlns:ds="http://schemas.openxmlformats.org/officeDocument/2006/customXml" ds:itemID="{B0C07E3D-60A7-4F4E-8208-D9CCD01982CB}">
   <ds:schemaRefs>
